--- a/Presentation/So you want an API.pptx
+++ b/Presentation/So you want an API.pptx
@@ -3036,6 +3036,13 @@
   <p:clrMapOvr>
     <a:masterClrMapping/>
   </p:clrMapOvr>
+  <p:timing>
+    <p:tnLst>
+      <p:par>
+        <p:cTn id="1" dur="indefinite" restart="never" nodeType="tmRoot"/>
+      </p:par>
+    </p:tnLst>
+  </p:timing>
 </p:sld>
 </file>
 
@@ -3096,6 +3103,13 @@
   <p:clrMapOvr>
     <a:masterClrMapping/>
   </p:clrMapOvr>
+  <p:timing>
+    <p:tnLst>
+      <p:par>
+        <p:cTn id="1" dur="indefinite" restart="never" nodeType="tmRoot"/>
+      </p:par>
+    </p:tnLst>
+  </p:timing>
 </p:sld>
 </file>
 
@@ -3216,6 +3230,13 @@
   <p:clrMapOvr>
     <a:masterClrMapping/>
   </p:clrMapOvr>
+  <p:timing>
+    <p:tnLst>
+      <p:par>
+        <p:cTn id="1" dur="indefinite" restart="never" nodeType="tmRoot"/>
+      </p:par>
+    </p:tnLst>
+  </p:timing>
 </p:sld>
 </file>
 
@@ -3293,6 +3314,13 @@
   <p:clrMapOvr>
     <a:masterClrMapping/>
   </p:clrMapOvr>
+  <p:timing>
+    <p:tnLst>
+      <p:par>
+        <p:cTn id="1" dur="indefinite" restart="never" nodeType="tmRoot"/>
+      </p:par>
+    </p:tnLst>
+  </p:timing>
 </p:sld>
 </file>
 
@@ -3353,6 +3381,13 @@
   <p:clrMapOvr>
     <a:masterClrMapping/>
   </p:clrMapOvr>
+  <p:timing>
+    <p:tnLst>
+      <p:par>
+        <p:cTn id="1" dur="indefinite" restart="never" nodeType="tmRoot"/>
+      </p:par>
+    </p:tnLst>
+  </p:timing>
 </p:sld>
 </file>
 
@@ -3808,6 +3843,13 @@
   <p:clrMapOvr>
     <a:masterClrMapping/>
   </p:clrMapOvr>
+  <p:timing>
+    <p:tnLst>
+      <p:par>
+        <p:cTn id="1" dur="indefinite" restart="never" nodeType="tmRoot"/>
+      </p:par>
+    </p:tnLst>
+  </p:timing>
 </p:sld>
 </file>
 
@@ -4840,7 +4882,7 @@
           <p:nvPr>
             <p:extLst>
               <p:ext uri="{D42A27DB-BD31-4B8C-83A1-F6EECF244321}">
-                <p14:modId xmlns:p14="http://schemas.microsoft.com/office/powerpoint/2010/main" val="3488666304"/>
+                <p14:modId xmlns:p14="http://schemas.microsoft.com/office/powerpoint/2010/main" val="4293953390"/>
               </p:ext>
             </p:extLst>
           </p:nvPr>
@@ -5022,7 +5064,7 @@
                     <a:p>
                       <a:r>
                         <a:rPr lang="en-US" dirty="0" smtClean="0"/>
-                        <a:t>Poorly</a:t>
+                        <a:t>Yes</a:t>
                       </a:r>
                       <a:endParaRPr lang="en-US" dirty="0"/>
                     </a:p>
@@ -5462,7 +5504,7 @@
           <p:nvPr>
             <p:extLst>
               <p:ext uri="{D42A27DB-BD31-4B8C-83A1-F6EECF244321}">
-                <p14:modId xmlns:p14="http://schemas.microsoft.com/office/powerpoint/2010/main" val="195650806"/>
+                <p14:modId xmlns:p14="http://schemas.microsoft.com/office/powerpoint/2010/main" val="3503164330"/>
               </p:ext>
             </p:extLst>
           </p:nvPr>
@@ -5673,7 +5715,7 @@
                     <a:p>
                       <a:r>
                         <a:rPr lang="en-US" dirty="0" smtClean="0"/>
-                        <a:t>Poorly</a:t>
+                        <a:t>Yes</a:t>
                       </a:r>
                       <a:endParaRPr lang="en-US" dirty="0"/>
                     </a:p>
@@ -6102,6 +6144,13 @@
   <p:clrMapOvr>
     <a:masterClrMapping/>
   </p:clrMapOvr>
+  <p:timing>
+    <p:tnLst>
+      <p:par>
+        <p:cTn id="1" dur="indefinite" restart="never" nodeType="tmRoot"/>
+      </p:par>
+    </p:tnLst>
+  </p:timing>
 </p:sld>
 </file>
 
@@ -6281,7 +6330,7 @@
           <p:nvPr>
             <p:extLst>
               <p:ext uri="{D42A27DB-BD31-4B8C-83A1-F6EECF244321}">
-                <p14:modId xmlns:p14="http://schemas.microsoft.com/office/powerpoint/2010/main" val="1403374303"/>
+                <p14:modId xmlns:p14="http://schemas.microsoft.com/office/powerpoint/2010/main" val="4171893342"/>
               </p:ext>
             </p:extLst>
           </p:nvPr>
@@ -6520,8 +6569,8 @@
                     <a:lstStyle/>
                     <a:p>
                       <a:r>
-                        <a:rPr lang="en-US" dirty="0" smtClean="0"/>
-                        <a:t>Poorly</a:t>
+                        <a:rPr lang="en-US" smtClean="0"/>
+                        <a:t>Yes</a:t>
                       </a:r>
                       <a:endParaRPr lang="en-US" dirty="0"/>
                     </a:p>
@@ -7189,6 +7238,13 @@
   <p:clrMapOvr>
     <a:masterClrMapping/>
   </p:clrMapOvr>
+  <p:timing>
+    <p:tnLst>
+      <p:par>
+        <p:cTn id="1" dur="indefinite" restart="never" nodeType="tmRoot"/>
+      </p:par>
+    </p:tnLst>
+  </p:timing>
 </p:sld>
 </file>
 
@@ -7249,6 +7305,13 @@
   <p:clrMapOvr>
     <a:masterClrMapping/>
   </p:clrMapOvr>
+  <p:timing>
+    <p:tnLst>
+      <p:par>
+        <p:cTn id="1" dur="indefinite" restart="never" nodeType="tmRoot"/>
+      </p:par>
+    </p:tnLst>
+  </p:timing>
 </p:sld>
 </file>
 
@@ -7309,6 +7372,13 @@
   <p:clrMapOvr>
     <a:masterClrMapping/>
   </p:clrMapOvr>
+  <p:timing>
+    <p:tnLst>
+      <p:par>
+        <p:cTn id="1" dur="indefinite" restart="never" nodeType="tmRoot"/>
+      </p:par>
+    </p:tnLst>
+  </p:timing>
 </p:sld>
 </file>
 
@@ -7367,6 +7437,13 @@
   <p:clrMapOvr>
     <a:masterClrMapping/>
   </p:clrMapOvr>
+  <p:timing>
+    <p:tnLst>
+      <p:par>
+        <p:cTn id="1" dur="indefinite" restart="never" nodeType="tmRoot"/>
+      </p:par>
+    </p:tnLst>
+  </p:timing>
 </p:sld>
 </file>
 
@@ -7427,6 +7504,13 @@
   <p:clrMapOvr>
     <a:masterClrMapping/>
   </p:clrMapOvr>
+  <p:timing>
+    <p:tnLst>
+      <p:par>
+        <p:cTn id="1" dur="indefinite" restart="never" nodeType="tmRoot"/>
+      </p:par>
+    </p:tnLst>
+  </p:timing>
 </p:sld>
 </file>
 

--- a/Presentation/So you want an API.pptx
+++ b/Presentation/So you want an API.pptx
@@ -28,12 +28,12 @@
     <p:sldId id="279" r:id="rId22"/>
     <p:sldId id="284" r:id="rId23"/>
     <p:sldId id="289" r:id="rId24"/>
-    <p:sldId id="276" r:id="rId25"/>
-    <p:sldId id="281" r:id="rId26"/>
-    <p:sldId id="286" r:id="rId27"/>
-    <p:sldId id="278" r:id="rId28"/>
-    <p:sldId id="283" r:id="rId29"/>
-    <p:sldId id="288" r:id="rId30"/>
+    <p:sldId id="290" r:id="rId25"/>
+    <p:sldId id="291" r:id="rId26"/>
+    <p:sldId id="292" r:id="rId27"/>
+    <p:sldId id="276" r:id="rId28"/>
+    <p:sldId id="281" r:id="rId29"/>
+    <p:sldId id="286" r:id="rId30"/>
     <p:sldId id="277" r:id="rId31"/>
     <p:sldId id="282" r:id="rId32"/>
     <p:sldId id="287" r:id="rId33"/>
@@ -136,6 +136,11 @@
       </a:defRPr>
     </a:lvl9pPr>
   </p:defaultTextStyle>
+  <p:extLst>
+    <p:ext uri="{EFAFB233-063F-42B5-8137-9DF3F51BA10A}">
+      <p15:sldGuideLst xmlns:p15="http://schemas.microsoft.com/office/powerpoint/2012/main"/>
+    </p:ext>
+  </p:extLst>
 </p:presentation>
 </file>
 
@@ -270,7 +275,7 @@
           <a:p>
             <a:fld id="{BF7EF908-C5A3-4314-9F2A-0F776F401AC6}" type="datetimeFigureOut">
               <a:rPr lang="en-US" smtClean="0"/>
-              <a:t>6/7/2013</a:t>
+              <a:t>6/8/2013</a:t>
             </a:fld>
             <a:endParaRPr lang="en-US"/>
           </a:p>
@@ -440,7 +445,7 @@
           <a:p>
             <a:fld id="{BF7EF908-C5A3-4314-9F2A-0F776F401AC6}" type="datetimeFigureOut">
               <a:rPr lang="en-US" smtClean="0"/>
-              <a:t>6/7/2013</a:t>
+              <a:t>6/8/2013</a:t>
             </a:fld>
             <a:endParaRPr lang="en-US"/>
           </a:p>
@@ -620,7 +625,7 @@
           <a:p>
             <a:fld id="{BF7EF908-C5A3-4314-9F2A-0F776F401AC6}" type="datetimeFigureOut">
               <a:rPr lang="en-US" smtClean="0"/>
-              <a:t>6/7/2013</a:t>
+              <a:t>6/8/2013</a:t>
             </a:fld>
             <a:endParaRPr lang="en-US"/>
           </a:p>
@@ -790,7 +795,7 @@
           <a:p>
             <a:fld id="{BF7EF908-C5A3-4314-9F2A-0F776F401AC6}" type="datetimeFigureOut">
               <a:rPr lang="en-US" smtClean="0"/>
-              <a:t>6/7/2013</a:t>
+              <a:t>6/8/2013</a:t>
             </a:fld>
             <a:endParaRPr lang="en-US"/>
           </a:p>
@@ -1036,7 +1041,7 @@
           <a:p>
             <a:fld id="{BF7EF908-C5A3-4314-9F2A-0F776F401AC6}" type="datetimeFigureOut">
               <a:rPr lang="en-US" smtClean="0"/>
-              <a:t>6/7/2013</a:t>
+              <a:t>6/8/2013</a:t>
             </a:fld>
             <a:endParaRPr lang="en-US"/>
           </a:p>
@@ -1268,7 +1273,7 @@
           <a:p>
             <a:fld id="{BF7EF908-C5A3-4314-9F2A-0F776F401AC6}" type="datetimeFigureOut">
               <a:rPr lang="en-US" smtClean="0"/>
-              <a:t>6/7/2013</a:t>
+              <a:t>6/8/2013</a:t>
             </a:fld>
             <a:endParaRPr lang="en-US"/>
           </a:p>
@@ -1635,7 +1640,7 @@
           <a:p>
             <a:fld id="{BF7EF908-C5A3-4314-9F2A-0F776F401AC6}" type="datetimeFigureOut">
               <a:rPr lang="en-US" smtClean="0"/>
-              <a:t>6/7/2013</a:t>
+              <a:t>6/8/2013</a:t>
             </a:fld>
             <a:endParaRPr lang="en-US"/>
           </a:p>
@@ -1753,7 +1758,7 @@
           <a:p>
             <a:fld id="{BF7EF908-C5A3-4314-9F2A-0F776F401AC6}" type="datetimeFigureOut">
               <a:rPr lang="en-US" smtClean="0"/>
-              <a:t>6/7/2013</a:t>
+              <a:t>6/8/2013</a:t>
             </a:fld>
             <a:endParaRPr lang="en-US"/>
           </a:p>
@@ -1848,7 +1853,7 @@
           <a:p>
             <a:fld id="{BF7EF908-C5A3-4314-9F2A-0F776F401AC6}" type="datetimeFigureOut">
               <a:rPr lang="en-US" smtClean="0"/>
-              <a:t>6/7/2013</a:t>
+              <a:t>6/8/2013</a:t>
             </a:fld>
             <a:endParaRPr lang="en-US"/>
           </a:p>
@@ -2125,7 +2130,7 @@
           <a:p>
             <a:fld id="{BF7EF908-C5A3-4314-9F2A-0F776F401AC6}" type="datetimeFigureOut">
               <a:rPr lang="en-US" smtClean="0"/>
-              <a:t>6/7/2013</a:t>
+              <a:t>6/8/2013</a:t>
             </a:fld>
             <a:endParaRPr lang="en-US"/>
           </a:p>
@@ -2378,7 +2383,7 @@
           <a:p>
             <a:fld id="{BF7EF908-C5A3-4314-9F2A-0F776F401AC6}" type="datetimeFigureOut">
               <a:rPr lang="en-US" smtClean="0"/>
-              <a:t>6/7/2013</a:t>
+              <a:t>6/8/2013</a:t>
             </a:fld>
             <a:endParaRPr lang="en-US"/>
           </a:p>
@@ -2591,7 +2596,7 @@
           <a:p>
             <a:fld id="{BF7EF908-C5A3-4314-9F2A-0F776F401AC6}" type="datetimeFigureOut">
               <a:rPr lang="en-US" smtClean="0"/>
-              <a:t>6/7/2013</a:t>
+              <a:t>6/8/2013</a:t>
             </a:fld>
             <a:endParaRPr lang="en-US"/>
           </a:p>
@@ -4712,7 +4717,7 @@
           <p:nvPr/>
         </p:nvPicPr>
         <p:blipFill>
-          <a:blip r:embed="rId2">
+          <a:blip r:embed="rId2" cstate="print">
             <a:extLst>
               <a:ext uri="{28A0092B-C50C-407E-A947-70E740481C1C}">
                 <a14:useLocalDpi xmlns:a14="http://schemas.microsoft.com/office/drawing/2010/main" val="0"/>
@@ -4725,8 +4730,8 @@
         </p:blipFill>
         <p:spPr>
           <a:xfrm>
-            <a:off x="2618890" y="1171260"/>
-            <a:ext cx="6954220" cy="4515480"/>
+            <a:off x="1497110" y="2064835"/>
+            <a:ext cx="9197780" cy="2728331"/>
           </a:xfrm>
           <a:prstGeom prst="rect">
             <a:avLst/>
@@ -4736,7 +4741,7 @@
     </p:spTree>
     <p:extLst>
       <p:ext uri="{BB962C8B-B14F-4D97-AF65-F5344CB8AC3E}">
-        <p14:creationId xmlns:p14="http://schemas.microsoft.com/office/powerpoint/2010/main" val="2656687989"/>
+        <p14:creationId xmlns:p14="http://schemas.microsoft.com/office/powerpoint/2010/main" val="214700940"/>
       </p:ext>
     </p:extLst>
   </p:cSld>
@@ -4794,27 +4799,7 @@
             </a:r>
             <a:r>
               <a:rPr lang="en-US" dirty="0" err="1" smtClean="0"/>
-              <a:t>serialseb</a:t>
-            </a:r>
-            <a:r>
-              <a:rPr lang="en-US" dirty="0" smtClean="0"/>
-              <a:t> (</a:t>
-            </a:r>
-            <a:r>
-              <a:rPr lang="en-US" dirty="0" err="1" smtClean="0"/>
-              <a:t>Sebastien</a:t>
-            </a:r>
-            <a:r>
-              <a:rPr lang="en-US" dirty="0" smtClean="0"/>
-              <a:t> </a:t>
-            </a:r>
-            <a:r>
-              <a:rPr lang="en-US" dirty="0" err="1" smtClean="0"/>
-              <a:t>Lambla</a:t>
-            </a:r>
-            <a:r>
-              <a:rPr lang="en-US" dirty="0" smtClean="0"/>
-              <a:t>)</a:t>
+              <a:t>demisbellot</a:t>
             </a:r>
             <a:endParaRPr lang="en-US" dirty="0" smtClean="0"/>
           </a:p>
@@ -4830,7 +4815,7 @@
             </a:pPr>
             <a:r>
               <a:rPr lang="en-US" dirty="0" smtClean="0"/>
-              <a:t>http://openrasta.org</a:t>
+              <a:t>http://www.servicestack.net</a:t>
             </a:r>
             <a:endParaRPr lang="en-US" dirty="0"/>
           </a:p>
@@ -4839,7 +4824,7 @@
     </p:spTree>
     <p:extLst>
       <p:ext uri="{BB962C8B-B14F-4D97-AF65-F5344CB8AC3E}">
-        <p14:creationId xmlns:p14="http://schemas.microsoft.com/office/powerpoint/2010/main" val="1132473208"/>
+        <p14:creationId xmlns:p14="http://schemas.microsoft.com/office/powerpoint/2010/main" val="3446256781"/>
       </p:ext>
     </p:extLst>
   </p:cSld>
@@ -4882,7 +4867,7 @@
           <p:nvPr>
             <p:extLst>
               <p:ext uri="{D42A27DB-BD31-4B8C-83A1-F6EECF244321}">
-                <p14:modId xmlns:p14="http://schemas.microsoft.com/office/powerpoint/2010/main" val="4293953390"/>
+                <p14:modId xmlns:p14="http://schemas.microsoft.com/office/powerpoint/2010/main" val="3882351877"/>
               </p:ext>
             </p:extLst>
           </p:nvPr>
@@ -4949,7 +4934,7 @@
                     <a:p>
                       <a:r>
                         <a:rPr lang="en-US" dirty="0" err="1" smtClean="0"/>
-                        <a:t>OpenRasta</a:t>
+                        <a:t>ServiceStack</a:t>
                       </a:r>
                       <a:endParaRPr lang="en-US" dirty="0"/>
                     </a:p>
@@ -5006,7 +4991,7 @@
                     <a:p>
                       <a:r>
                         <a:rPr lang="en-US" dirty="0" smtClean="0"/>
-                        <a:t>Poor</a:t>
+                        <a:t>Good</a:t>
                       </a:r>
                       <a:endParaRPr lang="en-US" dirty="0"/>
                     </a:p>
@@ -5122,7 +5107,7 @@
                     <a:p>
                       <a:r>
                         <a:rPr lang="en-US" dirty="0" smtClean="0"/>
-                        <a:t>No</a:t>
+                        <a:t>Yes</a:t>
                       </a:r>
                       <a:endParaRPr lang="en-US" dirty="0"/>
                     </a:p>
@@ -5238,7 +5223,7 @@
                     <a:p>
                       <a:r>
                         <a:rPr lang="en-US" dirty="0" smtClean="0"/>
-                        <a:t>You will</a:t>
+                        <a:t>Great</a:t>
                       </a:r>
                       <a:endParaRPr lang="en-US" dirty="0"/>
                     </a:p>
@@ -5296,7 +5281,7 @@
                     <a:p>
                       <a:r>
                         <a:rPr lang="en-US" dirty="0" smtClean="0"/>
-                        <a:t>IIS</a:t>
+                        <a:t>IIS, Self, Mono</a:t>
                       </a:r>
                       <a:endParaRPr lang="en-US" dirty="0"/>
                     </a:p>
@@ -5311,7 +5296,7 @@
     </p:spTree>
     <p:extLst>
       <p:ext uri="{BB962C8B-B14F-4D97-AF65-F5344CB8AC3E}">
-        <p14:creationId xmlns:p14="http://schemas.microsoft.com/office/powerpoint/2010/main" val="2146069233"/>
+        <p14:creationId xmlns:p14="http://schemas.microsoft.com/office/powerpoint/2010/main" val="617055372"/>
       </p:ext>
     </p:extLst>
   </p:cSld>
@@ -5354,7 +5339,7 @@
           <p:nvPr/>
         </p:nvPicPr>
         <p:blipFill>
-          <a:blip r:embed="rId2" cstate="print">
+          <a:blip r:embed="rId2">
             <a:extLst>
               <a:ext uri="{28A0092B-C50C-407E-A947-70E740481C1C}">
                 <a14:useLocalDpi xmlns:a14="http://schemas.microsoft.com/office/drawing/2010/main" val="0"/>
@@ -5367,8 +5352,8 @@
         </p:blipFill>
         <p:spPr>
           <a:xfrm>
-            <a:off x="1497110" y="2064835"/>
-            <a:ext cx="9197780" cy="2728331"/>
+            <a:off x="2618890" y="1171260"/>
+            <a:ext cx="6954220" cy="4515480"/>
           </a:xfrm>
           <a:prstGeom prst="rect">
             <a:avLst/>
@@ -5378,7 +5363,7 @@
     </p:spTree>
     <p:extLst>
       <p:ext uri="{BB962C8B-B14F-4D97-AF65-F5344CB8AC3E}">
-        <p14:creationId xmlns:p14="http://schemas.microsoft.com/office/powerpoint/2010/main" val="3395432300"/>
+        <p14:creationId xmlns:p14="http://schemas.microsoft.com/office/powerpoint/2010/main" val="2656687989"/>
       </p:ext>
     </p:extLst>
   </p:cSld>
@@ -5436,9 +5421,28 @@
             </a:r>
             <a:r>
               <a:rPr lang="en-US" dirty="0" err="1" smtClean="0"/>
-              <a:t>demisbellot</a:t>
-            </a:r>
-            <a:endParaRPr lang="en-US" dirty="0" smtClean="0"/>
+              <a:t>serialseb</a:t>
+            </a:r>
+            <a:r>
+              <a:rPr lang="en-US" dirty="0" smtClean="0"/>
+              <a:t> (</a:t>
+            </a:r>
+            <a:r>
+              <a:rPr lang="en-US" dirty="0" err="1" smtClean="0"/>
+              <a:t>Sebastien</a:t>
+            </a:r>
+            <a:r>
+              <a:rPr lang="en-US" dirty="0" smtClean="0"/>
+              <a:t> </a:t>
+            </a:r>
+            <a:r>
+              <a:rPr lang="en-US" dirty="0" err="1" smtClean="0"/>
+              <a:t>Lambla</a:t>
+            </a:r>
+            <a:r>
+              <a:rPr lang="en-US" dirty="0" smtClean="0"/>
+              <a:t>)</a:t>
+            </a:r>
           </a:p>
           <a:p>
             <a:pPr marL="0" indent="0">
@@ -5452,7 +5456,7 @@
             </a:pPr>
             <a:r>
               <a:rPr lang="en-US" dirty="0" smtClean="0"/>
-              <a:t>http://www.servicestack.net</a:t>
+              <a:t>http://openrasta.org</a:t>
             </a:r>
             <a:endParaRPr lang="en-US" dirty="0"/>
           </a:p>
@@ -5461,7 +5465,7 @@
     </p:spTree>
     <p:extLst>
       <p:ext uri="{BB962C8B-B14F-4D97-AF65-F5344CB8AC3E}">
-        <p14:creationId xmlns:p14="http://schemas.microsoft.com/office/powerpoint/2010/main" val="268427068"/>
+        <p14:creationId xmlns:p14="http://schemas.microsoft.com/office/powerpoint/2010/main" val="1132473208"/>
       </p:ext>
     </p:extLst>
   </p:cSld>
@@ -5504,14 +5508,14 @@
           <p:nvPr>
             <p:extLst>
               <p:ext uri="{D42A27DB-BD31-4B8C-83A1-F6EECF244321}">
-                <p14:modId xmlns:p14="http://schemas.microsoft.com/office/powerpoint/2010/main" val="3503164330"/>
+                <p14:modId xmlns:p14="http://schemas.microsoft.com/office/powerpoint/2010/main" val="866895281"/>
               </p:ext>
             </p:extLst>
           </p:nvPr>
         </p:nvGraphicFramePr>
         <p:xfrm>
           <a:off x="977902" y="719666"/>
-          <a:ext cx="8593665" cy="5312832"/>
+          <a:ext cx="8674100" cy="5312832"/>
         </p:xfrm>
         <a:graphic>
           <a:graphicData uri="http://schemas.openxmlformats.org/drawingml/2006/table">
@@ -5520,11 +5524,11 @@
                 <a:tableStyleId>{073A0DAA-6AF3-43AB-8588-CEC1D06C72B9}</a:tableStyleId>
               </a:tblPr>
               <a:tblGrid>
-                <a:gridCol w="1718733"/>
-                <a:gridCol w="1718733"/>
-                <a:gridCol w="1718733"/>
-                <a:gridCol w="1718733"/>
-                <a:gridCol w="1718733"/>
+                <a:gridCol w="1734820"/>
+                <a:gridCol w="1734820"/>
+                <a:gridCol w="1734820"/>
+                <a:gridCol w="1734820"/>
+                <a:gridCol w="1734820"/>
               </a:tblGrid>
               <a:tr h="758976">
                 <a:tc>
@@ -5572,21 +5576,21 @@
                     <a:p>
                       <a:r>
                         <a:rPr lang="en-US" dirty="0" err="1" smtClean="0"/>
+                        <a:t>ServiceStack</a:t>
+                      </a:r>
+                      <a:endParaRPr lang="en-US" dirty="0"/>
+                    </a:p>
+                  </a:txBody>
+                  <a:tcPr/>
+                </a:tc>
+                <a:tc>
+                  <a:txBody>
+                    <a:bodyPr/>
+                    <a:lstStyle/>
+                    <a:p>
+                      <a:r>
+                        <a:rPr lang="en-US" dirty="0" err="1" smtClean="0"/>
                         <a:t>OpenRasta</a:t>
-                      </a:r>
-                      <a:endParaRPr lang="en-US" dirty="0"/>
-                    </a:p>
-                  </a:txBody>
-                  <a:tcPr/>
-                </a:tc>
-                <a:tc>
-                  <a:txBody>
-                    <a:bodyPr/>
-                    <a:lstStyle/>
-                    <a:p>
-                      <a:r>
-                        <a:rPr lang="en-US" dirty="0" err="1" smtClean="0"/>
-                        <a:t>ServiceStack</a:t>
                       </a:r>
                       <a:endParaRPr lang="en-US" dirty="0"/>
                     </a:p>
@@ -5643,21 +5647,23 @@
                     <a:p>
                       <a:r>
                         <a:rPr lang="en-US" dirty="0" smtClean="0"/>
+                        <a:t>Good</a:t>
+                      </a:r>
+                    </a:p>
+                    <a:p>
+                      <a:endParaRPr lang="en-US" dirty="0"/>
+                    </a:p>
+                  </a:txBody>
+                  <a:tcPr/>
+                </a:tc>
+                <a:tc>
+                  <a:txBody>
+                    <a:bodyPr/>
+                    <a:lstStyle/>
+                    <a:p>
+                      <a:r>
+                        <a:rPr lang="en-US" dirty="0" smtClean="0"/>
                         <a:t>Poor</a:t>
-                      </a:r>
-                      <a:endParaRPr lang="en-US" dirty="0"/>
-                    </a:p>
-                  </a:txBody>
-                  <a:tcPr/>
-                </a:tc>
-                <a:tc>
-                  <a:txBody>
-                    <a:bodyPr/>
-                    <a:lstStyle/>
-                    <a:p>
-                      <a:r>
-                        <a:rPr lang="en-US" dirty="0" smtClean="0"/>
-                        <a:t>Good</a:t>
                       </a:r>
                       <a:endParaRPr lang="en-US" dirty="0"/>
                     </a:p>
@@ -5787,21 +5793,21 @@
                     <a:p>
                       <a:r>
                         <a:rPr lang="en-US" dirty="0" smtClean="0"/>
+                        <a:t>Yes</a:t>
+                      </a:r>
+                      <a:endParaRPr lang="en-US" dirty="0"/>
+                    </a:p>
+                  </a:txBody>
+                  <a:tcPr/>
+                </a:tc>
+                <a:tc>
+                  <a:txBody>
+                    <a:bodyPr/>
+                    <a:lstStyle/>
+                    <a:p>
+                      <a:r>
+                        <a:rPr lang="en-US" dirty="0" smtClean="0"/>
                         <a:t>No</a:t>
-                      </a:r>
-                      <a:endParaRPr lang="en-US" dirty="0"/>
-                    </a:p>
-                  </a:txBody>
-                  <a:tcPr/>
-                </a:tc>
-                <a:tc>
-                  <a:txBody>
-                    <a:bodyPr/>
-                    <a:lstStyle/>
-                    <a:p>
-                      <a:r>
-                        <a:rPr lang="en-US" dirty="0" smtClean="0"/>
-                        <a:t>Yes</a:t>
                       </a:r>
                       <a:endParaRPr lang="en-US" dirty="0"/>
                     </a:p>
@@ -5931,21 +5937,21 @@
                     <a:p>
                       <a:r>
                         <a:rPr lang="en-US" dirty="0" smtClean="0"/>
+                        <a:t>Great</a:t>
+                      </a:r>
+                      <a:endParaRPr lang="en-US" dirty="0"/>
+                    </a:p>
+                  </a:txBody>
+                  <a:tcPr/>
+                </a:tc>
+                <a:tc>
+                  <a:txBody>
+                    <a:bodyPr/>
+                    <a:lstStyle/>
+                    <a:p>
+                      <a:r>
+                        <a:rPr lang="en-US" dirty="0" smtClean="0"/>
                         <a:t>You will</a:t>
-                      </a:r>
-                      <a:endParaRPr lang="en-US" dirty="0"/>
-                    </a:p>
-                  </a:txBody>
-                  <a:tcPr/>
-                </a:tc>
-                <a:tc>
-                  <a:txBody>
-                    <a:bodyPr/>
-                    <a:lstStyle/>
-                    <a:p>
-                      <a:r>
-                        <a:rPr lang="en-US" dirty="0" smtClean="0"/>
-                        <a:t>Great</a:t>
                       </a:r>
                       <a:endParaRPr lang="en-US" dirty="0"/>
                     </a:p>
@@ -6003,21 +6009,21 @@
                     <a:p>
                       <a:r>
                         <a:rPr lang="en-US" dirty="0" smtClean="0"/>
+                        <a:t>IIS, Self, Mono</a:t>
+                      </a:r>
+                      <a:endParaRPr lang="en-US" dirty="0"/>
+                    </a:p>
+                  </a:txBody>
+                  <a:tcPr/>
+                </a:tc>
+                <a:tc>
+                  <a:txBody>
+                    <a:bodyPr/>
+                    <a:lstStyle/>
+                    <a:p>
+                      <a:r>
+                        <a:rPr lang="en-US" dirty="0" smtClean="0"/>
                         <a:t>IIS</a:t>
-                      </a:r>
-                      <a:endParaRPr lang="en-US" dirty="0"/>
-                    </a:p>
-                  </a:txBody>
-                  <a:tcPr/>
-                </a:tc>
-                <a:tc>
-                  <a:txBody>
-                    <a:bodyPr/>
-                    <a:lstStyle/>
-                    <a:p>
-                      <a:r>
-                        <a:rPr lang="en-US" dirty="0" smtClean="0"/>
-                        <a:t>IIS, Self, Mono</a:t>
                       </a:r>
                       <a:endParaRPr lang="en-US" dirty="0"/>
                     </a:p>
@@ -6032,7 +6038,7 @@
     </p:spTree>
     <p:extLst>
       <p:ext uri="{BB962C8B-B14F-4D97-AF65-F5344CB8AC3E}">
-        <p14:creationId xmlns:p14="http://schemas.microsoft.com/office/powerpoint/2010/main" val="3621072819"/>
+        <p14:creationId xmlns:p14="http://schemas.microsoft.com/office/powerpoint/2010/main" val="2146069233"/>
       </p:ext>
     </p:extLst>
   </p:cSld>
@@ -6330,7 +6336,7 @@
           <p:nvPr>
             <p:extLst>
               <p:ext uri="{D42A27DB-BD31-4B8C-83A1-F6EECF244321}">
-                <p14:modId xmlns:p14="http://schemas.microsoft.com/office/powerpoint/2010/main" val="4171893342"/>
+                <p14:modId xmlns:p14="http://schemas.microsoft.com/office/powerpoint/2010/main" val="3838432632"/>
               </p:ext>
             </p:extLst>
           </p:nvPr>
@@ -6484,21 +6490,21 @@
                     <a:p>
                       <a:r>
                         <a:rPr lang="en-US" dirty="0" smtClean="0"/>
+                        <a:t>Good</a:t>
+                      </a:r>
+                      <a:endParaRPr lang="en-US" dirty="0"/>
+                    </a:p>
+                  </a:txBody>
+                  <a:tcPr/>
+                </a:tc>
+                <a:tc>
+                  <a:txBody>
+                    <a:bodyPr/>
+                    <a:lstStyle/>
+                    <a:p>
+                      <a:r>
+                        <a:rPr lang="en-US" dirty="0" smtClean="0"/>
                         <a:t>Poor</a:t>
-                      </a:r>
-                      <a:endParaRPr lang="en-US" dirty="0"/>
-                    </a:p>
-                  </a:txBody>
-                  <a:tcPr/>
-                </a:tc>
-                <a:tc>
-                  <a:txBody>
-                    <a:bodyPr/>
-                    <a:lstStyle/>
-                    <a:p>
-                      <a:r>
-                        <a:rPr lang="en-US" dirty="0" smtClean="0"/>
-                        <a:t>Good</a:t>
                       </a:r>
                       <a:endParaRPr lang="en-US" dirty="0"/>
                     </a:p>
@@ -6656,21 +6662,21 @@
                     <a:p>
                       <a:r>
                         <a:rPr lang="en-US" dirty="0" smtClean="0"/>
+                        <a:t>Yes</a:t>
+                      </a:r>
+                      <a:endParaRPr lang="en-US" dirty="0"/>
+                    </a:p>
+                  </a:txBody>
+                  <a:tcPr/>
+                </a:tc>
+                <a:tc>
+                  <a:txBody>
+                    <a:bodyPr/>
+                    <a:lstStyle/>
+                    <a:p>
+                      <a:r>
+                        <a:rPr lang="en-US" dirty="0" smtClean="0"/>
                         <a:t>No</a:t>
-                      </a:r>
-                      <a:endParaRPr lang="en-US" dirty="0"/>
-                    </a:p>
-                  </a:txBody>
-                  <a:tcPr/>
-                </a:tc>
-                <a:tc>
-                  <a:txBody>
-                    <a:bodyPr/>
-                    <a:lstStyle/>
-                    <a:p>
-                      <a:r>
-                        <a:rPr lang="en-US" dirty="0" smtClean="0"/>
-                        <a:t>Yes</a:t>
                       </a:r>
                       <a:endParaRPr lang="en-US" dirty="0"/>
                     </a:p>
@@ -6828,21 +6834,25 @@
                     <a:p>
                       <a:r>
                         <a:rPr lang="en-US" dirty="0" smtClean="0"/>
-                        <a:t>You will</a:t>
-                      </a:r>
-                      <a:endParaRPr lang="en-US" dirty="0"/>
-                    </a:p>
-                  </a:txBody>
-                  <a:tcPr/>
-                </a:tc>
-                <a:tc>
-                  <a:txBody>
-                    <a:bodyPr/>
-                    <a:lstStyle/>
-                    <a:p>
-                      <a:r>
-                        <a:rPr lang="en-US" dirty="0" smtClean="0"/>
                         <a:t>Great</a:t>
+                      </a:r>
+                      <a:endParaRPr lang="en-US" dirty="0"/>
+                    </a:p>
+                  </a:txBody>
+                  <a:tcPr/>
+                </a:tc>
+                <a:tc>
+                  <a:txBody>
+                    <a:bodyPr/>
+                    <a:lstStyle/>
+                    <a:p>
+                      <a:r>
+                        <a:rPr lang="en-US" dirty="0" smtClean="0"/>
+                        <a:t>You</a:t>
+                      </a:r>
+                      <a:r>
+                        <a:rPr lang="en-US" baseline="0" dirty="0" smtClean="0"/>
+                        <a:t> will</a:t>
                       </a:r>
                       <a:endParaRPr lang="en-US" dirty="0"/>
                     </a:p>
@@ -6914,21 +6924,21 @@
                     <a:p>
                       <a:r>
                         <a:rPr lang="en-US" dirty="0" smtClean="0"/>
+                        <a:t>IIS, Self, Mono</a:t>
+                      </a:r>
+                      <a:endParaRPr lang="en-US" dirty="0"/>
+                    </a:p>
+                  </a:txBody>
+                  <a:tcPr/>
+                </a:tc>
+                <a:tc>
+                  <a:txBody>
+                    <a:bodyPr/>
+                    <a:lstStyle/>
+                    <a:p>
+                      <a:r>
+                        <a:rPr lang="en-US" dirty="0" smtClean="0"/>
                         <a:t>IIS</a:t>
-                      </a:r>
-                      <a:endParaRPr lang="en-US" dirty="0"/>
-                    </a:p>
-                  </a:txBody>
-                  <a:tcPr/>
-                </a:tc>
-                <a:tc>
-                  <a:txBody>
-                    <a:bodyPr/>
-                    <a:lstStyle/>
-                    <a:p>
-                      <a:r>
-                        <a:rPr lang="en-US" dirty="0" smtClean="0"/>
-                        <a:t>IIS, Self, Mono</a:t>
                       </a:r>
                       <a:endParaRPr lang="en-US" dirty="0"/>
                     </a:p>

--- a/Presentation/So you want an API.pptx
+++ b/Presentation/So you want an API.pptx
@@ -6,9 +6,9 @@
   </p:sldMasterIdLst>
   <p:sldIdLst>
     <p:sldId id="260" r:id="rId2"/>
-    <p:sldId id="261" r:id="rId3"/>
-    <p:sldId id="262" r:id="rId4"/>
-    <p:sldId id="258" r:id="rId5"/>
+    <p:sldId id="262" r:id="rId3"/>
+    <p:sldId id="258" r:id="rId4"/>
+    <p:sldId id="293" r:id="rId5"/>
     <p:sldId id="259" r:id="rId6"/>
     <p:sldId id="264" r:id="rId7"/>
     <p:sldId id="263" r:id="rId8"/>
@@ -3175,6 +3175,13 @@
   <p:clrMapOvr>
     <a:masterClrMapping/>
   </p:clrMapOvr>
+  <p:timing>
+    <p:tnLst>
+      <p:par>
+        <p:cTn id="1" dur="indefinite" restart="never" nodeType="tmRoot"/>
+      </p:par>
+    </p:tnLst>
+  </p:timing>
 </p:sld>
 </file>
 
@@ -3809,39 +3816,78 @@
           <a:chExt cx="0" cy="0"/>
         </a:xfrm>
       </p:grpSpPr>
-      <p:pic>
-        <p:nvPicPr>
-          <p:cNvPr id="3" name="Picture 2"/>
-          <p:cNvPicPr>
-            <a:picLocks noChangeAspect="1"/>
-          </p:cNvPicPr>
-          <p:nvPr/>
-        </p:nvPicPr>
-        <p:blipFill rotWithShape="1">
-          <a:blip r:embed="rId2">
-            <a:extLst>
-              <a:ext uri="{28A0092B-C50C-407E-A947-70E740481C1C}">
-                <a14:useLocalDpi xmlns:a14="http://schemas.microsoft.com/office/drawing/2010/main" val="0"/>
-              </a:ext>
-            </a:extLst>
-          </a:blip>
-          <a:srcRect b="4838"/>
-          <a:stretch/>
-        </p:blipFill>
+      <p:sp>
+        <p:nvSpPr>
+          <p:cNvPr id="3" name="Content Placeholder 2"/>
+          <p:cNvSpPr>
+            <a:spLocks noGrp="1"/>
+          </p:cNvSpPr>
+          <p:nvPr>
+            <p:ph idx="1"/>
+          </p:nvPr>
+        </p:nvSpPr>
         <p:spPr>
           <a:xfrm>
-            <a:off x="0" y="0"/>
-            <a:ext cx="12192000" cy="6858000"/>
+            <a:off x="1333500" y="1279525"/>
+            <a:ext cx="10515600" cy="4351338"/>
           </a:xfrm>
-          <a:prstGeom prst="rect">
-            <a:avLst/>
-          </a:prstGeom>
         </p:spPr>
-      </p:pic>
+        <p:txBody>
+          <a:bodyPr>
+            <a:normAutofit/>
+          </a:bodyPr>
+          <a:lstStyle/>
+          <a:p>
+            <a:pPr marL="0" indent="0">
+              <a:buNone/>
+            </a:pPr>
+            <a:r>
+              <a:rPr lang="en-US" sz="5400" dirty="0" smtClean="0"/>
+              <a:t>Joel Kauffman</a:t>
+            </a:r>
+          </a:p>
+          <a:p>
+            <a:pPr marL="0" indent="0">
+              <a:buNone/>
+            </a:pPr>
+            <a:endParaRPr lang="en-US" sz="5400" dirty="0"/>
+          </a:p>
+          <a:p>
+            <a:pPr marL="0" indent="0">
+              <a:buNone/>
+            </a:pPr>
+            <a:r>
+              <a:rPr lang="en-US" sz="5400" dirty="0" smtClean="0"/>
+              <a:t>@</a:t>
+            </a:r>
+            <a:r>
+              <a:rPr lang="en-US" sz="5400" dirty="0" err="1" smtClean="0"/>
+              <a:t>ifranto</a:t>
+            </a:r>
+            <a:endParaRPr lang="en-US" sz="5400" dirty="0" smtClean="0"/>
+          </a:p>
+          <a:p>
+            <a:pPr marL="0" indent="0">
+              <a:buNone/>
+            </a:pPr>
+            <a:endParaRPr lang="en-US" sz="5400" dirty="0"/>
+          </a:p>
+          <a:p>
+            <a:pPr marL="0" indent="0">
+              <a:buNone/>
+            </a:pPr>
+            <a:r>
+              <a:rPr lang="en-US" sz="5400" dirty="0" smtClean="0"/>
+              <a:t>Vistacomm</a:t>
+            </a:r>
+            <a:endParaRPr lang="en-US" sz="5400" dirty="0"/>
+          </a:p>
+        </p:txBody>
+      </p:sp>
     </p:spTree>
     <p:extLst>
       <p:ext uri="{BB962C8B-B14F-4D97-AF65-F5344CB8AC3E}">
-        <p14:creationId xmlns:p14="http://schemas.microsoft.com/office/powerpoint/2010/main" val="2975044373"/>
+        <p14:creationId xmlns:p14="http://schemas.microsoft.com/office/powerpoint/2010/main" val="3222008070"/>
       </p:ext>
     </p:extLst>
   </p:cSld>
@@ -3884,7 +3930,7 @@
           <p:nvPr>
             <p:extLst>
               <p:ext uri="{D42A27DB-BD31-4B8C-83A1-F6EECF244321}">
-                <p14:modId xmlns:p14="http://schemas.microsoft.com/office/powerpoint/2010/main" val="3146789961"/>
+                <p14:modId xmlns:p14="http://schemas.microsoft.com/office/powerpoint/2010/main" val="851500267"/>
               </p:ext>
             </p:extLst>
           </p:nvPr>
@@ -4070,7 +4116,7 @@
                     <a:p>
                       <a:r>
                         <a:rPr lang="en-US" dirty="0" smtClean="0"/>
-                        <a:t>Good</a:t>
+                        <a:t>Somewhat</a:t>
                       </a:r>
                       <a:endParaRPr lang="en-US" dirty="0"/>
                     </a:p>
@@ -4344,7 +4390,7 @@
           <p:nvPr>
             <p:extLst>
               <p:ext uri="{D42A27DB-BD31-4B8C-83A1-F6EECF244321}">
-                <p14:modId xmlns:p14="http://schemas.microsoft.com/office/powerpoint/2010/main" val="1338626039"/>
+                <p14:modId xmlns:p14="http://schemas.microsoft.com/office/powerpoint/2010/main" val="4235912280"/>
               </p:ext>
             </p:extLst>
           </p:nvPr>
@@ -4601,7 +4647,7 @@
                     <a:p>
                       <a:r>
                         <a:rPr lang="en-US" dirty="0" smtClean="0"/>
-                        <a:t>Good</a:t>
+                        <a:t>Somewhat</a:t>
                       </a:r>
                       <a:endParaRPr lang="en-US" dirty="0"/>
                     </a:p>
@@ -4867,7 +4913,7 @@
           <p:nvPr>
             <p:extLst>
               <p:ext uri="{D42A27DB-BD31-4B8C-83A1-F6EECF244321}">
-                <p14:modId xmlns:p14="http://schemas.microsoft.com/office/powerpoint/2010/main" val="3882351877"/>
+                <p14:modId xmlns:p14="http://schemas.microsoft.com/office/powerpoint/2010/main" val="1081457218"/>
               </p:ext>
             </p:extLst>
           </p:nvPr>
@@ -5195,7 +5241,7 @@
                     <a:p>
                       <a:r>
                         <a:rPr lang="en-US" dirty="0" smtClean="0"/>
-                        <a:t>Good</a:t>
+                        <a:t>Somewhat</a:t>
                       </a:r>
                       <a:endParaRPr lang="en-US" dirty="0"/>
                     </a:p>
@@ -5508,7 +5554,7 @@
           <p:nvPr>
             <p:extLst>
               <p:ext uri="{D42A27DB-BD31-4B8C-83A1-F6EECF244321}">
-                <p14:modId xmlns:p14="http://schemas.microsoft.com/office/powerpoint/2010/main" val="866895281"/>
+                <p14:modId xmlns:p14="http://schemas.microsoft.com/office/powerpoint/2010/main" val="594519685"/>
               </p:ext>
             </p:extLst>
           </p:nvPr>
@@ -5909,7 +5955,7 @@
                     <a:p>
                       <a:r>
                         <a:rPr lang="en-US" dirty="0" smtClean="0"/>
-                        <a:t>Good</a:t>
+                        <a:t>Somewhat</a:t>
                       </a:r>
                       <a:endParaRPr lang="en-US" dirty="0"/>
                     </a:p>
@@ -6082,12 +6128,7 @@
             <p:ph idx="1"/>
           </p:nvPr>
         </p:nvSpPr>
-        <p:spPr>
-          <a:xfrm>
-            <a:off x="1333500" y="1279525"/>
-            <a:ext cx="10515600" cy="4351338"/>
-          </a:xfrm>
-        </p:spPr>
+        <p:spPr/>
         <p:txBody>
           <a:bodyPr>
             <a:normAutofit/>
@@ -6099,14 +6140,17 @@
             </a:pPr>
             <a:r>
               <a:rPr lang="en-US" sz="5400" dirty="0" smtClean="0"/>
-              <a:t>Joel Kauffman</a:t>
+              <a:t>Why do I need an API?</a:t>
             </a:r>
           </a:p>
           <a:p>
             <a:pPr marL="0" indent="0">
               <a:buNone/>
             </a:pPr>
-            <a:endParaRPr lang="en-US" sz="5400" dirty="0"/>
+            <a:r>
+              <a:rPr lang="en-US" sz="5400" dirty="0" smtClean="0"/>
+              <a:t>What do I need from an API?</a:t>
+            </a:r>
           </a:p>
           <a:p>
             <a:pPr marL="0" indent="0">
@@ -6114,27 +6158,7 @@
             </a:pPr>
             <a:r>
               <a:rPr lang="en-US" sz="5400" dirty="0" smtClean="0"/>
-              <a:t>@</a:t>
-            </a:r>
-            <a:r>
-              <a:rPr lang="en-US" sz="5400" dirty="0" err="1" smtClean="0"/>
-              <a:t>ifranto</a:t>
-            </a:r>
-            <a:endParaRPr lang="en-US" sz="5400" dirty="0" smtClean="0"/>
-          </a:p>
-          <a:p>
-            <a:pPr marL="0" indent="0">
-              <a:buNone/>
-            </a:pPr>
-            <a:endParaRPr lang="en-US" sz="5400" dirty="0"/>
-          </a:p>
-          <a:p>
-            <a:pPr marL="0" indent="0">
-              <a:buNone/>
-            </a:pPr>
-            <a:r>
-              <a:rPr lang="en-US" sz="5400" dirty="0" smtClean="0"/>
-              <a:t>Vistacomm</a:t>
+              <a:t>What framework should I use?</a:t>
             </a:r>
             <a:endParaRPr lang="en-US" sz="5400" dirty="0"/>
           </a:p>
@@ -6143,7 +6167,7 @@
     </p:spTree>
     <p:extLst>
       <p:ext uri="{BB962C8B-B14F-4D97-AF65-F5344CB8AC3E}">
-        <p14:creationId xmlns:p14="http://schemas.microsoft.com/office/powerpoint/2010/main" val="3222008070"/>
+        <p14:creationId xmlns:p14="http://schemas.microsoft.com/office/powerpoint/2010/main" val="1361037811"/>
       </p:ext>
     </p:extLst>
   </p:cSld>
@@ -6336,7 +6360,7 @@
           <p:nvPr>
             <p:extLst>
               <p:ext uri="{D42A27DB-BD31-4B8C-83A1-F6EECF244321}">
-                <p14:modId xmlns:p14="http://schemas.microsoft.com/office/powerpoint/2010/main" val="3838432632"/>
+                <p14:modId xmlns:p14="http://schemas.microsoft.com/office/powerpoint/2010/main" val="2511147953"/>
               </p:ext>
             </p:extLst>
           </p:nvPr>
@@ -6805,8 +6829,8 @@
                     <a:lstStyle/>
                     <a:p>
                       <a:r>
-                        <a:rPr lang="en-US" dirty="0" smtClean="0"/>
-                        <a:t>Good</a:t>
+                        <a:rPr lang="en-US" smtClean="0"/>
+                        <a:t>Somewhat</a:t>
                       </a:r>
                       <a:endParaRPr lang="en-US" dirty="0"/>
                     </a:p>
@@ -7115,62 +7139,53 @@
           <a:chExt cx="0" cy="0"/>
         </a:xfrm>
       </p:grpSpPr>
-      <p:sp>
-        <p:nvSpPr>
-          <p:cNvPr id="3" name="Content Placeholder 2"/>
-          <p:cNvSpPr>
-            <a:spLocks noGrp="1"/>
-          </p:cNvSpPr>
-          <p:nvPr>
-            <p:ph idx="1"/>
-          </p:nvPr>
-        </p:nvSpPr>
-        <p:spPr/>
-        <p:txBody>
-          <a:bodyPr>
-            <a:normAutofit/>
-          </a:bodyPr>
-          <a:lstStyle/>
-          <a:p>
-            <a:pPr marL="0" indent="0">
-              <a:buNone/>
-            </a:pPr>
-            <a:r>
-              <a:rPr lang="en-US" sz="5400" dirty="0" smtClean="0"/>
-              <a:t>Why do I need an API?</a:t>
-            </a:r>
-          </a:p>
-          <a:p>
-            <a:pPr marL="0" indent="0">
-              <a:buNone/>
-            </a:pPr>
-            <a:r>
-              <a:rPr lang="en-US" sz="5400" dirty="0" smtClean="0"/>
-              <a:t>What do I need from an API?</a:t>
-            </a:r>
-          </a:p>
-          <a:p>
-            <a:pPr marL="0" indent="0">
-              <a:buNone/>
-            </a:pPr>
-            <a:r>
-              <a:rPr lang="en-US" sz="5400" dirty="0" smtClean="0"/>
-              <a:t>What framework should I use?</a:t>
-            </a:r>
-            <a:endParaRPr lang="en-US" sz="5400" dirty="0"/>
-          </a:p>
-        </p:txBody>
-      </p:sp>
+      <p:pic>
+        <p:nvPicPr>
+          <p:cNvPr id="3" name="Picture 2"/>
+          <p:cNvPicPr>
+            <a:picLocks noChangeAspect="1"/>
+          </p:cNvPicPr>
+          <p:nvPr/>
+        </p:nvPicPr>
+        <p:blipFill>
+          <a:blip r:embed="rId2">
+            <a:extLst>
+              <a:ext uri="{28A0092B-C50C-407E-A947-70E740481C1C}">
+                <a14:useLocalDpi xmlns:a14="http://schemas.microsoft.com/office/drawing/2010/main" val="0"/>
+              </a:ext>
+            </a:extLst>
+          </a:blip>
+          <a:stretch>
+            <a:fillRect/>
+          </a:stretch>
+        </p:blipFill>
+        <p:spPr>
+          <a:xfrm>
+            <a:off x="0" y="0"/>
+            <a:ext cx="12192000" cy="6858000"/>
+          </a:xfrm>
+          <a:prstGeom prst="rect">
+            <a:avLst/>
+          </a:prstGeom>
+        </p:spPr>
+      </p:pic>
     </p:spTree>
     <p:extLst>
       <p:ext uri="{BB962C8B-B14F-4D97-AF65-F5344CB8AC3E}">
-        <p14:creationId xmlns:p14="http://schemas.microsoft.com/office/powerpoint/2010/main" val="1361037811"/>
+        <p14:creationId xmlns:p14="http://schemas.microsoft.com/office/powerpoint/2010/main" val="631825304"/>
       </p:ext>
     </p:extLst>
   </p:cSld>
   <p:clrMapOvr>
     <a:masterClrMapping/>
   </p:clrMapOvr>
+  <p:timing>
+    <p:tnLst>
+      <p:par>
+        <p:cTn id="1" dur="indefinite" restart="never" nodeType="tmRoot"/>
+      </p:par>
+    </p:tnLst>
+  </p:timing>
 </p:sld>
 </file>
 

--- a/Presentation/So you want an API.pptx
+++ b/Presentation/So you want an API.pptx
@@ -275,7 +275,7 @@
           <a:p>
             <a:fld id="{BF7EF908-C5A3-4314-9F2A-0F776F401AC6}" type="datetimeFigureOut">
               <a:rPr lang="en-US" smtClean="0"/>
-              <a:t>6/8/2013</a:t>
+              <a:t>8/27/2013</a:t>
             </a:fld>
             <a:endParaRPr lang="en-US"/>
           </a:p>
@@ -445,7 +445,7 @@
           <a:p>
             <a:fld id="{BF7EF908-C5A3-4314-9F2A-0F776F401AC6}" type="datetimeFigureOut">
               <a:rPr lang="en-US" smtClean="0"/>
-              <a:t>6/8/2013</a:t>
+              <a:t>8/27/2013</a:t>
             </a:fld>
             <a:endParaRPr lang="en-US"/>
           </a:p>
@@ -625,7 +625,7 @@
           <a:p>
             <a:fld id="{BF7EF908-C5A3-4314-9F2A-0F776F401AC6}" type="datetimeFigureOut">
               <a:rPr lang="en-US" smtClean="0"/>
-              <a:t>6/8/2013</a:t>
+              <a:t>8/27/2013</a:t>
             </a:fld>
             <a:endParaRPr lang="en-US"/>
           </a:p>
@@ -795,7 +795,7 @@
           <a:p>
             <a:fld id="{BF7EF908-C5A3-4314-9F2A-0F776F401AC6}" type="datetimeFigureOut">
               <a:rPr lang="en-US" smtClean="0"/>
-              <a:t>6/8/2013</a:t>
+              <a:t>8/27/2013</a:t>
             </a:fld>
             <a:endParaRPr lang="en-US"/>
           </a:p>
@@ -1041,7 +1041,7 @@
           <a:p>
             <a:fld id="{BF7EF908-C5A3-4314-9F2A-0F776F401AC6}" type="datetimeFigureOut">
               <a:rPr lang="en-US" smtClean="0"/>
-              <a:t>6/8/2013</a:t>
+              <a:t>8/27/2013</a:t>
             </a:fld>
             <a:endParaRPr lang="en-US"/>
           </a:p>
@@ -1273,7 +1273,7 @@
           <a:p>
             <a:fld id="{BF7EF908-C5A3-4314-9F2A-0F776F401AC6}" type="datetimeFigureOut">
               <a:rPr lang="en-US" smtClean="0"/>
-              <a:t>6/8/2013</a:t>
+              <a:t>8/27/2013</a:t>
             </a:fld>
             <a:endParaRPr lang="en-US"/>
           </a:p>
@@ -1640,7 +1640,7 @@
           <a:p>
             <a:fld id="{BF7EF908-C5A3-4314-9F2A-0F776F401AC6}" type="datetimeFigureOut">
               <a:rPr lang="en-US" smtClean="0"/>
-              <a:t>6/8/2013</a:t>
+              <a:t>8/27/2013</a:t>
             </a:fld>
             <a:endParaRPr lang="en-US"/>
           </a:p>
@@ -1758,7 +1758,7 @@
           <a:p>
             <a:fld id="{BF7EF908-C5A3-4314-9F2A-0F776F401AC6}" type="datetimeFigureOut">
               <a:rPr lang="en-US" smtClean="0"/>
-              <a:t>6/8/2013</a:t>
+              <a:t>8/27/2013</a:t>
             </a:fld>
             <a:endParaRPr lang="en-US"/>
           </a:p>
@@ -1853,7 +1853,7 @@
           <a:p>
             <a:fld id="{BF7EF908-C5A3-4314-9F2A-0F776F401AC6}" type="datetimeFigureOut">
               <a:rPr lang="en-US" smtClean="0"/>
-              <a:t>6/8/2013</a:t>
+              <a:t>8/27/2013</a:t>
             </a:fld>
             <a:endParaRPr lang="en-US"/>
           </a:p>
@@ -2130,7 +2130,7 @@
           <a:p>
             <a:fld id="{BF7EF908-C5A3-4314-9F2A-0F776F401AC6}" type="datetimeFigureOut">
               <a:rPr lang="en-US" smtClean="0"/>
-              <a:t>6/8/2013</a:t>
+              <a:t>8/27/2013</a:t>
             </a:fld>
             <a:endParaRPr lang="en-US"/>
           </a:p>
@@ -2383,7 +2383,7 @@
           <a:p>
             <a:fld id="{BF7EF908-C5A3-4314-9F2A-0F776F401AC6}" type="datetimeFigureOut">
               <a:rPr lang="en-US" smtClean="0"/>
-              <a:t>6/8/2013</a:t>
+              <a:t>8/27/2013</a:t>
             </a:fld>
             <a:endParaRPr lang="en-US"/>
           </a:p>
@@ -2596,7 +2596,7 @@
           <a:p>
             <a:fld id="{BF7EF908-C5A3-4314-9F2A-0F776F401AC6}" type="datetimeFigureOut">
               <a:rPr lang="en-US" smtClean="0"/>
-              <a:t>6/8/2013</a:t>
+              <a:t>8/27/2013</a:t>
             </a:fld>
             <a:endParaRPr lang="en-US"/>
           </a:p>
@@ -3422,7 +3422,7 @@
       </p:grpSpPr>
       <p:pic>
         <p:nvPicPr>
-          <p:cNvPr id="2" name="Picture 1"/>
+          <p:cNvPr id="3" name="Picture 2"/>
           <p:cNvPicPr>
             <a:picLocks noChangeAspect="1"/>
           </p:cNvPicPr>
@@ -3442,8 +3442,8 @@
         </p:blipFill>
         <p:spPr>
           <a:xfrm>
-            <a:off x="4110832" y="1598366"/>
-            <a:ext cx="3970337" cy="3661269"/>
+            <a:off x="3566160" y="883640"/>
+            <a:ext cx="5059680" cy="5090721"/>
           </a:xfrm>
           <a:prstGeom prst="rect">
             <a:avLst/>
@@ -4205,14 +4205,14 @@
       </p:grpSpPr>
       <p:pic>
         <p:nvPicPr>
-          <p:cNvPr id="2" name="Picture 1"/>
+          <p:cNvPr id="3" name="Picture 2"/>
           <p:cNvPicPr>
             <a:picLocks noChangeAspect="1"/>
           </p:cNvPicPr>
           <p:nvPr/>
         </p:nvPicPr>
         <p:blipFill>
-          <a:blip r:embed="rId2" cstate="print">
+          <a:blip r:embed="rId2">
             <a:extLst>
               <a:ext uri="{28A0092B-C50C-407E-A947-70E740481C1C}">
                 <a14:useLocalDpi xmlns:a14="http://schemas.microsoft.com/office/drawing/2010/main" val="0"/>
@@ -4225,8 +4225,8 @@
         </p:blipFill>
         <p:spPr>
           <a:xfrm>
-            <a:off x="2504048" y="2195538"/>
-            <a:ext cx="6868551" cy="2358632"/>
+            <a:off x="2335948" y="2195703"/>
+            <a:ext cx="7520104" cy="2466594"/>
           </a:xfrm>
           <a:prstGeom prst="rect">
             <a:avLst/>

--- a/Presentation/So you want an API.pptx
+++ b/Presentation/So you want an API.pptx
@@ -20,24 +20,23 @@
     <p:sldId id="270" r:id="rId14"/>
     <p:sldId id="271" r:id="rId15"/>
     <p:sldId id="272" r:id="rId16"/>
-    <p:sldId id="273" r:id="rId17"/>
-    <p:sldId id="274" r:id="rId18"/>
-    <p:sldId id="275" r:id="rId19"/>
-    <p:sldId id="280" r:id="rId20"/>
-    <p:sldId id="285" r:id="rId21"/>
-    <p:sldId id="279" r:id="rId22"/>
-    <p:sldId id="284" r:id="rId23"/>
-    <p:sldId id="289" r:id="rId24"/>
-    <p:sldId id="290" r:id="rId25"/>
-    <p:sldId id="291" r:id="rId26"/>
-    <p:sldId id="292" r:id="rId27"/>
-    <p:sldId id="276" r:id="rId28"/>
-    <p:sldId id="281" r:id="rId29"/>
-    <p:sldId id="286" r:id="rId30"/>
-    <p:sldId id="277" r:id="rId31"/>
-    <p:sldId id="282" r:id="rId32"/>
-    <p:sldId id="287" r:id="rId33"/>
-    <p:sldId id="257" r:id="rId34"/>
+    <p:sldId id="274" r:id="rId17"/>
+    <p:sldId id="275" r:id="rId18"/>
+    <p:sldId id="280" r:id="rId19"/>
+    <p:sldId id="285" r:id="rId20"/>
+    <p:sldId id="279" r:id="rId21"/>
+    <p:sldId id="284" r:id="rId22"/>
+    <p:sldId id="289" r:id="rId23"/>
+    <p:sldId id="290" r:id="rId24"/>
+    <p:sldId id="291" r:id="rId25"/>
+    <p:sldId id="292" r:id="rId26"/>
+    <p:sldId id="276" r:id="rId27"/>
+    <p:sldId id="281" r:id="rId28"/>
+    <p:sldId id="286" r:id="rId29"/>
+    <p:sldId id="277" r:id="rId30"/>
+    <p:sldId id="282" r:id="rId31"/>
+    <p:sldId id="287" r:id="rId32"/>
+    <p:sldId id="257" r:id="rId33"/>
   </p:sldIdLst>
   <p:sldSz cx="12192000" cy="6858000"/>
   <p:notesSz cx="6858000" cy="9144000"/>
@@ -275,7 +274,7 @@
           <a:p>
             <a:fld id="{BF7EF908-C5A3-4314-9F2A-0F776F401AC6}" type="datetimeFigureOut">
               <a:rPr lang="en-US" smtClean="0"/>
-              <a:t>8/27/2013</a:t>
+              <a:t>10/17/2013</a:t>
             </a:fld>
             <a:endParaRPr lang="en-US"/>
           </a:p>
@@ -445,7 +444,7 @@
           <a:p>
             <a:fld id="{BF7EF908-C5A3-4314-9F2A-0F776F401AC6}" type="datetimeFigureOut">
               <a:rPr lang="en-US" smtClean="0"/>
-              <a:t>8/27/2013</a:t>
+              <a:t>10/17/2013</a:t>
             </a:fld>
             <a:endParaRPr lang="en-US"/>
           </a:p>
@@ -625,7 +624,7 @@
           <a:p>
             <a:fld id="{BF7EF908-C5A3-4314-9F2A-0F776F401AC6}" type="datetimeFigureOut">
               <a:rPr lang="en-US" smtClean="0"/>
-              <a:t>8/27/2013</a:t>
+              <a:t>10/17/2013</a:t>
             </a:fld>
             <a:endParaRPr lang="en-US"/>
           </a:p>
@@ -795,7 +794,7 @@
           <a:p>
             <a:fld id="{BF7EF908-C5A3-4314-9F2A-0F776F401AC6}" type="datetimeFigureOut">
               <a:rPr lang="en-US" smtClean="0"/>
-              <a:t>8/27/2013</a:t>
+              <a:t>10/17/2013</a:t>
             </a:fld>
             <a:endParaRPr lang="en-US"/>
           </a:p>
@@ -1041,7 +1040,7 @@
           <a:p>
             <a:fld id="{BF7EF908-C5A3-4314-9F2A-0F776F401AC6}" type="datetimeFigureOut">
               <a:rPr lang="en-US" smtClean="0"/>
-              <a:t>8/27/2013</a:t>
+              <a:t>10/17/2013</a:t>
             </a:fld>
             <a:endParaRPr lang="en-US"/>
           </a:p>
@@ -1273,7 +1272,7 @@
           <a:p>
             <a:fld id="{BF7EF908-C5A3-4314-9F2A-0F776F401AC6}" type="datetimeFigureOut">
               <a:rPr lang="en-US" smtClean="0"/>
-              <a:t>8/27/2013</a:t>
+              <a:t>10/17/2013</a:t>
             </a:fld>
             <a:endParaRPr lang="en-US"/>
           </a:p>
@@ -1640,7 +1639,7 @@
           <a:p>
             <a:fld id="{BF7EF908-C5A3-4314-9F2A-0F776F401AC6}" type="datetimeFigureOut">
               <a:rPr lang="en-US" smtClean="0"/>
-              <a:t>8/27/2013</a:t>
+              <a:t>10/17/2013</a:t>
             </a:fld>
             <a:endParaRPr lang="en-US"/>
           </a:p>
@@ -1758,7 +1757,7 @@
           <a:p>
             <a:fld id="{BF7EF908-C5A3-4314-9F2A-0F776F401AC6}" type="datetimeFigureOut">
               <a:rPr lang="en-US" smtClean="0"/>
-              <a:t>8/27/2013</a:t>
+              <a:t>10/17/2013</a:t>
             </a:fld>
             <a:endParaRPr lang="en-US"/>
           </a:p>
@@ -1853,7 +1852,7 @@
           <a:p>
             <a:fld id="{BF7EF908-C5A3-4314-9F2A-0F776F401AC6}" type="datetimeFigureOut">
               <a:rPr lang="en-US" smtClean="0"/>
-              <a:t>8/27/2013</a:t>
+              <a:t>10/17/2013</a:t>
             </a:fld>
             <a:endParaRPr lang="en-US"/>
           </a:p>
@@ -2130,7 +2129,7 @@
           <a:p>
             <a:fld id="{BF7EF908-C5A3-4314-9F2A-0F776F401AC6}" type="datetimeFigureOut">
               <a:rPr lang="en-US" smtClean="0"/>
-              <a:t>8/27/2013</a:t>
+              <a:t>10/17/2013</a:t>
             </a:fld>
             <a:endParaRPr lang="en-US"/>
           </a:p>
@@ -2383,7 +2382,7 @@
           <a:p>
             <a:fld id="{BF7EF908-C5A3-4314-9F2A-0F776F401AC6}" type="datetimeFigureOut">
               <a:rPr lang="en-US" smtClean="0"/>
-              <a:t>8/27/2013</a:t>
+              <a:t>10/17/2013</a:t>
             </a:fld>
             <a:endParaRPr lang="en-US"/>
           </a:p>
@@ -2596,7 +2595,7 @@
           <a:p>
             <a:fld id="{BF7EF908-C5A3-4314-9F2A-0F776F401AC6}" type="datetimeFigureOut">
               <a:rPr lang="en-US" smtClean="0"/>
-              <a:t>8/27/2013</a:t>
+              <a:t>10/17/2013</a:t>
             </a:fld>
             <a:endParaRPr lang="en-US"/>
           </a:p>
@@ -3509,73 +3508,6 @@
         </p:blipFill>
         <p:spPr>
           <a:xfrm>
-            <a:off x="0" y="0"/>
-            <a:ext cx="12192000" cy="6858000"/>
-          </a:xfrm>
-          <a:prstGeom prst="rect">
-            <a:avLst/>
-          </a:prstGeom>
-        </p:spPr>
-      </p:pic>
-    </p:spTree>
-    <p:extLst>
-      <p:ext uri="{BB962C8B-B14F-4D97-AF65-F5344CB8AC3E}">
-        <p14:creationId xmlns:p14="http://schemas.microsoft.com/office/powerpoint/2010/main" val="242126745"/>
-      </p:ext>
-    </p:extLst>
-  </p:cSld>
-  <p:clrMapOvr>
-    <a:masterClrMapping/>
-  </p:clrMapOvr>
-  <p:timing>
-    <p:tnLst>
-      <p:par>
-        <p:cTn id="1" dur="indefinite" restart="never" nodeType="tmRoot"/>
-      </p:par>
-    </p:tnLst>
-  </p:timing>
-</p:sld>
-</file>
-
-<file path=ppt/slides/slide17.xml><?xml version="1.0" encoding="utf-8"?>
-<p:sld xmlns:a="http://schemas.openxmlformats.org/drawingml/2006/main" xmlns:r="http://schemas.openxmlformats.org/officeDocument/2006/relationships" xmlns:p="http://schemas.openxmlformats.org/presentationml/2006/main">
-  <p:cSld>
-    <p:spTree>
-      <p:nvGrpSpPr>
-        <p:cNvPr id="1" name=""/>
-        <p:cNvGrpSpPr/>
-        <p:nvPr/>
-      </p:nvGrpSpPr>
-      <p:grpSpPr>
-        <a:xfrm>
-          <a:off x="0" y="0"/>
-          <a:ext cx="0" cy="0"/>
-          <a:chOff x="0" y="0"/>
-          <a:chExt cx="0" cy="0"/>
-        </a:xfrm>
-      </p:grpSpPr>
-      <p:pic>
-        <p:nvPicPr>
-          <p:cNvPr id="2" name="Picture 1"/>
-          <p:cNvPicPr>
-            <a:picLocks noChangeAspect="1"/>
-          </p:cNvPicPr>
-          <p:nvPr/>
-        </p:nvPicPr>
-        <p:blipFill>
-          <a:blip r:embed="rId2">
-            <a:extLst>
-              <a:ext uri="{28A0092B-C50C-407E-A947-70E740481C1C}">
-                <a14:useLocalDpi xmlns:a14="http://schemas.microsoft.com/office/drawing/2010/main" val="0"/>
-              </a:ext>
-            </a:extLst>
-          </a:blip>
-          <a:stretch>
-            <a:fillRect/>
-          </a:stretch>
-        </p:blipFill>
-        <p:spPr>
-          <a:xfrm>
             <a:off x="3540125" y="765509"/>
             <a:ext cx="5111750" cy="5326982"/>
           </a:xfrm>
@@ -3604,7 +3536,7 @@
 </p:sld>
 </file>
 
-<file path=ppt/slides/slide18.xml><?xml version="1.0" encoding="utf-8"?>
+<file path=ppt/slides/slide17.xml><?xml version="1.0" encoding="utf-8"?>
 <p:sld xmlns:a="http://schemas.openxmlformats.org/drawingml/2006/main" xmlns:r="http://schemas.openxmlformats.org/officeDocument/2006/relationships" xmlns:p="http://schemas.openxmlformats.org/presentationml/2006/main">
   <p:cSld>
     <p:spTree>
@@ -3701,7 +3633,7 @@
 </p:sld>
 </file>
 
-<file path=ppt/slides/slide19.xml><?xml version="1.0" encoding="utf-8"?>
+<file path=ppt/slides/slide18.xml><?xml version="1.0" encoding="utf-8"?>
 <p:sld xmlns:a="http://schemas.openxmlformats.org/drawingml/2006/main" xmlns:r="http://schemas.openxmlformats.org/officeDocument/2006/relationships" xmlns:p="http://schemas.openxmlformats.org/presentationml/2006/main">
   <p:cSld>
     <p:spTree>
@@ -3783,6 +3715,280 @@
     <p:extLst>
       <p:ext uri="{BB962C8B-B14F-4D97-AF65-F5344CB8AC3E}">
         <p14:creationId xmlns:p14="http://schemas.microsoft.com/office/powerpoint/2010/main" val="1450430229"/>
+      </p:ext>
+    </p:extLst>
+  </p:cSld>
+  <p:clrMapOvr>
+    <a:masterClrMapping/>
+  </p:clrMapOvr>
+  <p:timing>
+    <p:tnLst>
+      <p:par>
+        <p:cTn id="1" dur="indefinite" restart="never" nodeType="tmRoot"/>
+      </p:par>
+    </p:tnLst>
+  </p:timing>
+</p:sld>
+</file>
+
+<file path=ppt/slides/slide19.xml><?xml version="1.0" encoding="utf-8"?>
+<p:sld xmlns:a="http://schemas.openxmlformats.org/drawingml/2006/main" xmlns:r="http://schemas.openxmlformats.org/officeDocument/2006/relationships" xmlns:p="http://schemas.openxmlformats.org/presentationml/2006/main">
+  <p:cSld>
+    <p:spTree>
+      <p:nvGrpSpPr>
+        <p:cNvPr id="1" name=""/>
+        <p:cNvGrpSpPr/>
+        <p:nvPr/>
+      </p:nvGrpSpPr>
+      <p:grpSpPr>
+        <a:xfrm>
+          <a:off x="0" y="0"/>
+          <a:ext cx="0" cy="0"/>
+          <a:chOff x="0" y="0"/>
+          <a:chExt cx="0" cy="0"/>
+        </a:xfrm>
+      </p:grpSpPr>
+      <p:graphicFrame>
+        <p:nvGraphicFramePr>
+          <p:cNvPr id="2" name="Table 1"/>
+          <p:cNvGraphicFramePr>
+            <a:graphicFrameLocks noGrp="1"/>
+          </p:cNvGraphicFramePr>
+          <p:nvPr>
+            <p:extLst>
+              <p:ext uri="{D42A27DB-BD31-4B8C-83A1-F6EECF244321}">
+                <p14:modId xmlns:p14="http://schemas.microsoft.com/office/powerpoint/2010/main" val="851500267"/>
+              </p:ext>
+            </p:extLst>
+          </p:nvPr>
+        </p:nvGraphicFramePr>
+        <p:xfrm>
+          <a:off x="977902" y="719666"/>
+          <a:ext cx="3437466" cy="5312832"/>
+        </p:xfrm>
+        <a:graphic>
+          <a:graphicData uri="http://schemas.openxmlformats.org/drawingml/2006/table">
+            <a:tbl>
+              <a:tblPr firstRow="1" bandRow="1">
+                <a:tableStyleId>{073A0DAA-6AF3-43AB-8588-CEC1D06C72B9}</a:tableStyleId>
+              </a:tblPr>
+              <a:tblGrid>
+                <a:gridCol w="1718733"/>
+                <a:gridCol w="1718733"/>
+              </a:tblGrid>
+              <a:tr h="758976">
+                <a:tc>
+                  <a:txBody>
+                    <a:bodyPr/>
+                    <a:lstStyle/>
+                    <a:p>
+                      <a:endParaRPr lang="en-US" dirty="0"/>
+                    </a:p>
+                  </a:txBody>
+                  <a:tcPr/>
+                </a:tc>
+                <a:tc>
+                  <a:txBody>
+                    <a:bodyPr/>
+                    <a:lstStyle/>
+                    <a:p>
+                      <a:r>
+                        <a:rPr lang="en-US" dirty="0" err="1" smtClean="0"/>
+                        <a:t>WebAPI</a:t>
+                      </a:r>
+                      <a:endParaRPr lang="en-US" dirty="0"/>
+                    </a:p>
+                  </a:txBody>
+                  <a:tcPr/>
+                </a:tc>
+              </a:tr>
+              <a:tr h="758976">
+                <a:tc>
+                  <a:txBody>
+                    <a:bodyPr/>
+                    <a:lstStyle/>
+                    <a:p>
+                      <a:r>
+                        <a:rPr lang="en-US" dirty="0" smtClean="0"/>
+                        <a:t>Ease of use</a:t>
+                      </a:r>
+                      <a:endParaRPr lang="en-US" dirty="0"/>
+                    </a:p>
+                  </a:txBody>
+                  <a:tcPr/>
+                </a:tc>
+                <a:tc>
+                  <a:txBody>
+                    <a:bodyPr/>
+                    <a:lstStyle/>
+                    <a:p>
+                      <a:r>
+                        <a:rPr lang="en-US" dirty="0" smtClean="0"/>
+                        <a:t>Good</a:t>
+                      </a:r>
+                    </a:p>
+                  </a:txBody>
+                  <a:tcPr/>
+                </a:tc>
+              </a:tr>
+              <a:tr h="758976">
+                <a:tc>
+                  <a:txBody>
+                    <a:bodyPr/>
+                    <a:lstStyle/>
+                    <a:p>
+                      <a:r>
+                        <a:rPr lang="en-US" dirty="0" smtClean="0"/>
+                        <a:t>Documented</a:t>
+                      </a:r>
+                      <a:endParaRPr lang="en-US" dirty="0"/>
+                    </a:p>
+                  </a:txBody>
+                  <a:tcPr/>
+                </a:tc>
+                <a:tc>
+                  <a:txBody>
+                    <a:bodyPr/>
+                    <a:lstStyle/>
+                    <a:p>
+                      <a:r>
+                        <a:rPr lang="en-US" dirty="0" smtClean="0"/>
+                        <a:t>MSDN</a:t>
+                      </a:r>
+                      <a:endParaRPr lang="en-US" dirty="0"/>
+                    </a:p>
+                  </a:txBody>
+                  <a:tcPr/>
+                </a:tc>
+              </a:tr>
+              <a:tr h="758976">
+                <a:tc>
+                  <a:txBody>
+                    <a:bodyPr/>
+                    <a:lstStyle/>
+                    <a:p>
+                      <a:r>
+                        <a:rPr lang="en-US" dirty="0" smtClean="0"/>
+                        <a:t>Documentation</a:t>
+                      </a:r>
+                      <a:endParaRPr lang="en-US" dirty="0"/>
+                    </a:p>
+                  </a:txBody>
+                  <a:tcPr/>
+                </a:tc>
+                <a:tc>
+                  <a:txBody>
+                    <a:bodyPr/>
+                    <a:lstStyle/>
+                    <a:p>
+                      <a:r>
+                        <a:rPr lang="en-US" dirty="0" smtClean="0"/>
+                        <a:t>Yes</a:t>
+                      </a:r>
+                      <a:endParaRPr lang="en-US" dirty="0"/>
+                    </a:p>
+                  </a:txBody>
+                  <a:tcPr/>
+                </a:tc>
+              </a:tr>
+              <a:tr h="758976">
+                <a:tc>
+                  <a:txBody>
+                    <a:bodyPr/>
+                    <a:lstStyle/>
+                    <a:p>
+                      <a:r>
+                        <a:rPr lang="en-US" dirty="0" smtClean="0"/>
+                        <a:t>OData</a:t>
+                      </a:r>
+                      <a:endParaRPr lang="en-US" dirty="0"/>
+                    </a:p>
+                  </a:txBody>
+                  <a:tcPr/>
+                </a:tc>
+                <a:tc>
+                  <a:txBody>
+                    <a:bodyPr/>
+                    <a:lstStyle/>
+                    <a:p>
+                      <a:r>
+                        <a:rPr lang="en-US" dirty="0" smtClean="0"/>
+                        <a:t>Yes</a:t>
+                      </a:r>
+                      <a:endParaRPr lang="en-US" dirty="0"/>
+                    </a:p>
+                  </a:txBody>
+                  <a:tcPr/>
+                </a:tc>
+              </a:tr>
+              <a:tr h="758976">
+                <a:tc>
+                  <a:txBody>
+                    <a:bodyPr/>
+                    <a:lstStyle/>
+                    <a:p>
+                      <a:r>
+                        <a:rPr lang="en-US" dirty="0" smtClean="0"/>
+                        <a:t>Customization</a:t>
+                      </a:r>
+                      <a:endParaRPr lang="en-US" dirty="0"/>
+                    </a:p>
+                  </a:txBody>
+                  <a:tcPr/>
+                </a:tc>
+                <a:tc>
+                  <a:txBody>
+                    <a:bodyPr/>
+                    <a:lstStyle/>
+                    <a:p>
+                      <a:r>
+                        <a:rPr lang="en-US" dirty="0" smtClean="0"/>
+                        <a:t>Somewhat</a:t>
+                      </a:r>
+                      <a:endParaRPr lang="en-US" dirty="0"/>
+                    </a:p>
+                  </a:txBody>
+                  <a:tcPr/>
+                </a:tc>
+              </a:tr>
+              <a:tr h="758976">
+                <a:tc>
+                  <a:txBody>
+                    <a:bodyPr/>
+                    <a:lstStyle/>
+                    <a:p>
+                      <a:r>
+                        <a:rPr lang="en-US" dirty="0" smtClean="0"/>
+                        <a:t>Hosting</a:t>
+                      </a:r>
+                      <a:endParaRPr lang="en-US" dirty="0"/>
+                    </a:p>
+                  </a:txBody>
+                  <a:tcPr/>
+                </a:tc>
+                <a:tc>
+                  <a:txBody>
+                    <a:bodyPr/>
+                    <a:lstStyle/>
+                    <a:p>
+                      <a:r>
+                        <a:rPr lang="en-US" dirty="0" smtClean="0"/>
+                        <a:t>IIS, Self</a:t>
+                      </a:r>
+                      <a:endParaRPr lang="en-US" dirty="0"/>
+                    </a:p>
+                  </a:txBody>
+                  <a:tcPr/>
+                </a:tc>
+              </a:tr>
+            </a:tbl>
+          </a:graphicData>
+        </a:graphic>
+      </p:graphicFrame>
+    </p:spTree>
+    <p:extLst>
+      <p:ext uri="{BB962C8B-B14F-4D97-AF65-F5344CB8AC3E}">
+        <p14:creationId xmlns:p14="http://schemas.microsoft.com/office/powerpoint/2010/main" val="3536320099"/>
       </p:ext>
     </p:extLst>
   </p:cSld>
@@ -3905,280 +4111,6 @@
 </file>
 
 <file path=ppt/slides/slide20.xml><?xml version="1.0" encoding="utf-8"?>
-<p:sld xmlns:a="http://schemas.openxmlformats.org/drawingml/2006/main" xmlns:r="http://schemas.openxmlformats.org/officeDocument/2006/relationships" xmlns:p="http://schemas.openxmlformats.org/presentationml/2006/main">
-  <p:cSld>
-    <p:spTree>
-      <p:nvGrpSpPr>
-        <p:cNvPr id="1" name=""/>
-        <p:cNvGrpSpPr/>
-        <p:nvPr/>
-      </p:nvGrpSpPr>
-      <p:grpSpPr>
-        <a:xfrm>
-          <a:off x="0" y="0"/>
-          <a:ext cx="0" cy="0"/>
-          <a:chOff x="0" y="0"/>
-          <a:chExt cx="0" cy="0"/>
-        </a:xfrm>
-      </p:grpSpPr>
-      <p:graphicFrame>
-        <p:nvGraphicFramePr>
-          <p:cNvPr id="2" name="Table 1"/>
-          <p:cNvGraphicFramePr>
-            <a:graphicFrameLocks noGrp="1"/>
-          </p:cNvGraphicFramePr>
-          <p:nvPr>
-            <p:extLst>
-              <p:ext uri="{D42A27DB-BD31-4B8C-83A1-F6EECF244321}">
-                <p14:modId xmlns:p14="http://schemas.microsoft.com/office/powerpoint/2010/main" val="851500267"/>
-              </p:ext>
-            </p:extLst>
-          </p:nvPr>
-        </p:nvGraphicFramePr>
-        <p:xfrm>
-          <a:off x="977902" y="719666"/>
-          <a:ext cx="3437466" cy="5312832"/>
-        </p:xfrm>
-        <a:graphic>
-          <a:graphicData uri="http://schemas.openxmlformats.org/drawingml/2006/table">
-            <a:tbl>
-              <a:tblPr firstRow="1" bandRow="1">
-                <a:tableStyleId>{073A0DAA-6AF3-43AB-8588-CEC1D06C72B9}</a:tableStyleId>
-              </a:tblPr>
-              <a:tblGrid>
-                <a:gridCol w="1718733"/>
-                <a:gridCol w="1718733"/>
-              </a:tblGrid>
-              <a:tr h="758976">
-                <a:tc>
-                  <a:txBody>
-                    <a:bodyPr/>
-                    <a:lstStyle/>
-                    <a:p>
-                      <a:endParaRPr lang="en-US" dirty="0"/>
-                    </a:p>
-                  </a:txBody>
-                  <a:tcPr/>
-                </a:tc>
-                <a:tc>
-                  <a:txBody>
-                    <a:bodyPr/>
-                    <a:lstStyle/>
-                    <a:p>
-                      <a:r>
-                        <a:rPr lang="en-US" dirty="0" err="1" smtClean="0"/>
-                        <a:t>WebAPI</a:t>
-                      </a:r>
-                      <a:endParaRPr lang="en-US" dirty="0"/>
-                    </a:p>
-                  </a:txBody>
-                  <a:tcPr/>
-                </a:tc>
-              </a:tr>
-              <a:tr h="758976">
-                <a:tc>
-                  <a:txBody>
-                    <a:bodyPr/>
-                    <a:lstStyle/>
-                    <a:p>
-                      <a:r>
-                        <a:rPr lang="en-US" dirty="0" smtClean="0"/>
-                        <a:t>Ease of use</a:t>
-                      </a:r>
-                      <a:endParaRPr lang="en-US" dirty="0"/>
-                    </a:p>
-                  </a:txBody>
-                  <a:tcPr/>
-                </a:tc>
-                <a:tc>
-                  <a:txBody>
-                    <a:bodyPr/>
-                    <a:lstStyle/>
-                    <a:p>
-                      <a:r>
-                        <a:rPr lang="en-US" dirty="0" smtClean="0"/>
-                        <a:t>Good</a:t>
-                      </a:r>
-                    </a:p>
-                  </a:txBody>
-                  <a:tcPr/>
-                </a:tc>
-              </a:tr>
-              <a:tr h="758976">
-                <a:tc>
-                  <a:txBody>
-                    <a:bodyPr/>
-                    <a:lstStyle/>
-                    <a:p>
-                      <a:r>
-                        <a:rPr lang="en-US" dirty="0" smtClean="0"/>
-                        <a:t>Documented</a:t>
-                      </a:r>
-                      <a:endParaRPr lang="en-US" dirty="0"/>
-                    </a:p>
-                  </a:txBody>
-                  <a:tcPr/>
-                </a:tc>
-                <a:tc>
-                  <a:txBody>
-                    <a:bodyPr/>
-                    <a:lstStyle/>
-                    <a:p>
-                      <a:r>
-                        <a:rPr lang="en-US" dirty="0" smtClean="0"/>
-                        <a:t>MSDN</a:t>
-                      </a:r>
-                      <a:endParaRPr lang="en-US" dirty="0"/>
-                    </a:p>
-                  </a:txBody>
-                  <a:tcPr/>
-                </a:tc>
-              </a:tr>
-              <a:tr h="758976">
-                <a:tc>
-                  <a:txBody>
-                    <a:bodyPr/>
-                    <a:lstStyle/>
-                    <a:p>
-                      <a:r>
-                        <a:rPr lang="en-US" dirty="0" smtClean="0"/>
-                        <a:t>Documentation</a:t>
-                      </a:r>
-                      <a:endParaRPr lang="en-US" dirty="0"/>
-                    </a:p>
-                  </a:txBody>
-                  <a:tcPr/>
-                </a:tc>
-                <a:tc>
-                  <a:txBody>
-                    <a:bodyPr/>
-                    <a:lstStyle/>
-                    <a:p>
-                      <a:r>
-                        <a:rPr lang="en-US" dirty="0" smtClean="0"/>
-                        <a:t>Yes</a:t>
-                      </a:r>
-                      <a:endParaRPr lang="en-US" dirty="0"/>
-                    </a:p>
-                  </a:txBody>
-                  <a:tcPr/>
-                </a:tc>
-              </a:tr>
-              <a:tr h="758976">
-                <a:tc>
-                  <a:txBody>
-                    <a:bodyPr/>
-                    <a:lstStyle/>
-                    <a:p>
-                      <a:r>
-                        <a:rPr lang="en-US" dirty="0" smtClean="0"/>
-                        <a:t>OData</a:t>
-                      </a:r>
-                      <a:endParaRPr lang="en-US" dirty="0"/>
-                    </a:p>
-                  </a:txBody>
-                  <a:tcPr/>
-                </a:tc>
-                <a:tc>
-                  <a:txBody>
-                    <a:bodyPr/>
-                    <a:lstStyle/>
-                    <a:p>
-                      <a:r>
-                        <a:rPr lang="en-US" dirty="0" smtClean="0"/>
-                        <a:t>Yes</a:t>
-                      </a:r>
-                      <a:endParaRPr lang="en-US" dirty="0"/>
-                    </a:p>
-                  </a:txBody>
-                  <a:tcPr/>
-                </a:tc>
-              </a:tr>
-              <a:tr h="758976">
-                <a:tc>
-                  <a:txBody>
-                    <a:bodyPr/>
-                    <a:lstStyle/>
-                    <a:p>
-                      <a:r>
-                        <a:rPr lang="en-US" dirty="0" smtClean="0"/>
-                        <a:t>Customization</a:t>
-                      </a:r>
-                      <a:endParaRPr lang="en-US" dirty="0"/>
-                    </a:p>
-                  </a:txBody>
-                  <a:tcPr/>
-                </a:tc>
-                <a:tc>
-                  <a:txBody>
-                    <a:bodyPr/>
-                    <a:lstStyle/>
-                    <a:p>
-                      <a:r>
-                        <a:rPr lang="en-US" dirty="0" smtClean="0"/>
-                        <a:t>Somewhat</a:t>
-                      </a:r>
-                      <a:endParaRPr lang="en-US" dirty="0"/>
-                    </a:p>
-                  </a:txBody>
-                  <a:tcPr/>
-                </a:tc>
-              </a:tr>
-              <a:tr h="758976">
-                <a:tc>
-                  <a:txBody>
-                    <a:bodyPr/>
-                    <a:lstStyle/>
-                    <a:p>
-                      <a:r>
-                        <a:rPr lang="en-US" dirty="0" smtClean="0"/>
-                        <a:t>Hosting</a:t>
-                      </a:r>
-                      <a:endParaRPr lang="en-US" dirty="0"/>
-                    </a:p>
-                  </a:txBody>
-                  <a:tcPr/>
-                </a:tc>
-                <a:tc>
-                  <a:txBody>
-                    <a:bodyPr/>
-                    <a:lstStyle/>
-                    <a:p>
-                      <a:r>
-                        <a:rPr lang="en-US" dirty="0" smtClean="0"/>
-                        <a:t>IIS, Self</a:t>
-                      </a:r>
-                      <a:endParaRPr lang="en-US" dirty="0"/>
-                    </a:p>
-                  </a:txBody>
-                  <a:tcPr/>
-                </a:tc>
-              </a:tr>
-            </a:tbl>
-          </a:graphicData>
-        </a:graphic>
-      </p:graphicFrame>
-    </p:spTree>
-    <p:extLst>
-      <p:ext uri="{BB962C8B-B14F-4D97-AF65-F5344CB8AC3E}">
-        <p14:creationId xmlns:p14="http://schemas.microsoft.com/office/powerpoint/2010/main" val="3536320099"/>
-      </p:ext>
-    </p:extLst>
-  </p:cSld>
-  <p:clrMapOvr>
-    <a:masterClrMapping/>
-  </p:clrMapOvr>
-  <p:timing>
-    <p:tnLst>
-      <p:par>
-        <p:cTn id="1" dur="indefinite" restart="never" nodeType="tmRoot"/>
-      </p:par>
-    </p:tnLst>
-  </p:timing>
-</p:sld>
-</file>
-
-<file path=ppt/slides/slide21.xml><?xml version="1.0" encoding="utf-8"?>
 <p:sld xmlns:a="http://schemas.openxmlformats.org/drawingml/2006/main" xmlns:r="http://schemas.openxmlformats.org/officeDocument/2006/relationships" xmlns:p="http://schemas.openxmlformats.org/presentationml/2006/main">
   <p:cSld>
     <p:bg>
@@ -4253,7 +4185,7 @@
 </p:sld>
 </file>
 
-<file path=ppt/slides/slide22.xml><?xml version="1.0" encoding="utf-8"?>
+<file path=ppt/slides/slide21.xml><?xml version="1.0" encoding="utf-8"?>
 <p:sld xmlns:a="http://schemas.openxmlformats.org/drawingml/2006/main" xmlns:r="http://schemas.openxmlformats.org/officeDocument/2006/relationships" xmlns:p="http://schemas.openxmlformats.org/presentationml/2006/main">
   <p:cSld>
     <p:spTree>
@@ -4364,7 +4296,7 @@
 </p:sld>
 </file>
 
-<file path=ppt/slides/slide23.xml><?xml version="1.0" encoding="utf-8"?>
+<file path=ppt/slides/slide22.xml><?xml version="1.0" encoding="utf-8"?>
 <p:sld xmlns:a="http://schemas.openxmlformats.org/drawingml/2006/main" xmlns:r="http://schemas.openxmlformats.org/officeDocument/2006/relationships" xmlns:p="http://schemas.openxmlformats.org/presentationml/2006/main">
   <p:cSld>
     <p:spTree>
@@ -4737,7 +4669,7 @@
 </p:sld>
 </file>
 
-<file path=ppt/slides/slide24.xml><?xml version="1.0" encoding="utf-8"?>
+<file path=ppt/slides/slide23.xml><?xml version="1.0" encoding="utf-8"?>
 <p:sld xmlns:a="http://schemas.openxmlformats.org/drawingml/2006/main" xmlns:r="http://schemas.openxmlformats.org/officeDocument/2006/relationships" xmlns:p="http://schemas.openxmlformats.org/presentationml/2006/main">
   <p:cSld>
     <p:spTree>
@@ -4804,7 +4736,7 @@
 </p:sld>
 </file>
 
-<file path=ppt/slides/slide25.xml><?xml version="1.0" encoding="utf-8"?>
+<file path=ppt/slides/slide24.xml><?xml version="1.0" encoding="utf-8"?>
 <p:sld xmlns:a="http://schemas.openxmlformats.org/drawingml/2006/main" xmlns:r="http://schemas.openxmlformats.org/officeDocument/2006/relationships" xmlns:p="http://schemas.openxmlformats.org/presentationml/2006/main">
   <p:cSld>
     <p:spTree>
@@ -4887,7 +4819,7 @@
 </p:sld>
 </file>
 
-<file path=ppt/slides/slide26.xml><?xml version="1.0" encoding="utf-8"?>
+<file path=ppt/slides/slide25.xml><?xml version="1.0" encoding="utf-8"?>
 <p:sld xmlns:a="http://schemas.openxmlformats.org/drawingml/2006/main" xmlns:r="http://schemas.openxmlformats.org/officeDocument/2006/relationships" xmlns:p="http://schemas.openxmlformats.org/presentationml/2006/main">
   <p:cSld>
     <p:spTree>
@@ -5359,7 +5291,7 @@
 </p:sld>
 </file>
 
-<file path=ppt/slides/slide27.xml><?xml version="1.0" encoding="utf-8"?>
+<file path=ppt/slides/slide26.xml><?xml version="1.0" encoding="utf-8"?>
 <p:sld xmlns:a="http://schemas.openxmlformats.org/drawingml/2006/main" xmlns:r="http://schemas.openxmlformats.org/officeDocument/2006/relationships" xmlns:p="http://schemas.openxmlformats.org/presentationml/2006/main">
   <p:cSld>
     <p:spTree>
@@ -5426,7 +5358,7 @@
 </p:sld>
 </file>
 
-<file path=ppt/slides/slide28.xml><?xml version="1.0" encoding="utf-8"?>
+<file path=ppt/slides/slide27.xml><?xml version="1.0" encoding="utf-8"?>
 <p:sld xmlns:a="http://schemas.openxmlformats.org/drawingml/2006/main" xmlns:r="http://schemas.openxmlformats.org/officeDocument/2006/relationships" xmlns:p="http://schemas.openxmlformats.org/presentationml/2006/main">
   <p:cSld>
     <p:spTree>
@@ -5512,6 +5444,579 @@
     <p:extLst>
       <p:ext uri="{BB962C8B-B14F-4D97-AF65-F5344CB8AC3E}">
         <p14:creationId xmlns:p14="http://schemas.microsoft.com/office/powerpoint/2010/main" val="1132473208"/>
+      </p:ext>
+    </p:extLst>
+  </p:cSld>
+  <p:clrMapOvr>
+    <a:masterClrMapping/>
+  </p:clrMapOvr>
+  <p:timing>
+    <p:tnLst>
+      <p:par>
+        <p:cTn id="1" dur="indefinite" restart="never" nodeType="tmRoot"/>
+      </p:par>
+    </p:tnLst>
+  </p:timing>
+</p:sld>
+</file>
+
+<file path=ppt/slides/slide28.xml><?xml version="1.0" encoding="utf-8"?>
+<p:sld xmlns:a="http://schemas.openxmlformats.org/drawingml/2006/main" xmlns:r="http://schemas.openxmlformats.org/officeDocument/2006/relationships" xmlns:p="http://schemas.openxmlformats.org/presentationml/2006/main">
+  <p:cSld>
+    <p:spTree>
+      <p:nvGrpSpPr>
+        <p:cNvPr id="1" name=""/>
+        <p:cNvGrpSpPr/>
+        <p:nvPr/>
+      </p:nvGrpSpPr>
+      <p:grpSpPr>
+        <a:xfrm>
+          <a:off x="0" y="0"/>
+          <a:ext cx="0" cy="0"/>
+          <a:chOff x="0" y="0"/>
+          <a:chExt cx="0" cy="0"/>
+        </a:xfrm>
+      </p:grpSpPr>
+      <p:graphicFrame>
+        <p:nvGraphicFramePr>
+          <p:cNvPr id="2" name="Table 1"/>
+          <p:cNvGraphicFramePr>
+            <a:graphicFrameLocks noGrp="1"/>
+          </p:cNvGraphicFramePr>
+          <p:nvPr>
+            <p:extLst>
+              <p:ext uri="{D42A27DB-BD31-4B8C-83A1-F6EECF244321}">
+                <p14:modId xmlns:p14="http://schemas.microsoft.com/office/powerpoint/2010/main" val="594519685"/>
+              </p:ext>
+            </p:extLst>
+          </p:nvPr>
+        </p:nvGraphicFramePr>
+        <p:xfrm>
+          <a:off x="977902" y="719666"/>
+          <a:ext cx="8674100" cy="5312832"/>
+        </p:xfrm>
+        <a:graphic>
+          <a:graphicData uri="http://schemas.openxmlformats.org/drawingml/2006/table">
+            <a:tbl>
+              <a:tblPr firstRow="1" bandRow="1">
+                <a:tableStyleId>{073A0DAA-6AF3-43AB-8588-CEC1D06C72B9}</a:tableStyleId>
+              </a:tblPr>
+              <a:tblGrid>
+                <a:gridCol w="1734820"/>
+                <a:gridCol w="1734820"/>
+                <a:gridCol w="1734820"/>
+                <a:gridCol w="1734820"/>
+                <a:gridCol w="1734820"/>
+              </a:tblGrid>
+              <a:tr h="758976">
+                <a:tc>
+                  <a:txBody>
+                    <a:bodyPr/>
+                    <a:lstStyle/>
+                    <a:p>
+                      <a:endParaRPr lang="en-US" dirty="0"/>
+                    </a:p>
+                  </a:txBody>
+                  <a:tcPr/>
+                </a:tc>
+                <a:tc>
+                  <a:txBody>
+                    <a:bodyPr/>
+                    <a:lstStyle/>
+                    <a:p>
+                      <a:r>
+                        <a:rPr lang="en-US" dirty="0" err="1" smtClean="0"/>
+                        <a:t>WebAPI</a:t>
+                      </a:r>
+                      <a:endParaRPr lang="en-US" dirty="0"/>
+                    </a:p>
+                  </a:txBody>
+                  <a:tcPr/>
+                </a:tc>
+                <a:tc>
+                  <a:txBody>
+                    <a:bodyPr/>
+                    <a:lstStyle/>
+                    <a:p>
+                      <a:r>
+                        <a:rPr lang="en-US" dirty="0" smtClean="0"/>
+                        <a:t>Nancy</a:t>
+                      </a:r>
+                      <a:endParaRPr lang="en-US" dirty="0"/>
+                    </a:p>
+                  </a:txBody>
+                  <a:tcPr/>
+                </a:tc>
+                <a:tc>
+                  <a:txBody>
+                    <a:bodyPr/>
+                    <a:lstStyle/>
+                    <a:p>
+                      <a:r>
+                        <a:rPr lang="en-US" dirty="0" err="1" smtClean="0"/>
+                        <a:t>ServiceStack</a:t>
+                      </a:r>
+                      <a:endParaRPr lang="en-US" dirty="0"/>
+                    </a:p>
+                  </a:txBody>
+                  <a:tcPr/>
+                </a:tc>
+                <a:tc>
+                  <a:txBody>
+                    <a:bodyPr/>
+                    <a:lstStyle/>
+                    <a:p>
+                      <a:r>
+                        <a:rPr lang="en-US" dirty="0" err="1" smtClean="0"/>
+                        <a:t>OpenRasta</a:t>
+                      </a:r>
+                      <a:endParaRPr lang="en-US" dirty="0"/>
+                    </a:p>
+                  </a:txBody>
+                  <a:tcPr/>
+                </a:tc>
+              </a:tr>
+              <a:tr h="758976">
+                <a:tc>
+                  <a:txBody>
+                    <a:bodyPr/>
+                    <a:lstStyle/>
+                    <a:p>
+                      <a:r>
+                        <a:rPr lang="en-US" dirty="0" smtClean="0"/>
+                        <a:t>Ease of use</a:t>
+                      </a:r>
+                      <a:endParaRPr lang="en-US" dirty="0"/>
+                    </a:p>
+                  </a:txBody>
+                  <a:tcPr/>
+                </a:tc>
+                <a:tc>
+                  <a:txBody>
+                    <a:bodyPr/>
+                    <a:lstStyle/>
+                    <a:p>
+                      <a:r>
+                        <a:rPr lang="en-US" dirty="0" smtClean="0"/>
+                        <a:t>Good</a:t>
+                      </a:r>
+                    </a:p>
+                  </a:txBody>
+                  <a:tcPr/>
+                </a:tc>
+                <a:tc>
+                  <a:txBody>
+                    <a:bodyPr/>
+                    <a:lstStyle/>
+                    <a:p>
+                      <a:r>
+                        <a:rPr lang="en-US" dirty="0" smtClean="0"/>
+                        <a:t>Good</a:t>
+                      </a:r>
+                      <a:endParaRPr lang="en-US" dirty="0"/>
+                    </a:p>
+                  </a:txBody>
+                  <a:tcPr/>
+                </a:tc>
+                <a:tc>
+                  <a:txBody>
+                    <a:bodyPr/>
+                    <a:lstStyle/>
+                    <a:p>
+                      <a:r>
+                        <a:rPr lang="en-US" dirty="0" smtClean="0"/>
+                        <a:t>Good</a:t>
+                      </a:r>
+                    </a:p>
+                    <a:p>
+                      <a:endParaRPr lang="en-US" dirty="0"/>
+                    </a:p>
+                  </a:txBody>
+                  <a:tcPr/>
+                </a:tc>
+                <a:tc>
+                  <a:txBody>
+                    <a:bodyPr/>
+                    <a:lstStyle/>
+                    <a:p>
+                      <a:r>
+                        <a:rPr lang="en-US" dirty="0" smtClean="0"/>
+                        <a:t>Poor</a:t>
+                      </a:r>
+                      <a:endParaRPr lang="en-US" dirty="0"/>
+                    </a:p>
+                  </a:txBody>
+                  <a:tcPr/>
+                </a:tc>
+              </a:tr>
+              <a:tr h="758976">
+                <a:tc>
+                  <a:txBody>
+                    <a:bodyPr/>
+                    <a:lstStyle/>
+                    <a:p>
+                      <a:r>
+                        <a:rPr lang="en-US" dirty="0" smtClean="0"/>
+                        <a:t>Documented</a:t>
+                      </a:r>
+                      <a:endParaRPr lang="en-US" dirty="0"/>
+                    </a:p>
+                  </a:txBody>
+                  <a:tcPr/>
+                </a:tc>
+                <a:tc>
+                  <a:txBody>
+                    <a:bodyPr/>
+                    <a:lstStyle/>
+                    <a:p>
+                      <a:r>
+                        <a:rPr lang="en-US" dirty="0" smtClean="0"/>
+                        <a:t>MSDN</a:t>
+                      </a:r>
+                      <a:endParaRPr lang="en-US" dirty="0"/>
+                    </a:p>
+                  </a:txBody>
+                  <a:tcPr/>
+                </a:tc>
+                <a:tc>
+                  <a:txBody>
+                    <a:bodyPr/>
+                    <a:lstStyle/>
+                    <a:p>
+                      <a:r>
+                        <a:rPr lang="en-US" dirty="0" smtClean="0"/>
+                        <a:t>Yes</a:t>
+                      </a:r>
+                      <a:endParaRPr lang="en-US" dirty="0"/>
+                    </a:p>
+                  </a:txBody>
+                  <a:tcPr/>
+                </a:tc>
+                <a:tc>
+                  <a:txBody>
+                    <a:bodyPr/>
+                    <a:lstStyle/>
+                    <a:p>
+                      <a:r>
+                        <a:rPr lang="en-US" dirty="0" smtClean="0"/>
+                        <a:t>Yes</a:t>
+                      </a:r>
+                      <a:endParaRPr lang="en-US" dirty="0"/>
+                    </a:p>
+                  </a:txBody>
+                  <a:tcPr/>
+                </a:tc>
+                <a:tc>
+                  <a:txBody>
+                    <a:bodyPr/>
+                    <a:lstStyle/>
+                    <a:p>
+                      <a:r>
+                        <a:rPr lang="en-US" dirty="0" smtClean="0"/>
+                        <a:t>Yes</a:t>
+                      </a:r>
+                      <a:endParaRPr lang="en-US" dirty="0"/>
+                    </a:p>
+                  </a:txBody>
+                  <a:tcPr/>
+                </a:tc>
+              </a:tr>
+              <a:tr h="758976">
+                <a:tc>
+                  <a:txBody>
+                    <a:bodyPr/>
+                    <a:lstStyle/>
+                    <a:p>
+                      <a:r>
+                        <a:rPr lang="en-US" dirty="0" smtClean="0"/>
+                        <a:t>Documentation</a:t>
+                      </a:r>
+                      <a:endParaRPr lang="en-US" dirty="0"/>
+                    </a:p>
+                  </a:txBody>
+                  <a:tcPr/>
+                </a:tc>
+                <a:tc>
+                  <a:txBody>
+                    <a:bodyPr/>
+                    <a:lstStyle/>
+                    <a:p>
+                      <a:r>
+                        <a:rPr lang="en-US" dirty="0" smtClean="0"/>
+                        <a:t>Yes</a:t>
+                      </a:r>
+                      <a:endParaRPr lang="en-US" dirty="0"/>
+                    </a:p>
+                  </a:txBody>
+                  <a:tcPr/>
+                </a:tc>
+                <a:tc>
+                  <a:txBody>
+                    <a:bodyPr/>
+                    <a:lstStyle/>
+                    <a:p>
+                      <a:r>
+                        <a:rPr lang="en-US" dirty="0" smtClean="0"/>
+                        <a:t>No</a:t>
+                      </a:r>
+                      <a:endParaRPr lang="en-US" dirty="0"/>
+                    </a:p>
+                  </a:txBody>
+                  <a:tcPr/>
+                </a:tc>
+                <a:tc>
+                  <a:txBody>
+                    <a:bodyPr/>
+                    <a:lstStyle/>
+                    <a:p>
+                      <a:r>
+                        <a:rPr lang="en-US" dirty="0" smtClean="0"/>
+                        <a:t>Yes</a:t>
+                      </a:r>
+                      <a:endParaRPr lang="en-US" dirty="0"/>
+                    </a:p>
+                  </a:txBody>
+                  <a:tcPr/>
+                </a:tc>
+                <a:tc>
+                  <a:txBody>
+                    <a:bodyPr/>
+                    <a:lstStyle/>
+                    <a:p>
+                      <a:r>
+                        <a:rPr lang="en-US" dirty="0" smtClean="0"/>
+                        <a:t>No</a:t>
+                      </a:r>
+                      <a:endParaRPr lang="en-US" dirty="0"/>
+                    </a:p>
+                  </a:txBody>
+                  <a:tcPr/>
+                </a:tc>
+              </a:tr>
+              <a:tr h="758976">
+                <a:tc>
+                  <a:txBody>
+                    <a:bodyPr/>
+                    <a:lstStyle/>
+                    <a:p>
+                      <a:r>
+                        <a:rPr lang="en-US" dirty="0" smtClean="0"/>
+                        <a:t>OData</a:t>
+                      </a:r>
+                      <a:endParaRPr lang="en-US" dirty="0"/>
+                    </a:p>
+                  </a:txBody>
+                  <a:tcPr/>
+                </a:tc>
+                <a:tc>
+                  <a:txBody>
+                    <a:bodyPr/>
+                    <a:lstStyle/>
+                    <a:p>
+                      <a:r>
+                        <a:rPr lang="en-US" dirty="0" smtClean="0"/>
+                        <a:t>Yes</a:t>
+                      </a:r>
+                      <a:endParaRPr lang="en-US" dirty="0"/>
+                    </a:p>
+                  </a:txBody>
+                  <a:tcPr/>
+                </a:tc>
+                <a:tc>
+                  <a:txBody>
+                    <a:bodyPr/>
+                    <a:lstStyle/>
+                    <a:p>
+                      <a:r>
+                        <a:rPr lang="en-US" dirty="0" smtClean="0"/>
+                        <a:t>Yes</a:t>
+                      </a:r>
+                      <a:endParaRPr lang="en-US" dirty="0"/>
+                    </a:p>
+                  </a:txBody>
+                  <a:tcPr/>
+                </a:tc>
+                <a:tc>
+                  <a:txBody>
+                    <a:bodyPr/>
+                    <a:lstStyle/>
+                    <a:p>
+                      <a:r>
+                        <a:rPr lang="en-US" dirty="0" smtClean="0"/>
+                        <a:t>No</a:t>
+                      </a:r>
+                      <a:endParaRPr lang="en-US" dirty="0"/>
+                    </a:p>
+                  </a:txBody>
+                  <a:tcPr/>
+                </a:tc>
+                <a:tc>
+                  <a:txBody>
+                    <a:bodyPr/>
+                    <a:lstStyle/>
+                    <a:p>
+                      <a:r>
+                        <a:rPr lang="en-US" dirty="0" smtClean="0"/>
+                        <a:t>No</a:t>
+                      </a:r>
+                      <a:endParaRPr lang="en-US" dirty="0"/>
+                    </a:p>
+                  </a:txBody>
+                  <a:tcPr/>
+                </a:tc>
+              </a:tr>
+              <a:tr h="758976">
+                <a:tc>
+                  <a:txBody>
+                    <a:bodyPr/>
+                    <a:lstStyle/>
+                    <a:p>
+                      <a:r>
+                        <a:rPr lang="en-US" dirty="0" smtClean="0"/>
+                        <a:t>Customization</a:t>
+                      </a:r>
+                      <a:endParaRPr lang="en-US" dirty="0"/>
+                    </a:p>
+                  </a:txBody>
+                  <a:tcPr/>
+                </a:tc>
+                <a:tc>
+                  <a:txBody>
+                    <a:bodyPr/>
+                    <a:lstStyle/>
+                    <a:p>
+                      <a:r>
+                        <a:rPr lang="en-US" dirty="0" smtClean="0"/>
+                        <a:t>Somewhat</a:t>
+                      </a:r>
+                      <a:endParaRPr lang="en-US" dirty="0"/>
+                    </a:p>
+                  </a:txBody>
+                  <a:tcPr/>
+                </a:tc>
+                <a:tc>
+                  <a:txBody>
+                    <a:bodyPr/>
+                    <a:lstStyle/>
+                    <a:p>
+                      <a:r>
+                        <a:rPr lang="en-US" dirty="0" smtClean="0"/>
+                        <a:t>Good</a:t>
+                      </a:r>
+                      <a:endParaRPr lang="en-US" dirty="0"/>
+                    </a:p>
+                  </a:txBody>
+                  <a:tcPr/>
+                </a:tc>
+                <a:tc>
+                  <a:txBody>
+                    <a:bodyPr/>
+                    <a:lstStyle/>
+                    <a:p>
+                      <a:r>
+                        <a:rPr lang="en-US" dirty="0" smtClean="0"/>
+                        <a:t>Great</a:t>
+                      </a:r>
+                      <a:endParaRPr lang="en-US" dirty="0"/>
+                    </a:p>
+                  </a:txBody>
+                  <a:tcPr/>
+                </a:tc>
+                <a:tc>
+                  <a:txBody>
+                    <a:bodyPr/>
+                    <a:lstStyle/>
+                    <a:p>
+                      <a:r>
+                        <a:rPr lang="en-US" dirty="0" smtClean="0"/>
+                        <a:t>You will</a:t>
+                      </a:r>
+                      <a:endParaRPr lang="en-US" dirty="0"/>
+                    </a:p>
+                  </a:txBody>
+                  <a:tcPr/>
+                </a:tc>
+              </a:tr>
+              <a:tr h="758976">
+                <a:tc>
+                  <a:txBody>
+                    <a:bodyPr/>
+                    <a:lstStyle/>
+                    <a:p>
+                      <a:r>
+                        <a:rPr lang="en-US" dirty="0" smtClean="0"/>
+                        <a:t>Hosting</a:t>
+                      </a:r>
+                      <a:endParaRPr lang="en-US" dirty="0"/>
+                    </a:p>
+                  </a:txBody>
+                  <a:tcPr/>
+                </a:tc>
+                <a:tc>
+                  <a:txBody>
+                    <a:bodyPr/>
+                    <a:lstStyle/>
+                    <a:p>
+                      <a:r>
+                        <a:rPr lang="en-US" dirty="0" smtClean="0"/>
+                        <a:t>IIS, Self</a:t>
+                      </a:r>
+                      <a:endParaRPr lang="en-US" dirty="0"/>
+                    </a:p>
+                  </a:txBody>
+                  <a:tcPr/>
+                </a:tc>
+                <a:tc>
+                  <a:txBody>
+                    <a:bodyPr/>
+                    <a:lstStyle/>
+                    <a:p>
+                      <a:r>
+                        <a:rPr lang="en-US" dirty="0" smtClean="0"/>
+                        <a:t>IIS, Self, OWIN, Mono</a:t>
+                      </a:r>
+                      <a:endParaRPr lang="en-US" dirty="0"/>
+                    </a:p>
+                  </a:txBody>
+                  <a:tcPr/>
+                </a:tc>
+                <a:tc>
+                  <a:txBody>
+                    <a:bodyPr/>
+                    <a:lstStyle/>
+                    <a:p>
+                      <a:r>
+                        <a:rPr lang="en-US" dirty="0" smtClean="0"/>
+                        <a:t>IIS, Self, Mono</a:t>
+                      </a:r>
+                      <a:endParaRPr lang="en-US" dirty="0"/>
+                    </a:p>
+                  </a:txBody>
+                  <a:tcPr/>
+                </a:tc>
+                <a:tc>
+                  <a:txBody>
+                    <a:bodyPr/>
+                    <a:lstStyle/>
+                    <a:p>
+                      <a:r>
+                        <a:rPr lang="en-US" dirty="0" smtClean="0"/>
+                        <a:t>IIS</a:t>
+                      </a:r>
+                      <a:endParaRPr lang="en-US" dirty="0"/>
+                    </a:p>
+                  </a:txBody>
+                  <a:tcPr/>
+                </a:tc>
+              </a:tr>
+            </a:tbl>
+          </a:graphicData>
+        </a:graphic>
+      </p:graphicFrame>
+    </p:spTree>
+    <p:extLst>
+      <p:ext uri="{BB962C8B-B14F-4D97-AF65-F5344CB8AC3E}">
+        <p14:creationId xmlns:p14="http://schemas.microsoft.com/office/powerpoint/2010/main" val="2146069233"/>
       </p:ext>
     </p:extLst>
   </p:cSld>
@@ -5545,546 +6050,40 @@
           <a:chExt cx="0" cy="0"/>
         </a:xfrm>
       </p:grpSpPr>
-      <p:graphicFrame>
-        <p:nvGraphicFramePr>
-          <p:cNvPr id="2" name="Table 1"/>
-          <p:cNvGraphicFramePr>
-            <a:graphicFrameLocks noGrp="1"/>
-          </p:cNvGraphicFramePr>
-          <p:nvPr>
-            <p:extLst>
-              <p:ext uri="{D42A27DB-BD31-4B8C-83A1-F6EECF244321}">
-                <p14:modId xmlns:p14="http://schemas.microsoft.com/office/powerpoint/2010/main" val="594519685"/>
-              </p:ext>
-            </p:extLst>
-          </p:nvPr>
-        </p:nvGraphicFramePr>
-        <p:xfrm>
-          <a:off x="977902" y="719666"/>
-          <a:ext cx="8674100" cy="5312832"/>
-        </p:xfrm>
-        <a:graphic>
-          <a:graphicData uri="http://schemas.openxmlformats.org/drawingml/2006/table">
-            <a:tbl>
-              <a:tblPr firstRow="1" bandRow="1">
-                <a:tableStyleId>{073A0DAA-6AF3-43AB-8588-CEC1D06C72B9}</a:tableStyleId>
-              </a:tblPr>
-              <a:tblGrid>
-                <a:gridCol w="1734820"/>
-                <a:gridCol w="1734820"/>
-                <a:gridCol w="1734820"/>
-                <a:gridCol w="1734820"/>
-                <a:gridCol w="1734820"/>
-              </a:tblGrid>
-              <a:tr h="758976">
-                <a:tc>
-                  <a:txBody>
-                    <a:bodyPr/>
-                    <a:lstStyle/>
-                    <a:p>
-                      <a:endParaRPr lang="en-US" dirty="0"/>
-                    </a:p>
-                  </a:txBody>
-                  <a:tcPr/>
-                </a:tc>
-                <a:tc>
-                  <a:txBody>
-                    <a:bodyPr/>
-                    <a:lstStyle/>
-                    <a:p>
-                      <a:r>
-                        <a:rPr lang="en-US" dirty="0" err="1" smtClean="0"/>
-                        <a:t>WebAPI</a:t>
-                      </a:r>
-                      <a:endParaRPr lang="en-US" dirty="0"/>
-                    </a:p>
-                  </a:txBody>
-                  <a:tcPr/>
-                </a:tc>
-                <a:tc>
-                  <a:txBody>
-                    <a:bodyPr/>
-                    <a:lstStyle/>
-                    <a:p>
-                      <a:r>
-                        <a:rPr lang="en-US" dirty="0" smtClean="0"/>
-                        <a:t>Nancy</a:t>
-                      </a:r>
-                      <a:endParaRPr lang="en-US" dirty="0"/>
-                    </a:p>
-                  </a:txBody>
-                  <a:tcPr/>
-                </a:tc>
-                <a:tc>
-                  <a:txBody>
-                    <a:bodyPr/>
-                    <a:lstStyle/>
-                    <a:p>
-                      <a:r>
-                        <a:rPr lang="en-US" dirty="0" err="1" smtClean="0"/>
-                        <a:t>ServiceStack</a:t>
-                      </a:r>
-                      <a:endParaRPr lang="en-US" dirty="0"/>
-                    </a:p>
-                  </a:txBody>
-                  <a:tcPr/>
-                </a:tc>
-                <a:tc>
-                  <a:txBody>
-                    <a:bodyPr/>
-                    <a:lstStyle/>
-                    <a:p>
-                      <a:r>
-                        <a:rPr lang="en-US" dirty="0" err="1" smtClean="0"/>
-                        <a:t>OpenRasta</a:t>
-                      </a:r>
-                      <a:endParaRPr lang="en-US" dirty="0"/>
-                    </a:p>
-                  </a:txBody>
-                  <a:tcPr/>
-                </a:tc>
-              </a:tr>
-              <a:tr h="758976">
-                <a:tc>
-                  <a:txBody>
-                    <a:bodyPr/>
-                    <a:lstStyle/>
-                    <a:p>
-                      <a:r>
-                        <a:rPr lang="en-US" dirty="0" smtClean="0"/>
-                        <a:t>Ease of use</a:t>
-                      </a:r>
-                      <a:endParaRPr lang="en-US" dirty="0"/>
-                    </a:p>
-                  </a:txBody>
-                  <a:tcPr/>
-                </a:tc>
-                <a:tc>
-                  <a:txBody>
-                    <a:bodyPr/>
-                    <a:lstStyle/>
-                    <a:p>
-                      <a:r>
-                        <a:rPr lang="en-US" dirty="0" smtClean="0"/>
-                        <a:t>Good</a:t>
-                      </a:r>
-                    </a:p>
-                  </a:txBody>
-                  <a:tcPr/>
-                </a:tc>
-                <a:tc>
-                  <a:txBody>
-                    <a:bodyPr/>
-                    <a:lstStyle/>
-                    <a:p>
-                      <a:r>
-                        <a:rPr lang="en-US" dirty="0" smtClean="0"/>
-                        <a:t>Good</a:t>
-                      </a:r>
-                      <a:endParaRPr lang="en-US" dirty="0"/>
-                    </a:p>
-                  </a:txBody>
-                  <a:tcPr/>
-                </a:tc>
-                <a:tc>
-                  <a:txBody>
-                    <a:bodyPr/>
-                    <a:lstStyle/>
-                    <a:p>
-                      <a:r>
-                        <a:rPr lang="en-US" dirty="0" smtClean="0"/>
-                        <a:t>Good</a:t>
-                      </a:r>
-                    </a:p>
-                    <a:p>
-                      <a:endParaRPr lang="en-US" dirty="0"/>
-                    </a:p>
-                  </a:txBody>
-                  <a:tcPr/>
-                </a:tc>
-                <a:tc>
-                  <a:txBody>
-                    <a:bodyPr/>
-                    <a:lstStyle/>
-                    <a:p>
-                      <a:r>
-                        <a:rPr lang="en-US" dirty="0" smtClean="0"/>
-                        <a:t>Poor</a:t>
-                      </a:r>
-                      <a:endParaRPr lang="en-US" dirty="0"/>
-                    </a:p>
-                  </a:txBody>
-                  <a:tcPr/>
-                </a:tc>
-              </a:tr>
-              <a:tr h="758976">
-                <a:tc>
-                  <a:txBody>
-                    <a:bodyPr/>
-                    <a:lstStyle/>
-                    <a:p>
-                      <a:r>
-                        <a:rPr lang="en-US" dirty="0" smtClean="0"/>
-                        <a:t>Documented</a:t>
-                      </a:r>
-                      <a:endParaRPr lang="en-US" dirty="0"/>
-                    </a:p>
-                  </a:txBody>
-                  <a:tcPr/>
-                </a:tc>
-                <a:tc>
-                  <a:txBody>
-                    <a:bodyPr/>
-                    <a:lstStyle/>
-                    <a:p>
-                      <a:r>
-                        <a:rPr lang="en-US" dirty="0" smtClean="0"/>
-                        <a:t>MSDN</a:t>
-                      </a:r>
-                      <a:endParaRPr lang="en-US" dirty="0"/>
-                    </a:p>
-                  </a:txBody>
-                  <a:tcPr/>
-                </a:tc>
-                <a:tc>
-                  <a:txBody>
-                    <a:bodyPr/>
-                    <a:lstStyle/>
-                    <a:p>
-                      <a:r>
-                        <a:rPr lang="en-US" dirty="0" smtClean="0"/>
-                        <a:t>Yes</a:t>
-                      </a:r>
-                      <a:endParaRPr lang="en-US" dirty="0"/>
-                    </a:p>
-                  </a:txBody>
-                  <a:tcPr/>
-                </a:tc>
-                <a:tc>
-                  <a:txBody>
-                    <a:bodyPr/>
-                    <a:lstStyle/>
-                    <a:p>
-                      <a:r>
-                        <a:rPr lang="en-US" dirty="0" smtClean="0"/>
-                        <a:t>Yes</a:t>
-                      </a:r>
-                      <a:endParaRPr lang="en-US" dirty="0"/>
-                    </a:p>
-                  </a:txBody>
-                  <a:tcPr/>
-                </a:tc>
-                <a:tc>
-                  <a:txBody>
-                    <a:bodyPr/>
-                    <a:lstStyle/>
-                    <a:p>
-                      <a:r>
-                        <a:rPr lang="en-US" dirty="0" smtClean="0"/>
-                        <a:t>Yes</a:t>
-                      </a:r>
-                      <a:endParaRPr lang="en-US" dirty="0"/>
-                    </a:p>
-                  </a:txBody>
-                  <a:tcPr/>
-                </a:tc>
-              </a:tr>
-              <a:tr h="758976">
-                <a:tc>
-                  <a:txBody>
-                    <a:bodyPr/>
-                    <a:lstStyle/>
-                    <a:p>
-                      <a:r>
-                        <a:rPr lang="en-US" dirty="0" smtClean="0"/>
-                        <a:t>Documentation</a:t>
-                      </a:r>
-                      <a:endParaRPr lang="en-US" dirty="0"/>
-                    </a:p>
-                  </a:txBody>
-                  <a:tcPr/>
-                </a:tc>
-                <a:tc>
-                  <a:txBody>
-                    <a:bodyPr/>
-                    <a:lstStyle/>
-                    <a:p>
-                      <a:r>
-                        <a:rPr lang="en-US" dirty="0" smtClean="0"/>
-                        <a:t>Yes</a:t>
-                      </a:r>
-                      <a:endParaRPr lang="en-US" dirty="0"/>
-                    </a:p>
-                  </a:txBody>
-                  <a:tcPr/>
-                </a:tc>
-                <a:tc>
-                  <a:txBody>
-                    <a:bodyPr/>
-                    <a:lstStyle/>
-                    <a:p>
-                      <a:r>
-                        <a:rPr lang="en-US" dirty="0" smtClean="0"/>
-                        <a:t>No</a:t>
-                      </a:r>
-                      <a:endParaRPr lang="en-US" dirty="0"/>
-                    </a:p>
-                  </a:txBody>
-                  <a:tcPr/>
-                </a:tc>
-                <a:tc>
-                  <a:txBody>
-                    <a:bodyPr/>
-                    <a:lstStyle/>
-                    <a:p>
-                      <a:r>
-                        <a:rPr lang="en-US" dirty="0" smtClean="0"/>
-                        <a:t>Yes</a:t>
-                      </a:r>
-                      <a:endParaRPr lang="en-US" dirty="0"/>
-                    </a:p>
-                  </a:txBody>
-                  <a:tcPr/>
-                </a:tc>
-                <a:tc>
-                  <a:txBody>
-                    <a:bodyPr/>
-                    <a:lstStyle/>
-                    <a:p>
-                      <a:r>
-                        <a:rPr lang="en-US" dirty="0" smtClean="0"/>
-                        <a:t>No</a:t>
-                      </a:r>
-                      <a:endParaRPr lang="en-US" dirty="0"/>
-                    </a:p>
-                  </a:txBody>
-                  <a:tcPr/>
-                </a:tc>
-              </a:tr>
-              <a:tr h="758976">
-                <a:tc>
-                  <a:txBody>
-                    <a:bodyPr/>
-                    <a:lstStyle/>
-                    <a:p>
-                      <a:r>
-                        <a:rPr lang="en-US" dirty="0" smtClean="0"/>
-                        <a:t>OData</a:t>
-                      </a:r>
-                      <a:endParaRPr lang="en-US" dirty="0"/>
-                    </a:p>
-                  </a:txBody>
-                  <a:tcPr/>
-                </a:tc>
-                <a:tc>
-                  <a:txBody>
-                    <a:bodyPr/>
-                    <a:lstStyle/>
-                    <a:p>
-                      <a:r>
-                        <a:rPr lang="en-US" dirty="0" smtClean="0"/>
-                        <a:t>Yes</a:t>
-                      </a:r>
-                      <a:endParaRPr lang="en-US" dirty="0"/>
-                    </a:p>
-                  </a:txBody>
-                  <a:tcPr/>
-                </a:tc>
-                <a:tc>
-                  <a:txBody>
-                    <a:bodyPr/>
-                    <a:lstStyle/>
-                    <a:p>
-                      <a:r>
-                        <a:rPr lang="en-US" dirty="0" smtClean="0"/>
-                        <a:t>Yes</a:t>
-                      </a:r>
-                      <a:endParaRPr lang="en-US" dirty="0"/>
-                    </a:p>
-                  </a:txBody>
-                  <a:tcPr/>
-                </a:tc>
-                <a:tc>
-                  <a:txBody>
-                    <a:bodyPr/>
-                    <a:lstStyle/>
-                    <a:p>
-                      <a:r>
-                        <a:rPr lang="en-US" dirty="0" smtClean="0"/>
-                        <a:t>No</a:t>
-                      </a:r>
-                      <a:endParaRPr lang="en-US" dirty="0"/>
-                    </a:p>
-                  </a:txBody>
-                  <a:tcPr/>
-                </a:tc>
-                <a:tc>
-                  <a:txBody>
-                    <a:bodyPr/>
-                    <a:lstStyle/>
-                    <a:p>
-                      <a:r>
-                        <a:rPr lang="en-US" dirty="0" smtClean="0"/>
-                        <a:t>No</a:t>
-                      </a:r>
-                      <a:endParaRPr lang="en-US" dirty="0"/>
-                    </a:p>
-                  </a:txBody>
-                  <a:tcPr/>
-                </a:tc>
-              </a:tr>
-              <a:tr h="758976">
-                <a:tc>
-                  <a:txBody>
-                    <a:bodyPr/>
-                    <a:lstStyle/>
-                    <a:p>
-                      <a:r>
-                        <a:rPr lang="en-US" dirty="0" smtClean="0"/>
-                        <a:t>Customization</a:t>
-                      </a:r>
-                      <a:endParaRPr lang="en-US" dirty="0"/>
-                    </a:p>
-                  </a:txBody>
-                  <a:tcPr/>
-                </a:tc>
-                <a:tc>
-                  <a:txBody>
-                    <a:bodyPr/>
-                    <a:lstStyle/>
-                    <a:p>
-                      <a:r>
-                        <a:rPr lang="en-US" dirty="0" smtClean="0"/>
-                        <a:t>Somewhat</a:t>
-                      </a:r>
-                      <a:endParaRPr lang="en-US" dirty="0"/>
-                    </a:p>
-                  </a:txBody>
-                  <a:tcPr/>
-                </a:tc>
-                <a:tc>
-                  <a:txBody>
-                    <a:bodyPr/>
-                    <a:lstStyle/>
-                    <a:p>
-                      <a:r>
-                        <a:rPr lang="en-US" dirty="0" smtClean="0"/>
-                        <a:t>Good</a:t>
-                      </a:r>
-                      <a:endParaRPr lang="en-US" dirty="0"/>
-                    </a:p>
-                  </a:txBody>
-                  <a:tcPr/>
-                </a:tc>
-                <a:tc>
-                  <a:txBody>
-                    <a:bodyPr/>
-                    <a:lstStyle/>
-                    <a:p>
-                      <a:r>
-                        <a:rPr lang="en-US" dirty="0" smtClean="0"/>
-                        <a:t>Great</a:t>
-                      </a:r>
-                      <a:endParaRPr lang="en-US" dirty="0"/>
-                    </a:p>
-                  </a:txBody>
-                  <a:tcPr/>
-                </a:tc>
-                <a:tc>
-                  <a:txBody>
-                    <a:bodyPr/>
-                    <a:lstStyle/>
-                    <a:p>
-                      <a:r>
-                        <a:rPr lang="en-US" dirty="0" smtClean="0"/>
-                        <a:t>You will</a:t>
-                      </a:r>
-                      <a:endParaRPr lang="en-US" dirty="0"/>
-                    </a:p>
-                  </a:txBody>
-                  <a:tcPr/>
-                </a:tc>
-              </a:tr>
-              <a:tr h="758976">
-                <a:tc>
-                  <a:txBody>
-                    <a:bodyPr/>
-                    <a:lstStyle/>
-                    <a:p>
-                      <a:r>
-                        <a:rPr lang="en-US" dirty="0" smtClean="0"/>
-                        <a:t>Hosting</a:t>
-                      </a:r>
-                      <a:endParaRPr lang="en-US" dirty="0"/>
-                    </a:p>
-                  </a:txBody>
-                  <a:tcPr/>
-                </a:tc>
-                <a:tc>
-                  <a:txBody>
-                    <a:bodyPr/>
-                    <a:lstStyle/>
-                    <a:p>
-                      <a:r>
-                        <a:rPr lang="en-US" dirty="0" smtClean="0"/>
-                        <a:t>IIS, Self</a:t>
-                      </a:r>
-                      <a:endParaRPr lang="en-US" dirty="0"/>
-                    </a:p>
-                  </a:txBody>
-                  <a:tcPr/>
-                </a:tc>
-                <a:tc>
-                  <a:txBody>
-                    <a:bodyPr/>
-                    <a:lstStyle/>
-                    <a:p>
-                      <a:r>
-                        <a:rPr lang="en-US" dirty="0" smtClean="0"/>
-                        <a:t>IIS, Self, OWIN, Mono</a:t>
-                      </a:r>
-                      <a:endParaRPr lang="en-US" dirty="0"/>
-                    </a:p>
-                  </a:txBody>
-                  <a:tcPr/>
-                </a:tc>
-                <a:tc>
-                  <a:txBody>
-                    <a:bodyPr/>
-                    <a:lstStyle/>
-                    <a:p>
-                      <a:r>
-                        <a:rPr lang="en-US" dirty="0" smtClean="0"/>
-                        <a:t>IIS, Self, Mono</a:t>
-                      </a:r>
-                      <a:endParaRPr lang="en-US" dirty="0"/>
-                    </a:p>
-                  </a:txBody>
-                  <a:tcPr/>
-                </a:tc>
-                <a:tc>
-                  <a:txBody>
-                    <a:bodyPr/>
-                    <a:lstStyle/>
-                    <a:p>
-                      <a:r>
-                        <a:rPr lang="en-US" dirty="0" smtClean="0"/>
-                        <a:t>IIS</a:t>
-                      </a:r>
-                      <a:endParaRPr lang="en-US" dirty="0"/>
-                    </a:p>
-                  </a:txBody>
-                  <a:tcPr/>
-                </a:tc>
-              </a:tr>
-            </a:tbl>
-          </a:graphicData>
-        </a:graphic>
-      </p:graphicFrame>
+      <p:sp>
+        <p:nvSpPr>
+          <p:cNvPr id="2" name="TextBox 1"/>
+          <p:cNvSpPr txBox="1"/>
+          <p:nvPr/>
+        </p:nvSpPr>
+        <p:spPr>
+          <a:xfrm>
+            <a:off x="3787997" y="2828836"/>
+            <a:ext cx="4616007" cy="1200329"/>
+          </a:xfrm>
+          <a:prstGeom prst="rect">
+            <a:avLst/>
+          </a:prstGeom>
+          <a:noFill/>
+        </p:spPr>
+        <p:txBody>
+          <a:bodyPr wrap="none" rtlCol="0">
+            <a:spAutoFit/>
+          </a:bodyPr>
+          <a:lstStyle/>
+          <a:p>
+            <a:r>
+              <a:rPr lang="en-US" sz="7200" dirty="0" err="1" smtClean="0"/>
+              <a:t>Simple.Web</a:t>
+            </a:r>
+            <a:endParaRPr lang="en-US" sz="7200" dirty="0"/>
+          </a:p>
+        </p:txBody>
+      </p:sp>
     </p:spTree>
     <p:extLst>
       <p:ext uri="{BB962C8B-B14F-4D97-AF65-F5344CB8AC3E}">
-        <p14:creationId xmlns:p14="http://schemas.microsoft.com/office/powerpoint/2010/main" val="2146069233"/>
+        <p14:creationId xmlns:p14="http://schemas.microsoft.com/office/powerpoint/2010/main" val="1006350517"/>
       </p:ext>
     </p:extLst>
   </p:cSld>
@@ -6203,38 +6202,54 @@
       </p:grpSpPr>
       <p:sp>
         <p:nvSpPr>
-          <p:cNvPr id="2" name="TextBox 1"/>
-          <p:cNvSpPr txBox="1"/>
-          <p:nvPr/>
+          <p:cNvPr id="3" name="Content Placeholder 2"/>
+          <p:cNvSpPr>
+            <a:spLocks noGrp="1"/>
+          </p:cNvSpPr>
+          <p:nvPr>
+            <p:ph idx="1"/>
+          </p:nvPr>
         </p:nvSpPr>
-        <p:spPr>
-          <a:xfrm>
-            <a:off x="3787997" y="2828836"/>
-            <a:ext cx="4616007" cy="1200329"/>
-          </a:xfrm>
-          <a:prstGeom prst="rect">
-            <a:avLst/>
-          </a:prstGeom>
-          <a:noFill/>
-        </p:spPr>
+        <p:spPr/>
         <p:txBody>
-          <a:bodyPr wrap="none" rtlCol="0">
-            <a:spAutoFit/>
-          </a:bodyPr>
+          <a:bodyPr/>
           <a:lstStyle/>
           <a:p>
-            <a:r>
-              <a:rPr lang="en-US" sz="7200" dirty="0" err="1" smtClean="0"/>
-              <a:t>Simple.Web</a:t>
-            </a:r>
-            <a:endParaRPr lang="en-US" sz="7200" dirty="0"/>
+            <a:pPr marL="0" indent="0">
+              <a:buNone/>
+            </a:pPr>
+            <a:r>
+              <a:rPr lang="en-US" dirty="0" smtClean="0"/>
+              <a:t>@</a:t>
+            </a:r>
+            <a:r>
+              <a:rPr lang="en-US" dirty="0" err="1" smtClean="0"/>
+              <a:t>markrendle</a:t>
+            </a:r>
+            <a:endParaRPr lang="en-US" dirty="0" smtClean="0"/>
+          </a:p>
+          <a:p>
+            <a:pPr marL="0" indent="0">
+              <a:buNone/>
+            </a:pPr>
+            <a:endParaRPr lang="en-US" dirty="0"/>
+          </a:p>
+          <a:p>
+            <a:pPr marL="0" indent="0">
+              <a:buNone/>
+            </a:pPr>
+            <a:r>
+              <a:rPr lang="en-US" dirty="0" smtClean="0"/>
+              <a:t>https://github.com/markrendle/Simple.Web</a:t>
+            </a:r>
+            <a:endParaRPr lang="en-US" dirty="0"/>
           </a:p>
         </p:txBody>
       </p:sp>
     </p:spTree>
     <p:extLst>
       <p:ext uri="{BB962C8B-B14F-4D97-AF65-F5344CB8AC3E}">
-        <p14:creationId xmlns:p14="http://schemas.microsoft.com/office/powerpoint/2010/main" val="1006350517"/>
+        <p14:creationId xmlns:p14="http://schemas.microsoft.com/office/powerpoint/2010/main" val="1389485266"/>
       </p:ext>
     </p:extLst>
   </p:cSld>
@@ -6268,89 +6283,6 @@
           <a:chExt cx="0" cy="0"/>
         </a:xfrm>
       </p:grpSpPr>
-      <p:sp>
-        <p:nvSpPr>
-          <p:cNvPr id="3" name="Content Placeholder 2"/>
-          <p:cNvSpPr>
-            <a:spLocks noGrp="1"/>
-          </p:cNvSpPr>
-          <p:nvPr>
-            <p:ph idx="1"/>
-          </p:nvPr>
-        </p:nvSpPr>
-        <p:spPr/>
-        <p:txBody>
-          <a:bodyPr/>
-          <a:lstStyle/>
-          <a:p>
-            <a:pPr marL="0" indent="0">
-              <a:buNone/>
-            </a:pPr>
-            <a:r>
-              <a:rPr lang="en-US" dirty="0" smtClean="0"/>
-              <a:t>@</a:t>
-            </a:r>
-            <a:r>
-              <a:rPr lang="en-US" dirty="0" err="1" smtClean="0"/>
-              <a:t>markrendle</a:t>
-            </a:r>
-            <a:endParaRPr lang="en-US" dirty="0" smtClean="0"/>
-          </a:p>
-          <a:p>
-            <a:pPr marL="0" indent="0">
-              <a:buNone/>
-            </a:pPr>
-            <a:endParaRPr lang="en-US" dirty="0"/>
-          </a:p>
-          <a:p>
-            <a:pPr marL="0" indent="0">
-              <a:buNone/>
-            </a:pPr>
-            <a:r>
-              <a:rPr lang="en-US" dirty="0" smtClean="0"/>
-              <a:t>https://github.com/markrendle/Simple.Web</a:t>
-            </a:r>
-            <a:endParaRPr lang="en-US" dirty="0"/>
-          </a:p>
-        </p:txBody>
-      </p:sp>
-    </p:spTree>
-    <p:extLst>
-      <p:ext uri="{BB962C8B-B14F-4D97-AF65-F5344CB8AC3E}">
-        <p14:creationId xmlns:p14="http://schemas.microsoft.com/office/powerpoint/2010/main" val="1389485266"/>
-      </p:ext>
-    </p:extLst>
-  </p:cSld>
-  <p:clrMapOvr>
-    <a:masterClrMapping/>
-  </p:clrMapOvr>
-  <p:timing>
-    <p:tnLst>
-      <p:par>
-        <p:cTn id="1" dur="indefinite" restart="never" nodeType="tmRoot"/>
-      </p:par>
-    </p:tnLst>
-  </p:timing>
-</p:sld>
-</file>
-
-<file path=ppt/slides/slide32.xml><?xml version="1.0" encoding="utf-8"?>
-<p:sld xmlns:a="http://schemas.openxmlformats.org/drawingml/2006/main" xmlns:r="http://schemas.openxmlformats.org/officeDocument/2006/relationships" xmlns:p="http://schemas.openxmlformats.org/presentationml/2006/main">
-  <p:cSld>
-    <p:spTree>
-      <p:nvGrpSpPr>
-        <p:cNvPr id="1" name=""/>
-        <p:cNvGrpSpPr/>
-        <p:nvPr/>
-      </p:nvGrpSpPr>
-      <p:grpSpPr>
-        <a:xfrm>
-          <a:off x="0" y="0"/>
-          <a:ext cx="0" cy="0"/>
-          <a:chOff x="0" y="0"/>
-          <a:chExt cx="0" cy="0"/>
-        </a:xfrm>
-      </p:grpSpPr>
       <p:graphicFrame>
         <p:nvGraphicFramePr>
           <p:cNvPr id="2" name="Table 1"/>
@@ -7008,7 +6940,7 @@
 </p:sld>
 </file>
 
-<file path=ppt/slides/slide33.xml><?xml version="1.0" encoding="utf-8"?>
+<file path=ppt/slides/slide32.xml><?xml version="1.0" encoding="utf-8"?>
 <p:sld xmlns:a="http://schemas.openxmlformats.org/drawingml/2006/main" xmlns:r="http://schemas.openxmlformats.org/officeDocument/2006/relationships" xmlns:p="http://schemas.openxmlformats.org/presentationml/2006/main">
   <p:cSld>
     <p:spTree>

--- a/Presentation/So you want an API.pptx
+++ b/Presentation/So you want an API.pptx
@@ -5,7 +5,7 @@
     <p:sldMasterId id="2147483648" r:id="rId1"/>
   </p:sldMasterIdLst>
   <p:sldIdLst>
-    <p:sldId id="260" r:id="rId2"/>
+    <p:sldId id="295" r:id="rId2"/>
     <p:sldId id="262" r:id="rId3"/>
     <p:sldId id="258" r:id="rId4"/>
     <p:sldId id="293" r:id="rId5"/>
@@ -26,17 +26,19 @@
     <p:sldId id="285" r:id="rId20"/>
     <p:sldId id="279" r:id="rId21"/>
     <p:sldId id="284" r:id="rId22"/>
-    <p:sldId id="289" r:id="rId23"/>
-    <p:sldId id="290" r:id="rId24"/>
-    <p:sldId id="291" r:id="rId25"/>
-    <p:sldId id="292" r:id="rId26"/>
-    <p:sldId id="276" r:id="rId27"/>
-    <p:sldId id="281" r:id="rId28"/>
-    <p:sldId id="286" r:id="rId29"/>
-    <p:sldId id="277" r:id="rId30"/>
-    <p:sldId id="282" r:id="rId31"/>
-    <p:sldId id="287" r:id="rId32"/>
-    <p:sldId id="257" r:id="rId33"/>
+    <p:sldId id="296" r:id="rId23"/>
+    <p:sldId id="289" r:id="rId24"/>
+    <p:sldId id="290" r:id="rId25"/>
+    <p:sldId id="291" r:id="rId26"/>
+    <p:sldId id="297" r:id="rId27"/>
+    <p:sldId id="292" r:id="rId28"/>
+    <p:sldId id="276" r:id="rId29"/>
+    <p:sldId id="281" r:id="rId30"/>
+    <p:sldId id="286" r:id="rId31"/>
+    <p:sldId id="277" r:id="rId32"/>
+    <p:sldId id="282" r:id="rId33"/>
+    <p:sldId id="287" r:id="rId34"/>
+    <p:sldId id="257" r:id="rId35"/>
   </p:sldIdLst>
   <p:sldSz cx="12192000" cy="6858000"/>
   <p:notesSz cx="6858000" cy="9144000"/>
@@ -274,7 +276,7 @@
           <a:p>
             <a:fld id="{BF7EF908-C5A3-4314-9F2A-0F776F401AC6}" type="datetimeFigureOut">
               <a:rPr lang="en-US" smtClean="0"/>
-              <a:t>10/17/2013</a:t>
+              <a:t>11/9/2013</a:t>
             </a:fld>
             <a:endParaRPr lang="en-US"/>
           </a:p>
@@ -444,7 +446,7 @@
           <a:p>
             <a:fld id="{BF7EF908-C5A3-4314-9F2A-0F776F401AC6}" type="datetimeFigureOut">
               <a:rPr lang="en-US" smtClean="0"/>
-              <a:t>10/17/2013</a:t>
+              <a:t>11/9/2013</a:t>
             </a:fld>
             <a:endParaRPr lang="en-US"/>
           </a:p>
@@ -624,7 +626,7 @@
           <a:p>
             <a:fld id="{BF7EF908-C5A3-4314-9F2A-0F776F401AC6}" type="datetimeFigureOut">
               <a:rPr lang="en-US" smtClean="0"/>
-              <a:t>10/17/2013</a:t>
+              <a:t>11/9/2013</a:t>
             </a:fld>
             <a:endParaRPr lang="en-US"/>
           </a:p>
@@ -794,7 +796,7 @@
           <a:p>
             <a:fld id="{BF7EF908-C5A3-4314-9F2A-0F776F401AC6}" type="datetimeFigureOut">
               <a:rPr lang="en-US" smtClean="0"/>
-              <a:t>10/17/2013</a:t>
+              <a:t>11/9/2013</a:t>
             </a:fld>
             <a:endParaRPr lang="en-US"/>
           </a:p>
@@ -1040,7 +1042,7 @@
           <a:p>
             <a:fld id="{BF7EF908-C5A3-4314-9F2A-0F776F401AC6}" type="datetimeFigureOut">
               <a:rPr lang="en-US" smtClean="0"/>
-              <a:t>10/17/2013</a:t>
+              <a:t>11/9/2013</a:t>
             </a:fld>
             <a:endParaRPr lang="en-US"/>
           </a:p>
@@ -1272,7 +1274,7 @@
           <a:p>
             <a:fld id="{BF7EF908-C5A3-4314-9F2A-0F776F401AC6}" type="datetimeFigureOut">
               <a:rPr lang="en-US" smtClean="0"/>
-              <a:t>10/17/2013</a:t>
+              <a:t>11/9/2013</a:t>
             </a:fld>
             <a:endParaRPr lang="en-US"/>
           </a:p>
@@ -1639,7 +1641,7 @@
           <a:p>
             <a:fld id="{BF7EF908-C5A3-4314-9F2A-0F776F401AC6}" type="datetimeFigureOut">
               <a:rPr lang="en-US" smtClean="0"/>
-              <a:t>10/17/2013</a:t>
+              <a:t>11/9/2013</a:t>
             </a:fld>
             <a:endParaRPr lang="en-US"/>
           </a:p>
@@ -1757,7 +1759,7 @@
           <a:p>
             <a:fld id="{BF7EF908-C5A3-4314-9F2A-0F776F401AC6}" type="datetimeFigureOut">
               <a:rPr lang="en-US" smtClean="0"/>
-              <a:t>10/17/2013</a:t>
+              <a:t>11/9/2013</a:t>
             </a:fld>
             <a:endParaRPr lang="en-US"/>
           </a:p>
@@ -1852,7 +1854,7 @@
           <a:p>
             <a:fld id="{BF7EF908-C5A3-4314-9F2A-0F776F401AC6}" type="datetimeFigureOut">
               <a:rPr lang="en-US" smtClean="0"/>
-              <a:t>10/17/2013</a:t>
+              <a:t>11/9/2013</a:t>
             </a:fld>
             <a:endParaRPr lang="en-US"/>
           </a:p>
@@ -2129,7 +2131,7 @@
           <a:p>
             <a:fld id="{BF7EF908-C5A3-4314-9F2A-0F776F401AC6}" type="datetimeFigureOut">
               <a:rPr lang="en-US" smtClean="0"/>
-              <a:t>10/17/2013</a:t>
+              <a:t>11/9/2013</a:t>
             </a:fld>
             <a:endParaRPr lang="en-US"/>
           </a:p>
@@ -2382,7 +2384,7 @@
           <a:p>
             <a:fld id="{BF7EF908-C5A3-4314-9F2A-0F776F401AC6}" type="datetimeFigureOut">
               <a:rPr lang="en-US" smtClean="0"/>
-              <a:t>10/17/2013</a:t>
+              <a:t>11/9/2013</a:t>
             </a:fld>
             <a:endParaRPr lang="en-US"/>
           </a:p>
@@ -2595,7 +2597,7 @@
           <a:p>
             <a:fld id="{BF7EF908-C5A3-4314-9F2A-0F776F401AC6}" type="datetimeFigureOut">
               <a:rPr lang="en-US" smtClean="0"/>
-              <a:t>10/17/2013</a:t>
+              <a:t>11/9/2013</a:t>
             </a:fld>
             <a:endParaRPr lang="en-US"/>
           </a:p>
@@ -3000,53 +3002,58 @@
           <a:chExt cx="0" cy="0"/>
         </a:xfrm>
       </p:grpSpPr>
-      <p:pic>
-        <p:nvPicPr>
-          <p:cNvPr id="2" name="Picture 1"/>
-          <p:cNvPicPr>
-            <a:picLocks noChangeAspect="1"/>
-          </p:cNvPicPr>
-          <p:nvPr/>
-        </p:nvPicPr>
-        <p:blipFill>
-          <a:blip r:embed="rId2">
-            <a:extLst>
-              <a:ext uri="{28A0092B-C50C-407E-A947-70E740481C1C}">
-                <a14:useLocalDpi xmlns:a14="http://schemas.microsoft.com/office/drawing/2010/main" val="0"/>
-              </a:ext>
-            </a:extLst>
-          </a:blip>
-          <a:stretch>
-            <a:fillRect/>
-          </a:stretch>
-        </p:blipFill>
-        <p:spPr>
-          <a:xfrm>
-            <a:off x="0" y="0"/>
-            <a:ext cx="12192000" cy="6858000"/>
-          </a:xfrm>
-          <a:prstGeom prst="rect">
-            <a:avLst/>
-          </a:prstGeom>
-        </p:spPr>
-      </p:pic>
+      <p:sp>
+        <p:nvSpPr>
+          <p:cNvPr id="2" name="Title 1"/>
+          <p:cNvSpPr>
+            <a:spLocks noGrp="1"/>
+          </p:cNvSpPr>
+          <p:nvPr>
+            <p:ph type="ctrTitle"/>
+          </p:nvPr>
+        </p:nvSpPr>
+        <p:spPr/>
+        <p:txBody>
+          <a:bodyPr/>
+          <a:lstStyle/>
+          <a:p>
+            <a:r>
+              <a:rPr lang="en-US" dirty="0" smtClean="0"/>
+              <a:t>.NET API Frameworks</a:t>
+            </a:r>
+            <a:endParaRPr lang="en-US" dirty="0"/>
+          </a:p>
+        </p:txBody>
+      </p:sp>
+      <p:sp>
+        <p:nvSpPr>
+          <p:cNvPr id="3" name="Subtitle 2"/>
+          <p:cNvSpPr>
+            <a:spLocks noGrp="1"/>
+          </p:cNvSpPr>
+          <p:nvPr>
+            <p:ph type="subTitle" idx="1"/>
+          </p:nvPr>
+        </p:nvSpPr>
+        <p:spPr/>
+        <p:txBody>
+          <a:bodyPr/>
+          <a:lstStyle/>
+          <a:p>
+            <a:endParaRPr lang="en-US" dirty="0"/>
+          </a:p>
+        </p:txBody>
+      </p:sp>
     </p:spTree>
     <p:extLst>
       <p:ext uri="{BB962C8B-B14F-4D97-AF65-F5344CB8AC3E}">
-        <p14:creationId xmlns:p14="http://schemas.microsoft.com/office/powerpoint/2010/main" val="3915945112"/>
+        <p14:creationId xmlns:p14="http://schemas.microsoft.com/office/powerpoint/2010/main" val="2533755374"/>
       </p:ext>
     </p:extLst>
   </p:cSld>
   <p:clrMapOvr>
     <a:masterClrMapping/>
   </p:clrMapOvr>
-  <p:timing>
-    <p:tnLst>
-      <p:par>
-        <p:cTn id="1" dur="indefinite" restart="never" nodeType="tmRoot"/>
-      </p:par>
-    </p:tnLst>
-  </p:timing>
 </p:sld>
 </file>
 
@@ -4313,6 +4320,66 @@
           <a:chExt cx="0" cy="0"/>
         </a:xfrm>
       </p:grpSpPr>
+      <p:pic>
+        <p:nvPicPr>
+          <p:cNvPr id="4" name="Picture 3"/>
+          <p:cNvPicPr>
+            <a:picLocks noChangeAspect="1"/>
+          </p:cNvPicPr>
+          <p:nvPr/>
+        </p:nvPicPr>
+        <p:blipFill>
+          <a:blip r:embed="rId2">
+            <a:extLst>
+              <a:ext uri="{28A0092B-C50C-407E-A947-70E740481C1C}">
+                <a14:useLocalDpi xmlns:a14="http://schemas.microsoft.com/office/drawing/2010/main" val="0"/>
+              </a:ext>
+            </a:extLst>
+          </a:blip>
+          <a:stretch>
+            <a:fillRect/>
+          </a:stretch>
+        </p:blipFill>
+        <p:spPr>
+          <a:xfrm>
+            <a:off x="2057618" y="1532650"/>
+            <a:ext cx="8076765" cy="3792701"/>
+          </a:xfrm>
+          <a:prstGeom prst="rect">
+            <a:avLst/>
+          </a:prstGeom>
+        </p:spPr>
+      </p:pic>
+    </p:spTree>
+    <p:extLst>
+      <p:ext uri="{BB962C8B-B14F-4D97-AF65-F5344CB8AC3E}">
+        <p14:creationId xmlns:p14="http://schemas.microsoft.com/office/powerpoint/2010/main" val="2489295272"/>
+      </p:ext>
+    </p:extLst>
+  </p:cSld>
+  <p:clrMapOvr>
+    <a:masterClrMapping/>
+  </p:clrMapOvr>
+</p:sld>
+</file>
+
+<file path=ppt/slides/slide23.xml><?xml version="1.0" encoding="utf-8"?>
+<p:sld xmlns:a="http://schemas.openxmlformats.org/drawingml/2006/main" xmlns:r="http://schemas.openxmlformats.org/officeDocument/2006/relationships" xmlns:p="http://schemas.openxmlformats.org/presentationml/2006/main">
+  <p:cSld>
+    <p:spTree>
+      <p:nvGrpSpPr>
+        <p:cNvPr id="1" name=""/>
+        <p:cNvGrpSpPr/>
+        <p:nvPr/>
+      </p:nvGrpSpPr>
+      <p:grpSpPr>
+        <a:xfrm>
+          <a:off x="0" y="0"/>
+          <a:ext cx="0" cy="0"/>
+          <a:chOff x="0" y="0"/>
+          <a:chExt cx="0" cy="0"/>
+        </a:xfrm>
+      </p:grpSpPr>
       <p:graphicFrame>
         <p:nvGraphicFramePr>
           <p:cNvPr id="2" name="Table 1"/>
@@ -4669,7 +4736,7 @@
 </p:sld>
 </file>
 
-<file path=ppt/slides/slide23.xml><?xml version="1.0" encoding="utf-8"?>
+<file path=ppt/slides/slide24.xml><?xml version="1.0" encoding="utf-8"?>
 <p:sld xmlns:a="http://schemas.openxmlformats.org/drawingml/2006/main" xmlns:r="http://schemas.openxmlformats.org/officeDocument/2006/relationships" xmlns:p="http://schemas.openxmlformats.org/presentationml/2006/main">
   <p:cSld>
     <p:spTree>
@@ -4736,7 +4803,7 @@
 </p:sld>
 </file>
 
-<file path=ppt/slides/slide24.xml><?xml version="1.0" encoding="utf-8"?>
+<file path=ppt/slides/slide25.xml><?xml version="1.0" encoding="utf-8"?>
 <p:sld xmlns:a="http://schemas.openxmlformats.org/drawingml/2006/main" xmlns:r="http://schemas.openxmlformats.org/officeDocument/2006/relationships" xmlns:p="http://schemas.openxmlformats.org/presentationml/2006/main">
   <p:cSld>
     <p:spTree>
@@ -4819,7 +4886,67 @@
 </p:sld>
 </file>
 
-<file path=ppt/slides/slide25.xml><?xml version="1.0" encoding="utf-8"?>
+<file path=ppt/slides/slide26.xml><?xml version="1.0" encoding="utf-8"?>
+<p:sld xmlns:a="http://schemas.openxmlformats.org/drawingml/2006/main" xmlns:r="http://schemas.openxmlformats.org/officeDocument/2006/relationships" xmlns:p="http://schemas.openxmlformats.org/presentationml/2006/main">
+  <p:cSld>
+    <p:spTree>
+      <p:nvGrpSpPr>
+        <p:cNvPr id="1" name=""/>
+        <p:cNvGrpSpPr/>
+        <p:nvPr/>
+      </p:nvGrpSpPr>
+      <p:grpSpPr>
+        <a:xfrm>
+          <a:off x="0" y="0"/>
+          <a:ext cx="0" cy="0"/>
+          <a:chOff x="0" y="0"/>
+          <a:chExt cx="0" cy="0"/>
+        </a:xfrm>
+      </p:grpSpPr>
+      <p:pic>
+        <p:nvPicPr>
+          <p:cNvPr id="2" name="Picture 1"/>
+          <p:cNvPicPr>
+            <a:picLocks noChangeAspect="1"/>
+          </p:cNvPicPr>
+          <p:nvPr/>
+        </p:nvPicPr>
+        <p:blipFill>
+          <a:blip r:embed="rId2">
+            <a:extLst>
+              <a:ext uri="{28A0092B-C50C-407E-A947-70E740481C1C}">
+                <a14:useLocalDpi xmlns:a14="http://schemas.microsoft.com/office/drawing/2010/main" val="0"/>
+              </a:ext>
+            </a:extLst>
+          </a:blip>
+          <a:stretch>
+            <a:fillRect/>
+          </a:stretch>
+        </p:blipFill>
+        <p:spPr>
+          <a:xfrm>
+            <a:off x="1406692" y="2198"/>
+            <a:ext cx="9378617" cy="6853604"/>
+          </a:xfrm>
+          <a:prstGeom prst="rect">
+            <a:avLst/>
+          </a:prstGeom>
+        </p:spPr>
+      </p:pic>
+    </p:spTree>
+    <p:extLst>
+      <p:ext uri="{BB962C8B-B14F-4D97-AF65-F5344CB8AC3E}">
+        <p14:creationId xmlns:p14="http://schemas.microsoft.com/office/powerpoint/2010/main" val="3401121453"/>
+      </p:ext>
+    </p:extLst>
+  </p:cSld>
+  <p:clrMapOvr>
+    <a:masterClrMapping/>
+  </p:clrMapOvr>
+</p:sld>
+</file>
+
+<file path=ppt/slides/slide27.xml><?xml version="1.0" encoding="utf-8"?>
 <p:sld xmlns:a="http://schemas.openxmlformats.org/drawingml/2006/main" xmlns:r="http://schemas.openxmlformats.org/officeDocument/2006/relationships" xmlns:p="http://schemas.openxmlformats.org/presentationml/2006/main">
   <p:cSld>
     <p:spTree>
@@ -5291,7 +5418,7 @@
 </p:sld>
 </file>
 
-<file path=ppt/slides/slide26.xml><?xml version="1.0" encoding="utf-8"?>
+<file path=ppt/slides/slide28.xml><?xml version="1.0" encoding="utf-8"?>
 <p:sld xmlns:a="http://schemas.openxmlformats.org/drawingml/2006/main" xmlns:r="http://schemas.openxmlformats.org/officeDocument/2006/relationships" xmlns:p="http://schemas.openxmlformats.org/presentationml/2006/main">
   <p:cSld>
     <p:spTree>
@@ -5358,681 +5485,6 @@
 </p:sld>
 </file>
 
-<file path=ppt/slides/slide27.xml><?xml version="1.0" encoding="utf-8"?>
-<p:sld xmlns:a="http://schemas.openxmlformats.org/drawingml/2006/main" xmlns:r="http://schemas.openxmlformats.org/officeDocument/2006/relationships" xmlns:p="http://schemas.openxmlformats.org/presentationml/2006/main">
-  <p:cSld>
-    <p:spTree>
-      <p:nvGrpSpPr>
-        <p:cNvPr id="1" name=""/>
-        <p:cNvGrpSpPr/>
-        <p:nvPr/>
-      </p:nvGrpSpPr>
-      <p:grpSpPr>
-        <a:xfrm>
-          <a:off x="0" y="0"/>
-          <a:ext cx="0" cy="0"/>
-          <a:chOff x="0" y="0"/>
-          <a:chExt cx="0" cy="0"/>
-        </a:xfrm>
-      </p:grpSpPr>
-      <p:sp>
-        <p:nvSpPr>
-          <p:cNvPr id="3" name="Content Placeholder 2"/>
-          <p:cNvSpPr>
-            <a:spLocks noGrp="1"/>
-          </p:cNvSpPr>
-          <p:nvPr>
-            <p:ph idx="1"/>
-          </p:nvPr>
-        </p:nvSpPr>
-        <p:spPr/>
-        <p:txBody>
-          <a:bodyPr/>
-          <a:lstStyle/>
-          <a:p>
-            <a:pPr marL="0" indent="0">
-              <a:buNone/>
-            </a:pPr>
-            <a:r>
-              <a:rPr lang="en-US" dirty="0" smtClean="0"/>
-              <a:t>@</a:t>
-            </a:r>
-            <a:r>
-              <a:rPr lang="en-US" dirty="0" err="1" smtClean="0"/>
-              <a:t>serialseb</a:t>
-            </a:r>
-            <a:r>
-              <a:rPr lang="en-US" dirty="0" smtClean="0"/>
-              <a:t> (</a:t>
-            </a:r>
-            <a:r>
-              <a:rPr lang="en-US" dirty="0" err="1" smtClean="0"/>
-              <a:t>Sebastien</a:t>
-            </a:r>
-            <a:r>
-              <a:rPr lang="en-US" dirty="0" smtClean="0"/>
-              <a:t> </a:t>
-            </a:r>
-            <a:r>
-              <a:rPr lang="en-US" dirty="0" err="1" smtClean="0"/>
-              <a:t>Lambla</a:t>
-            </a:r>
-            <a:r>
-              <a:rPr lang="en-US" dirty="0" smtClean="0"/>
-              <a:t>)</a:t>
-            </a:r>
-          </a:p>
-          <a:p>
-            <a:pPr marL="0" indent="0">
-              <a:buNone/>
-            </a:pPr>
-            <a:endParaRPr lang="en-US" dirty="0"/>
-          </a:p>
-          <a:p>
-            <a:pPr marL="0" indent="0">
-              <a:buNone/>
-            </a:pPr>
-            <a:r>
-              <a:rPr lang="en-US" dirty="0" smtClean="0"/>
-              <a:t>http://openrasta.org</a:t>
-            </a:r>
-            <a:endParaRPr lang="en-US" dirty="0"/>
-          </a:p>
-        </p:txBody>
-      </p:sp>
-    </p:spTree>
-    <p:extLst>
-      <p:ext uri="{BB962C8B-B14F-4D97-AF65-F5344CB8AC3E}">
-        <p14:creationId xmlns:p14="http://schemas.microsoft.com/office/powerpoint/2010/main" val="1132473208"/>
-      </p:ext>
-    </p:extLst>
-  </p:cSld>
-  <p:clrMapOvr>
-    <a:masterClrMapping/>
-  </p:clrMapOvr>
-  <p:timing>
-    <p:tnLst>
-      <p:par>
-        <p:cTn id="1" dur="indefinite" restart="never" nodeType="tmRoot"/>
-      </p:par>
-    </p:tnLst>
-  </p:timing>
-</p:sld>
-</file>
-
-<file path=ppt/slides/slide28.xml><?xml version="1.0" encoding="utf-8"?>
-<p:sld xmlns:a="http://schemas.openxmlformats.org/drawingml/2006/main" xmlns:r="http://schemas.openxmlformats.org/officeDocument/2006/relationships" xmlns:p="http://schemas.openxmlformats.org/presentationml/2006/main">
-  <p:cSld>
-    <p:spTree>
-      <p:nvGrpSpPr>
-        <p:cNvPr id="1" name=""/>
-        <p:cNvGrpSpPr/>
-        <p:nvPr/>
-      </p:nvGrpSpPr>
-      <p:grpSpPr>
-        <a:xfrm>
-          <a:off x="0" y="0"/>
-          <a:ext cx="0" cy="0"/>
-          <a:chOff x="0" y="0"/>
-          <a:chExt cx="0" cy="0"/>
-        </a:xfrm>
-      </p:grpSpPr>
-      <p:graphicFrame>
-        <p:nvGraphicFramePr>
-          <p:cNvPr id="2" name="Table 1"/>
-          <p:cNvGraphicFramePr>
-            <a:graphicFrameLocks noGrp="1"/>
-          </p:cNvGraphicFramePr>
-          <p:nvPr>
-            <p:extLst>
-              <p:ext uri="{D42A27DB-BD31-4B8C-83A1-F6EECF244321}">
-                <p14:modId xmlns:p14="http://schemas.microsoft.com/office/powerpoint/2010/main" val="594519685"/>
-              </p:ext>
-            </p:extLst>
-          </p:nvPr>
-        </p:nvGraphicFramePr>
-        <p:xfrm>
-          <a:off x="977902" y="719666"/>
-          <a:ext cx="8674100" cy="5312832"/>
-        </p:xfrm>
-        <a:graphic>
-          <a:graphicData uri="http://schemas.openxmlformats.org/drawingml/2006/table">
-            <a:tbl>
-              <a:tblPr firstRow="1" bandRow="1">
-                <a:tableStyleId>{073A0DAA-6AF3-43AB-8588-CEC1D06C72B9}</a:tableStyleId>
-              </a:tblPr>
-              <a:tblGrid>
-                <a:gridCol w="1734820"/>
-                <a:gridCol w="1734820"/>
-                <a:gridCol w="1734820"/>
-                <a:gridCol w="1734820"/>
-                <a:gridCol w="1734820"/>
-              </a:tblGrid>
-              <a:tr h="758976">
-                <a:tc>
-                  <a:txBody>
-                    <a:bodyPr/>
-                    <a:lstStyle/>
-                    <a:p>
-                      <a:endParaRPr lang="en-US" dirty="0"/>
-                    </a:p>
-                  </a:txBody>
-                  <a:tcPr/>
-                </a:tc>
-                <a:tc>
-                  <a:txBody>
-                    <a:bodyPr/>
-                    <a:lstStyle/>
-                    <a:p>
-                      <a:r>
-                        <a:rPr lang="en-US" dirty="0" err="1" smtClean="0"/>
-                        <a:t>WebAPI</a:t>
-                      </a:r>
-                      <a:endParaRPr lang="en-US" dirty="0"/>
-                    </a:p>
-                  </a:txBody>
-                  <a:tcPr/>
-                </a:tc>
-                <a:tc>
-                  <a:txBody>
-                    <a:bodyPr/>
-                    <a:lstStyle/>
-                    <a:p>
-                      <a:r>
-                        <a:rPr lang="en-US" dirty="0" smtClean="0"/>
-                        <a:t>Nancy</a:t>
-                      </a:r>
-                      <a:endParaRPr lang="en-US" dirty="0"/>
-                    </a:p>
-                  </a:txBody>
-                  <a:tcPr/>
-                </a:tc>
-                <a:tc>
-                  <a:txBody>
-                    <a:bodyPr/>
-                    <a:lstStyle/>
-                    <a:p>
-                      <a:r>
-                        <a:rPr lang="en-US" dirty="0" err="1" smtClean="0"/>
-                        <a:t>ServiceStack</a:t>
-                      </a:r>
-                      <a:endParaRPr lang="en-US" dirty="0"/>
-                    </a:p>
-                  </a:txBody>
-                  <a:tcPr/>
-                </a:tc>
-                <a:tc>
-                  <a:txBody>
-                    <a:bodyPr/>
-                    <a:lstStyle/>
-                    <a:p>
-                      <a:r>
-                        <a:rPr lang="en-US" dirty="0" err="1" smtClean="0"/>
-                        <a:t>OpenRasta</a:t>
-                      </a:r>
-                      <a:endParaRPr lang="en-US" dirty="0"/>
-                    </a:p>
-                  </a:txBody>
-                  <a:tcPr/>
-                </a:tc>
-              </a:tr>
-              <a:tr h="758976">
-                <a:tc>
-                  <a:txBody>
-                    <a:bodyPr/>
-                    <a:lstStyle/>
-                    <a:p>
-                      <a:r>
-                        <a:rPr lang="en-US" dirty="0" smtClean="0"/>
-                        <a:t>Ease of use</a:t>
-                      </a:r>
-                      <a:endParaRPr lang="en-US" dirty="0"/>
-                    </a:p>
-                  </a:txBody>
-                  <a:tcPr/>
-                </a:tc>
-                <a:tc>
-                  <a:txBody>
-                    <a:bodyPr/>
-                    <a:lstStyle/>
-                    <a:p>
-                      <a:r>
-                        <a:rPr lang="en-US" dirty="0" smtClean="0"/>
-                        <a:t>Good</a:t>
-                      </a:r>
-                    </a:p>
-                  </a:txBody>
-                  <a:tcPr/>
-                </a:tc>
-                <a:tc>
-                  <a:txBody>
-                    <a:bodyPr/>
-                    <a:lstStyle/>
-                    <a:p>
-                      <a:r>
-                        <a:rPr lang="en-US" dirty="0" smtClean="0"/>
-                        <a:t>Good</a:t>
-                      </a:r>
-                      <a:endParaRPr lang="en-US" dirty="0"/>
-                    </a:p>
-                  </a:txBody>
-                  <a:tcPr/>
-                </a:tc>
-                <a:tc>
-                  <a:txBody>
-                    <a:bodyPr/>
-                    <a:lstStyle/>
-                    <a:p>
-                      <a:r>
-                        <a:rPr lang="en-US" dirty="0" smtClean="0"/>
-                        <a:t>Good</a:t>
-                      </a:r>
-                    </a:p>
-                    <a:p>
-                      <a:endParaRPr lang="en-US" dirty="0"/>
-                    </a:p>
-                  </a:txBody>
-                  <a:tcPr/>
-                </a:tc>
-                <a:tc>
-                  <a:txBody>
-                    <a:bodyPr/>
-                    <a:lstStyle/>
-                    <a:p>
-                      <a:r>
-                        <a:rPr lang="en-US" dirty="0" smtClean="0"/>
-                        <a:t>Poor</a:t>
-                      </a:r>
-                      <a:endParaRPr lang="en-US" dirty="0"/>
-                    </a:p>
-                  </a:txBody>
-                  <a:tcPr/>
-                </a:tc>
-              </a:tr>
-              <a:tr h="758976">
-                <a:tc>
-                  <a:txBody>
-                    <a:bodyPr/>
-                    <a:lstStyle/>
-                    <a:p>
-                      <a:r>
-                        <a:rPr lang="en-US" dirty="0" smtClean="0"/>
-                        <a:t>Documented</a:t>
-                      </a:r>
-                      <a:endParaRPr lang="en-US" dirty="0"/>
-                    </a:p>
-                  </a:txBody>
-                  <a:tcPr/>
-                </a:tc>
-                <a:tc>
-                  <a:txBody>
-                    <a:bodyPr/>
-                    <a:lstStyle/>
-                    <a:p>
-                      <a:r>
-                        <a:rPr lang="en-US" dirty="0" smtClean="0"/>
-                        <a:t>MSDN</a:t>
-                      </a:r>
-                      <a:endParaRPr lang="en-US" dirty="0"/>
-                    </a:p>
-                  </a:txBody>
-                  <a:tcPr/>
-                </a:tc>
-                <a:tc>
-                  <a:txBody>
-                    <a:bodyPr/>
-                    <a:lstStyle/>
-                    <a:p>
-                      <a:r>
-                        <a:rPr lang="en-US" dirty="0" smtClean="0"/>
-                        <a:t>Yes</a:t>
-                      </a:r>
-                      <a:endParaRPr lang="en-US" dirty="0"/>
-                    </a:p>
-                  </a:txBody>
-                  <a:tcPr/>
-                </a:tc>
-                <a:tc>
-                  <a:txBody>
-                    <a:bodyPr/>
-                    <a:lstStyle/>
-                    <a:p>
-                      <a:r>
-                        <a:rPr lang="en-US" dirty="0" smtClean="0"/>
-                        <a:t>Yes</a:t>
-                      </a:r>
-                      <a:endParaRPr lang="en-US" dirty="0"/>
-                    </a:p>
-                  </a:txBody>
-                  <a:tcPr/>
-                </a:tc>
-                <a:tc>
-                  <a:txBody>
-                    <a:bodyPr/>
-                    <a:lstStyle/>
-                    <a:p>
-                      <a:r>
-                        <a:rPr lang="en-US" dirty="0" smtClean="0"/>
-                        <a:t>Yes</a:t>
-                      </a:r>
-                      <a:endParaRPr lang="en-US" dirty="0"/>
-                    </a:p>
-                  </a:txBody>
-                  <a:tcPr/>
-                </a:tc>
-              </a:tr>
-              <a:tr h="758976">
-                <a:tc>
-                  <a:txBody>
-                    <a:bodyPr/>
-                    <a:lstStyle/>
-                    <a:p>
-                      <a:r>
-                        <a:rPr lang="en-US" dirty="0" smtClean="0"/>
-                        <a:t>Documentation</a:t>
-                      </a:r>
-                      <a:endParaRPr lang="en-US" dirty="0"/>
-                    </a:p>
-                  </a:txBody>
-                  <a:tcPr/>
-                </a:tc>
-                <a:tc>
-                  <a:txBody>
-                    <a:bodyPr/>
-                    <a:lstStyle/>
-                    <a:p>
-                      <a:r>
-                        <a:rPr lang="en-US" dirty="0" smtClean="0"/>
-                        <a:t>Yes</a:t>
-                      </a:r>
-                      <a:endParaRPr lang="en-US" dirty="0"/>
-                    </a:p>
-                  </a:txBody>
-                  <a:tcPr/>
-                </a:tc>
-                <a:tc>
-                  <a:txBody>
-                    <a:bodyPr/>
-                    <a:lstStyle/>
-                    <a:p>
-                      <a:r>
-                        <a:rPr lang="en-US" dirty="0" smtClean="0"/>
-                        <a:t>No</a:t>
-                      </a:r>
-                      <a:endParaRPr lang="en-US" dirty="0"/>
-                    </a:p>
-                  </a:txBody>
-                  <a:tcPr/>
-                </a:tc>
-                <a:tc>
-                  <a:txBody>
-                    <a:bodyPr/>
-                    <a:lstStyle/>
-                    <a:p>
-                      <a:r>
-                        <a:rPr lang="en-US" dirty="0" smtClean="0"/>
-                        <a:t>Yes</a:t>
-                      </a:r>
-                      <a:endParaRPr lang="en-US" dirty="0"/>
-                    </a:p>
-                  </a:txBody>
-                  <a:tcPr/>
-                </a:tc>
-                <a:tc>
-                  <a:txBody>
-                    <a:bodyPr/>
-                    <a:lstStyle/>
-                    <a:p>
-                      <a:r>
-                        <a:rPr lang="en-US" dirty="0" smtClean="0"/>
-                        <a:t>No</a:t>
-                      </a:r>
-                      <a:endParaRPr lang="en-US" dirty="0"/>
-                    </a:p>
-                  </a:txBody>
-                  <a:tcPr/>
-                </a:tc>
-              </a:tr>
-              <a:tr h="758976">
-                <a:tc>
-                  <a:txBody>
-                    <a:bodyPr/>
-                    <a:lstStyle/>
-                    <a:p>
-                      <a:r>
-                        <a:rPr lang="en-US" dirty="0" smtClean="0"/>
-                        <a:t>OData</a:t>
-                      </a:r>
-                      <a:endParaRPr lang="en-US" dirty="0"/>
-                    </a:p>
-                  </a:txBody>
-                  <a:tcPr/>
-                </a:tc>
-                <a:tc>
-                  <a:txBody>
-                    <a:bodyPr/>
-                    <a:lstStyle/>
-                    <a:p>
-                      <a:r>
-                        <a:rPr lang="en-US" dirty="0" smtClean="0"/>
-                        <a:t>Yes</a:t>
-                      </a:r>
-                      <a:endParaRPr lang="en-US" dirty="0"/>
-                    </a:p>
-                  </a:txBody>
-                  <a:tcPr/>
-                </a:tc>
-                <a:tc>
-                  <a:txBody>
-                    <a:bodyPr/>
-                    <a:lstStyle/>
-                    <a:p>
-                      <a:r>
-                        <a:rPr lang="en-US" dirty="0" smtClean="0"/>
-                        <a:t>Yes</a:t>
-                      </a:r>
-                      <a:endParaRPr lang="en-US" dirty="0"/>
-                    </a:p>
-                  </a:txBody>
-                  <a:tcPr/>
-                </a:tc>
-                <a:tc>
-                  <a:txBody>
-                    <a:bodyPr/>
-                    <a:lstStyle/>
-                    <a:p>
-                      <a:r>
-                        <a:rPr lang="en-US" dirty="0" smtClean="0"/>
-                        <a:t>No</a:t>
-                      </a:r>
-                      <a:endParaRPr lang="en-US" dirty="0"/>
-                    </a:p>
-                  </a:txBody>
-                  <a:tcPr/>
-                </a:tc>
-                <a:tc>
-                  <a:txBody>
-                    <a:bodyPr/>
-                    <a:lstStyle/>
-                    <a:p>
-                      <a:r>
-                        <a:rPr lang="en-US" dirty="0" smtClean="0"/>
-                        <a:t>No</a:t>
-                      </a:r>
-                      <a:endParaRPr lang="en-US" dirty="0"/>
-                    </a:p>
-                  </a:txBody>
-                  <a:tcPr/>
-                </a:tc>
-              </a:tr>
-              <a:tr h="758976">
-                <a:tc>
-                  <a:txBody>
-                    <a:bodyPr/>
-                    <a:lstStyle/>
-                    <a:p>
-                      <a:r>
-                        <a:rPr lang="en-US" dirty="0" smtClean="0"/>
-                        <a:t>Customization</a:t>
-                      </a:r>
-                      <a:endParaRPr lang="en-US" dirty="0"/>
-                    </a:p>
-                  </a:txBody>
-                  <a:tcPr/>
-                </a:tc>
-                <a:tc>
-                  <a:txBody>
-                    <a:bodyPr/>
-                    <a:lstStyle/>
-                    <a:p>
-                      <a:r>
-                        <a:rPr lang="en-US" dirty="0" smtClean="0"/>
-                        <a:t>Somewhat</a:t>
-                      </a:r>
-                      <a:endParaRPr lang="en-US" dirty="0"/>
-                    </a:p>
-                  </a:txBody>
-                  <a:tcPr/>
-                </a:tc>
-                <a:tc>
-                  <a:txBody>
-                    <a:bodyPr/>
-                    <a:lstStyle/>
-                    <a:p>
-                      <a:r>
-                        <a:rPr lang="en-US" dirty="0" smtClean="0"/>
-                        <a:t>Good</a:t>
-                      </a:r>
-                      <a:endParaRPr lang="en-US" dirty="0"/>
-                    </a:p>
-                  </a:txBody>
-                  <a:tcPr/>
-                </a:tc>
-                <a:tc>
-                  <a:txBody>
-                    <a:bodyPr/>
-                    <a:lstStyle/>
-                    <a:p>
-                      <a:r>
-                        <a:rPr lang="en-US" dirty="0" smtClean="0"/>
-                        <a:t>Great</a:t>
-                      </a:r>
-                      <a:endParaRPr lang="en-US" dirty="0"/>
-                    </a:p>
-                  </a:txBody>
-                  <a:tcPr/>
-                </a:tc>
-                <a:tc>
-                  <a:txBody>
-                    <a:bodyPr/>
-                    <a:lstStyle/>
-                    <a:p>
-                      <a:r>
-                        <a:rPr lang="en-US" dirty="0" smtClean="0"/>
-                        <a:t>You will</a:t>
-                      </a:r>
-                      <a:endParaRPr lang="en-US" dirty="0"/>
-                    </a:p>
-                  </a:txBody>
-                  <a:tcPr/>
-                </a:tc>
-              </a:tr>
-              <a:tr h="758976">
-                <a:tc>
-                  <a:txBody>
-                    <a:bodyPr/>
-                    <a:lstStyle/>
-                    <a:p>
-                      <a:r>
-                        <a:rPr lang="en-US" dirty="0" smtClean="0"/>
-                        <a:t>Hosting</a:t>
-                      </a:r>
-                      <a:endParaRPr lang="en-US" dirty="0"/>
-                    </a:p>
-                  </a:txBody>
-                  <a:tcPr/>
-                </a:tc>
-                <a:tc>
-                  <a:txBody>
-                    <a:bodyPr/>
-                    <a:lstStyle/>
-                    <a:p>
-                      <a:r>
-                        <a:rPr lang="en-US" dirty="0" smtClean="0"/>
-                        <a:t>IIS, Self</a:t>
-                      </a:r>
-                      <a:endParaRPr lang="en-US" dirty="0"/>
-                    </a:p>
-                  </a:txBody>
-                  <a:tcPr/>
-                </a:tc>
-                <a:tc>
-                  <a:txBody>
-                    <a:bodyPr/>
-                    <a:lstStyle/>
-                    <a:p>
-                      <a:r>
-                        <a:rPr lang="en-US" dirty="0" smtClean="0"/>
-                        <a:t>IIS, Self, OWIN, Mono</a:t>
-                      </a:r>
-                      <a:endParaRPr lang="en-US" dirty="0"/>
-                    </a:p>
-                  </a:txBody>
-                  <a:tcPr/>
-                </a:tc>
-                <a:tc>
-                  <a:txBody>
-                    <a:bodyPr/>
-                    <a:lstStyle/>
-                    <a:p>
-                      <a:r>
-                        <a:rPr lang="en-US" dirty="0" smtClean="0"/>
-                        <a:t>IIS, Self, Mono</a:t>
-                      </a:r>
-                      <a:endParaRPr lang="en-US" dirty="0"/>
-                    </a:p>
-                  </a:txBody>
-                  <a:tcPr/>
-                </a:tc>
-                <a:tc>
-                  <a:txBody>
-                    <a:bodyPr/>
-                    <a:lstStyle/>
-                    <a:p>
-                      <a:r>
-                        <a:rPr lang="en-US" dirty="0" smtClean="0"/>
-                        <a:t>IIS</a:t>
-                      </a:r>
-                      <a:endParaRPr lang="en-US" dirty="0"/>
-                    </a:p>
-                  </a:txBody>
-                  <a:tcPr/>
-                </a:tc>
-              </a:tr>
-            </a:tbl>
-          </a:graphicData>
-        </a:graphic>
-      </p:graphicFrame>
-    </p:spTree>
-    <p:extLst>
-      <p:ext uri="{BB962C8B-B14F-4D97-AF65-F5344CB8AC3E}">
-        <p14:creationId xmlns:p14="http://schemas.microsoft.com/office/powerpoint/2010/main" val="2146069233"/>
-      </p:ext>
-    </p:extLst>
-  </p:cSld>
-  <p:clrMapOvr>
-    <a:masterClrMapping/>
-  </p:clrMapOvr>
-  <p:timing>
-    <p:tnLst>
-      <p:par>
-        <p:cTn id="1" dur="indefinite" restart="never" nodeType="tmRoot"/>
-      </p:par>
-    </p:tnLst>
-  </p:timing>
-</p:sld>
-</file>
-
 <file path=ppt/slides/slide29.xml><?xml version="1.0" encoding="utf-8"?>
 <p:sld xmlns:a="http://schemas.openxmlformats.org/drawingml/2006/main" xmlns:r="http://schemas.openxmlformats.org/officeDocument/2006/relationships" xmlns:p="http://schemas.openxmlformats.org/presentationml/2006/main">
   <p:cSld>
@@ -6052,38 +5504,73 @@
       </p:grpSpPr>
       <p:sp>
         <p:nvSpPr>
-          <p:cNvPr id="2" name="TextBox 1"/>
-          <p:cNvSpPr txBox="1"/>
-          <p:nvPr/>
-        </p:nvSpPr>
-        <p:spPr>
-          <a:xfrm>
-            <a:off x="3787997" y="2828836"/>
-            <a:ext cx="4616007" cy="1200329"/>
-          </a:xfrm>
-          <a:prstGeom prst="rect">
-            <a:avLst/>
-          </a:prstGeom>
-          <a:noFill/>
-        </p:spPr>
-        <p:txBody>
-          <a:bodyPr wrap="none" rtlCol="0">
-            <a:spAutoFit/>
-          </a:bodyPr>
+          <p:cNvPr id="3" name="Content Placeholder 2"/>
+          <p:cNvSpPr>
+            <a:spLocks noGrp="1"/>
+          </p:cNvSpPr>
+          <p:nvPr>
+            <p:ph idx="1"/>
+          </p:nvPr>
+        </p:nvSpPr>
+        <p:spPr/>
+        <p:txBody>
+          <a:bodyPr/>
           <a:lstStyle/>
           <a:p>
-            <a:r>
-              <a:rPr lang="en-US" sz="7200" dirty="0" err="1" smtClean="0"/>
-              <a:t>Simple.Web</a:t>
-            </a:r>
-            <a:endParaRPr lang="en-US" sz="7200" dirty="0"/>
+            <a:pPr marL="0" indent="0">
+              <a:buNone/>
+            </a:pPr>
+            <a:r>
+              <a:rPr lang="en-US" dirty="0" smtClean="0"/>
+              <a:t>@</a:t>
+            </a:r>
+            <a:r>
+              <a:rPr lang="en-US" dirty="0" err="1" smtClean="0"/>
+              <a:t>serialseb</a:t>
+            </a:r>
+            <a:r>
+              <a:rPr lang="en-US" dirty="0" smtClean="0"/>
+              <a:t> (</a:t>
+            </a:r>
+            <a:r>
+              <a:rPr lang="en-US" dirty="0" err="1" smtClean="0"/>
+              <a:t>Sebastien</a:t>
+            </a:r>
+            <a:r>
+              <a:rPr lang="en-US" dirty="0" smtClean="0"/>
+              <a:t> </a:t>
+            </a:r>
+            <a:r>
+              <a:rPr lang="en-US" dirty="0" err="1" smtClean="0"/>
+              <a:t>Lambla</a:t>
+            </a:r>
+            <a:r>
+              <a:rPr lang="en-US" dirty="0" smtClean="0"/>
+              <a:t>)</a:t>
+            </a:r>
+          </a:p>
+          <a:p>
+            <a:pPr marL="0" indent="0">
+              <a:buNone/>
+            </a:pPr>
+            <a:endParaRPr lang="en-US" dirty="0"/>
+          </a:p>
+          <a:p>
+            <a:pPr marL="0" indent="0">
+              <a:buNone/>
+            </a:pPr>
+            <a:r>
+              <a:rPr lang="en-US" dirty="0" smtClean="0"/>
+              <a:t>http://openrasta.org</a:t>
+            </a:r>
+            <a:endParaRPr lang="en-US" dirty="0"/>
           </a:p>
         </p:txBody>
       </p:sp>
     </p:spTree>
     <p:extLst>
       <p:ext uri="{BB962C8B-B14F-4D97-AF65-F5344CB8AC3E}">
-        <p14:creationId xmlns:p14="http://schemas.microsoft.com/office/powerpoint/2010/main" val="1006350517"/>
+        <p14:creationId xmlns:p14="http://schemas.microsoft.com/office/powerpoint/2010/main" val="1132473208"/>
       </p:ext>
     </p:extLst>
   </p:cSld>
@@ -6200,56 +5687,546 @@
           <a:chExt cx="0" cy="0"/>
         </a:xfrm>
       </p:grpSpPr>
-      <p:sp>
-        <p:nvSpPr>
-          <p:cNvPr id="3" name="Content Placeholder 2"/>
-          <p:cNvSpPr>
-            <a:spLocks noGrp="1"/>
-          </p:cNvSpPr>
-          <p:nvPr>
-            <p:ph idx="1"/>
-          </p:nvPr>
-        </p:nvSpPr>
-        <p:spPr/>
-        <p:txBody>
-          <a:bodyPr/>
-          <a:lstStyle/>
-          <a:p>
-            <a:pPr marL="0" indent="0">
-              <a:buNone/>
-            </a:pPr>
-            <a:r>
-              <a:rPr lang="en-US" dirty="0" smtClean="0"/>
-              <a:t>@</a:t>
-            </a:r>
-            <a:r>
-              <a:rPr lang="en-US" dirty="0" err="1" smtClean="0"/>
-              <a:t>markrendle</a:t>
-            </a:r>
-            <a:endParaRPr lang="en-US" dirty="0" smtClean="0"/>
-          </a:p>
-          <a:p>
-            <a:pPr marL="0" indent="0">
-              <a:buNone/>
-            </a:pPr>
-            <a:endParaRPr lang="en-US" dirty="0"/>
-          </a:p>
-          <a:p>
-            <a:pPr marL="0" indent="0">
-              <a:buNone/>
-            </a:pPr>
-            <a:r>
-              <a:rPr lang="en-US" dirty="0" smtClean="0"/>
-              <a:t>https://github.com/markrendle/Simple.Web</a:t>
-            </a:r>
-            <a:endParaRPr lang="en-US" dirty="0"/>
-          </a:p>
-        </p:txBody>
-      </p:sp>
+      <p:graphicFrame>
+        <p:nvGraphicFramePr>
+          <p:cNvPr id="2" name="Table 1"/>
+          <p:cNvGraphicFramePr>
+            <a:graphicFrameLocks noGrp="1"/>
+          </p:cNvGraphicFramePr>
+          <p:nvPr>
+            <p:extLst>
+              <p:ext uri="{D42A27DB-BD31-4B8C-83A1-F6EECF244321}">
+                <p14:modId xmlns:p14="http://schemas.microsoft.com/office/powerpoint/2010/main" val="594519685"/>
+              </p:ext>
+            </p:extLst>
+          </p:nvPr>
+        </p:nvGraphicFramePr>
+        <p:xfrm>
+          <a:off x="977902" y="719666"/>
+          <a:ext cx="8674100" cy="5312832"/>
+        </p:xfrm>
+        <a:graphic>
+          <a:graphicData uri="http://schemas.openxmlformats.org/drawingml/2006/table">
+            <a:tbl>
+              <a:tblPr firstRow="1" bandRow="1">
+                <a:tableStyleId>{073A0DAA-6AF3-43AB-8588-CEC1D06C72B9}</a:tableStyleId>
+              </a:tblPr>
+              <a:tblGrid>
+                <a:gridCol w="1734820"/>
+                <a:gridCol w="1734820"/>
+                <a:gridCol w="1734820"/>
+                <a:gridCol w="1734820"/>
+                <a:gridCol w="1734820"/>
+              </a:tblGrid>
+              <a:tr h="758976">
+                <a:tc>
+                  <a:txBody>
+                    <a:bodyPr/>
+                    <a:lstStyle/>
+                    <a:p>
+                      <a:endParaRPr lang="en-US" dirty="0"/>
+                    </a:p>
+                  </a:txBody>
+                  <a:tcPr/>
+                </a:tc>
+                <a:tc>
+                  <a:txBody>
+                    <a:bodyPr/>
+                    <a:lstStyle/>
+                    <a:p>
+                      <a:r>
+                        <a:rPr lang="en-US" dirty="0" err="1" smtClean="0"/>
+                        <a:t>WebAPI</a:t>
+                      </a:r>
+                      <a:endParaRPr lang="en-US" dirty="0"/>
+                    </a:p>
+                  </a:txBody>
+                  <a:tcPr/>
+                </a:tc>
+                <a:tc>
+                  <a:txBody>
+                    <a:bodyPr/>
+                    <a:lstStyle/>
+                    <a:p>
+                      <a:r>
+                        <a:rPr lang="en-US" dirty="0" smtClean="0"/>
+                        <a:t>Nancy</a:t>
+                      </a:r>
+                      <a:endParaRPr lang="en-US" dirty="0"/>
+                    </a:p>
+                  </a:txBody>
+                  <a:tcPr/>
+                </a:tc>
+                <a:tc>
+                  <a:txBody>
+                    <a:bodyPr/>
+                    <a:lstStyle/>
+                    <a:p>
+                      <a:r>
+                        <a:rPr lang="en-US" dirty="0" err="1" smtClean="0"/>
+                        <a:t>ServiceStack</a:t>
+                      </a:r>
+                      <a:endParaRPr lang="en-US" dirty="0"/>
+                    </a:p>
+                  </a:txBody>
+                  <a:tcPr/>
+                </a:tc>
+                <a:tc>
+                  <a:txBody>
+                    <a:bodyPr/>
+                    <a:lstStyle/>
+                    <a:p>
+                      <a:r>
+                        <a:rPr lang="en-US" dirty="0" err="1" smtClean="0"/>
+                        <a:t>OpenRasta</a:t>
+                      </a:r>
+                      <a:endParaRPr lang="en-US" dirty="0"/>
+                    </a:p>
+                  </a:txBody>
+                  <a:tcPr/>
+                </a:tc>
+              </a:tr>
+              <a:tr h="758976">
+                <a:tc>
+                  <a:txBody>
+                    <a:bodyPr/>
+                    <a:lstStyle/>
+                    <a:p>
+                      <a:r>
+                        <a:rPr lang="en-US" dirty="0" smtClean="0"/>
+                        <a:t>Ease of use</a:t>
+                      </a:r>
+                      <a:endParaRPr lang="en-US" dirty="0"/>
+                    </a:p>
+                  </a:txBody>
+                  <a:tcPr/>
+                </a:tc>
+                <a:tc>
+                  <a:txBody>
+                    <a:bodyPr/>
+                    <a:lstStyle/>
+                    <a:p>
+                      <a:r>
+                        <a:rPr lang="en-US" dirty="0" smtClean="0"/>
+                        <a:t>Good</a:t>
+                      </a:r>
+                    </a:p>
+                  </a:txBody>
+                  <a:tcPr/>
+                </a:tc>
+                <a:tc>
+                  <a:txBody>
+                    <a:bodyPr/>
+                    <a:lstStyle/>
+                    <a:p>
+                      <a:r>
+                        <a:rPr lang="en-US" dirty="0" smtClean="0"/>
+                        <a:t>Good</a:t>
+                      </a:r>
+                      <a:endParaRPr lang="en-US" dirty="0"/>
+                    </a:p>
+                  </a:txBody>
+                  <a:tcPr/>
+                </a:tc>
+                <a:tc>
+                  <a:txBody>
+                    <a:bodyPr/>
+                    <a:lstStyle/>
+                    <a:p>
+                      <a:r>
+                        <a:rPr lang="en-US" dirty="0" smtClean="0"/>
+                        <a:t>Good</a:t>
+                      </a:r>
+                    </a:p>
+                    <a:p>
+                      <a:endParaRPr lang="en-US" dirty="0"/>
+                    </a:p>
+                  </a:txBody>
+                  <a:tcPr/>
+                </a:tc>
+                <a:tc>
+                  <a:txBody>
+                    <a:bodyPr/>
+                    <a:lstStyle/>
+                    <a:p>
+                      <a:r>
+                        <a:rPr lang="en-US" dirty="0" smtClean="0"/>
+                        <a:t>Poor</a:t>
+                      </a:r>
+                      <a:endParaRPr lang="en-US" dirty="0"/>
+                    </a:p>
+                  </a:txBody>
+                  <a:tcPr/>
+                </a:tc>
+              </a:tr>
+              <a:tr h="758976">
+                <a:tc>
+                  <a:txBody>
+                    <a:bodyPr/>
+                    <a:lstStyle/>
+                    <a:p>
+                      <a:r>
+                        <a:rPr lang="en-US" dirty="0" smtClean="0"/>
+                        <a:t>Documented</a:t>
+                      </a:r>
+                      <a:endParaRPr lang="en-US" dirty="0"/>
+                    </a:p>
+                  </a:txBody>
+                  <a:tcPr/>
+                </a:tc>
+                <a:tc>
+                  <a:txBody>
+                    <a:bodyPr/>
+                    <a:lstStyle/>
+                    <a:p>
+                      <a:r>
+                        <a:rPr lang="en-US" dirty="0" smtClean="0"/>
+                        <a:t>MSDN</a:t>
+                      </a:r>
+                      <a:endParaRPr lang="en-US" dirty="0"/>
+                    </a:p>
+                  </a:txBody>
+                  <a:tcPr/>
+                </a:tc>
+                <a:tc>
+                  <a:txBody>
+                    <a:bodyPr/>
+                    <a:lstStyle/>
+                    <a:p>
+                      <a:r>
+                        <a:rPr lang="en-US" dirty="0" smtClean="0"/>
+                        <a:t>Yes</a:t>
+                      </a:r>
+                      <a:endParaRPr lang="en-US" dirty="0"/>
+                    </a:p>
+                  </a:txBody>
+                  <a:tcPr/>
+                </a:tc>
+                <a:tc>
+                  <a:txBody>
+                    <a:bodyPr/>
+                    <a:lstStyle/>
+                    <a:p>
+                      <a:r>
+                        <a:rPr lang="en-US" dirty="0" smtClean="0"/>
+                        <a:t>Yes</a:t>
+                      </a:r>
+                      <a:endParaRPr lang="en-US" dirty="0"/>
+                    </a:p>
+                  </a:txBody>
+                  <a:tcPr/>
+                </a:tc>
+                <a:tc>
+                  <a:txBody>
+                    <a:bodyPr/>
+                    <a:lstStyle/>
+                    <a:p>
+                      <a:r>
+                        <a:rPr lang="en-US" dirty="0" smtClean="0"/>
+                        <a:t>Yes</a:t>
+                      </a:r>
+                      <a:endParaRPr lang="en-US" dirty="0"/>
+                    </a:p>
+                  </a:txBody>
+                  <a:tcPr/>
+                </a:tc>
+              </a:tr>
+              <a:tr h="758976">
+                <a:tc>
+                  <a:txBody>
+                    <a:bodyPr/>
+                    <a:lstStyle/>
+                    <a:p>
+                      <a:r>
+                        <a:rPr lang="en-US" dirty="0" smtClean="0"/>
+                        <a:t>Documentation</a:t>
+                      </a:r>
+                      <a:endParaRPr lang="en-US" dirty="0"/>
+                    </a:p>
+                  </a:txBody>
+                  <a:tcPr/>
+                </a:tc>
+                <a:tc>
+                  <a:txBody>
+                    <a:bodyPr/>
+                    <a:lstStyle/>
+                    <a:p>
+                      <a:r>
+                        <a:rPr lang="en-US" dirty="0" smtClean="0"/>
+                        <a:t>Yes</a:t>
+                      </a:r>
+                      <a:endParaRPr lang="en-US" dirty="0"/>
+                    </a:p>
+                  </a:txBody>
+                  <a:tcPr/>
+                </a:tc>
+                <a:tc>
+                  <a:txBody>
+                    <a:bodyPr/>
+                    <a:lstStyle/>
+                    <a:p>
+                      <a:r>
+                        <a:rPr lang="en-US" dirty="0" smtClean="0"/>
+                        <a:t>No</a:t>
+                      </a:r>
+                      <a:endParaRPr lang="en-US" dirty="0"/>
+                    </a:p>
+                  </a:txBody>
+                  <a:tcPr/>
+                </a:tc>
+                <a:tc>
+                  <a:txBody>
+                    <a:bodyPr/>
+                    <a:lstStyle/>
+                    <a:p>
+                      <a:r>
+                        <a:rPr lang="en-US" dirty="0" smtClean="0"/>
+                        <a:t>Yes</a:t>
+                      </a:r>
+                      <a:endParaRPr lang="en-US" dirty="0"/>
+                    </a:p>
+                  </a:txBody>
+                  <a:tcPr/>
+                </a:tc>
+                <a:tc>
+                  <a:txBody>
+                    <a:bodyPr/>
+                    <a:lstStyle/>
+                    <a:p>
+                      <a:r>
+                        <a:rPr lang="en-US" dirty="0" smtClean="0"/>
+                        <a:t>No</a:t>
+                      </a:r>
+                      <a:endParaRPr lang="en-US" dirty="0"/>
+                    </a:p>
+                  </a:txBody>
+                  <a:tcPr/>
+                </a:tc>
+              </a:tr>
+              <a:tr h="758976">
+                <a:tc>
+                  <a:txBody>
+                    <a:bodyPr/>
+                    <a:lstStyle/>
+                    <a:p>
+                      <a:r>
+                        <a:rPr lang="en-US" dirty="0" smtClean="0"/>
+                        <a:t>OData</a:t>
+                      </a:r>
+                      <a:endParaRPr lang="en-US" dirty="0"/>
+                    </a:p>
+                  </a:txBody>
+                  <a:tcPr/>
+                </a:tc>
+                <a:tc>
+                  <a:txBody>
+                    <a:bodyPr/>
+                    <a:lstStyle/>
+                    <a:p>
+                      <a:r>
+                        <a:rPr lang="en-US" dirty="0" smtClean="0"/>
+                        <a:t>Yes</a:t>
+                      </a:r>
+                      <a:endParaRPr lang="en-US" dirty="0"/>
+                    </a:p>
+                  </a:txBody>
+                  <a:tcPr/>
+                </a:tc>
+                <a:tc>
+                  <a:txBody>
+                    <a:bodyPr/>
+                    <a:lstStyle/>
+                    <a:p>
+                      <a:r>
+                        <a:rPr lang="en-US" dirty="0" smtClean="0"/>
+                        <a:t>Yes</a:t>
+                      </a:r>
+                      <a:endParaRPr lang="en-US" dirty="0"/>
+                    </a:p>
+                  </a:txBody>
+                  <a:tcPr/>
+                </a:tc>
+                <a:tc>
+                  <a:txBody>
+                    <a:bodyPr/>
+                    <a:lstStyle/>
+                    <a:p>
+                      <a:r>
+                        <a:rPr lang="en-US" dirty="0" smtClean="0"/>
+                        <a:t>No</a:t>
+                      </a:r>
+                      <a:endParaRPr lang="en-US" dirty="0"/>
+                    </a:p>
+                  </a:txBody>
+                  <a:tcPr/>
+                </a:tc>
+                <a:tc>
+                  <a:txBody>
+                    <a:bodyPr/>
+                    <a:lstStyle/>
+                    <a:p>
+                      <a:r>
+                        <a:rPr lang="en-US" dirty="0" smtClean="0"/>
+                        <a:t>No</a:t>
+                      </a:r>
+                      <a:endParaRPr lang="en-US" dirty="0"/>
+                    </a:p>
+                  </a:txBody>
+                  <a:tcPr/>
+                </a:tc>
+              </a:tr>
+              <a:tr h="758976">
+                <a:tc>
+                  <a:txBody>
+                    <a:bodyPr/>
+                    <a:lstStyle/>
+                    <a:p>
+                      <a:r>
+                        <a:rPr lang="en-US" dirty="0" smtClean="0"/>
+                        <a:t>Customization</a:t>
+                      </a:r>
+                      <a:endParaRPr lang="en-US" dirty="0"/>
+                    </a:p>
+                  </a:txBody>
+                  <a:tcPr/>
+                </a:tc>
+                <a:tc>
+                  <a:txBody>
+                    <a:bodyPr/>
+                    <a:lstStyle/>
+                    <a:p>
+                      <a:r>
+                        <a:rPr lang="en-US" dirty="0" smtClean="0"/>
+                        <a:t>Somewhat</a:t>
+                      </a:r>
+                      <a:endParaRPr lang="en-US" dirty="0"/>
+                    </a:p>
+                  </a:txBody>
+                  <a:tcPr/>
+                </a:tc>
+                <a:tc>
+                  <a:txBody>
+                    <a:bodyPr/>
+                    <a:lstStyle/>
+                    <a:p>
+                      <a:r>
+                        <a:rPr lang="en-US" dirty="0" smtClean="0"/>
+                        <a:t>Good</a:t>
+                      </a:r>
+                      <a:endParaRPr lang="en-US" dirty="0"/>
+                    </a:p>
+                  </a:txBody>
+                  <a:tcPr/>
+                </a:tc>
+                <a:tc>
+                  <a:txBody>
+                    <a:bodyPr/>
+                    <a:lstStyle/>
+                    <a:p>
+                      <a:r>
+                        <a:rPr lang="en-US" dirty="0" smtClean="0"/>
+                        <a:t>Great</a:t>
+                      </a:r>
+                      <a:endParaRPr lang="en-US" dirty="0"/>
+                    </a:p>
+                  </a:txBody>
+                  <a:tcPr/>
+                </a:tc>
+                <a:tc>
+                  <a:txBody>
+                    <a:bodyPr/>
+                    <a:lstStyle/>
+                    <a:p>
+                      <a:r>
+                        <a:rPr lang="en-US" dirty="0" smtClean="0"/>
+                        <a:t>You will</a:t>
+                      </a:r>
+                      <a:endParaRPr lang="en-US" dirty="0"/>
+                    </a:p>
+                  </a:txBody>
+                  <a:tcPr/>
+                </a:tc>
+              </a:tr>
+              <a:tr h="758976">
+                <a:tc>
+                  <a:txBody>
+                    <a:bodyPr/>
+                    <a:lstStyle/>
+                    <a:p>
+                      <a:r>
+                        <a:rPr lang="en-US" dirty="0" smtClean="0"/>
+                        <a:t>Hosting</a:t>
+                      </a:r>
+                      <a:endParaRPr lang="en-US" dirty="0"/>
+                    </a:p>
+                  </a:txBody>
+                  <a:tcPr/>
+                </a:tc>
+                <a:tc>
+                  <a:txBody>
+                    <a:bodyPr/>
+                    <a:lstStyle/>
+                    <a:p>
+                      <a:r>
+                        <a:rPr lang="en-US" dirty="0" smtClean="0"/>
+                        <a:t>IIS, Self</a:t>
+                      </a:r>
+                      <a:endParaRPr lang="en-US" dirty="0"/>
+                    </a:p>
+                  </a:txBody>
+                  <a:tcPr/>
+                </a:tc>
+                <a:tc>
+                  <a:txBody>
+                    <a:bodyPr/>
+                    <a:lstStyle/>
+                    <a:p>
+                      <a:r>
+                        <a:rPr lang="en-US" dirty="0" smtClean="0"/>
+                        <a:t>IIS, Self, OWIN, Mono</a:t>
+                      </a:r>
+                      <a:endParaRPr lang="en-US" dirty="0"/>
+                    </a:p>
+                  </a:txBody>
+                  <a:tcPr/>
+                </a:tc>
+                <a:tc>
+                  <a:txBody>
+                    <a:bodyPr/>
+                    <a:lstStyle/>
+                    <a:p>
+                      <a:r>
+                        <a:rPr lang="en-US" dirty="0" smtClean="0"/>
+                        <a:t>IIS, Self, Mono</a:t>
+                      </a:r>
+                      <a:endParaRPr lang="en-US" dirty="0"/>
+                    </a:p>
+                  </a:txBody>
+                  <a:tcPr/>
+                </a:tc>
+                <a:tc>
+                  <a:txBody>
+                    <a:bodyPr/>
+                    <a:lstStyle/>
+                    <a:p>
+                      <a:r>
+                        <a:rPr lang="en-US" dirty="0" smtClean="0"/>
+                        <a:t>IIS</a:t>
+                      </a:r>
+                      <a:endParaRPr lang="en-US" dirty="0"/>
+                    </a:p>
+                  </a:txBody>
+                  <a:tcPr/>
+                </a:tc>
+              </a:tr>
+            </a:tbl>
+          </a:graphicData>
+        </a:graphic>
+      </p:graphicFrame>
     </p:spTree>
     <p:extLst>
       <p:ext uri="{BB962C8B-B14F-4D97-AF65-F5344CB8AC3E}">
-        <p14:creationId xmlns:p14="http://schemas.microsoft.com/office/powerpoint/2010/main" val="1389485266"/>
+        <p14:creationId xmlns:p14="http://schemas.microsoft.com/office/powerpoint/2010/main" val="2146069233"/>
       </p:ext>
     </p:extLst>
   </p:cSld>
@@ -6283,6 +6260,156 @@
           <a:chExt cx="0" cy="0"/>
         </a:xfrm>
       </p:grpSpPr>
+      <p:sp>
+        <p:nvSpPr>
+          <p:cNvPr id="2" name="TextBox 1"/>
+          <p:cNvSpPr txBox="1"/>
+          <p:nvPr/>
+        </p:nvSpPr>
+        <p:spPr>
+          <a:xfrm>
+            <a:off x="3787997" y="2828836"/>
+            <a:ext cx="4616007" cy="1200329"/>
+          </a:xfrm>
+          <a:prstGeom prst="rect">
+            <a:avLst/>
+          </a:prstGeom>
+          <a:noFill/>
+        </p:spPr>
+        <p:txBody>
+          <a:bodyPr wrap="none" rtlCol="0">
+            <a:spAutoFit/>
+          </a:bodyPr>
+          <a:lstStyle/>
+          <a:p>
+            <a:r>
+              <a:rPr lang="en-US" sz="7200" dirty="0" err="1" smtClean="0"/>
+              <a:t>Simple.Web</a:t>
+            </a:r>
+            <a:endParaRPr lang="en-US" sz="7200" dirty="0"/>
+          </a:p>
+        </p:txBody>
+      </p:sp>
+    </p:spTree>
+    <p:extLst>
+      <p:ext uri="{BB962C8B-B14F-4D97-AF65-F5344CB8AC3E}">
+        <p14:creationId xmlns:p14="http://schemas.microsoft.com/office/powerpoint/2010/main" val="1006350517"/>
+      </p:ext>
+    </p:extLst>
+  </p:cSld>
+  <p:clrMapOvr>
+    <a:masterClrMapping/>
+  </p:clrMapOvr>
+  <p:timing>
+    <p:tnLst>
+      <p:par>
+        <p:cTn id="1" dur="indefinite" restart="never" nodeType="tmRoot"/>
+      </p:par>
+    </p:tnLst>
+  </p:timing>
+</p:sld>
+</file>
+
+<file path=ppt/slides/slide32.xml><?xml version="1.0" encoding="utf-8"?>
+<p:sld xmlns:a="http://schemas.openxmlformats.org/drawingml/2006/main" xmlns:r="http://schemas.openxmlformats.org/officeDocument/2006/relationships" xmlns:p="http://schemas.openxmlformats.org/presentationml/2006/main">
+  <p:cSld>
+    <p:spTree>
+      <p:nvGrpSpPr>
+        <p:cNvPr id="1" name=""/>
+        <p:cNvGrpSpPr/>
+        <p:nvPr/>
+      </p:nvGrpSpPr>
+      <p:grpSpPr>
+        <a:xfrm>
+          <a:off x="0" y="0"/>
+          <a:ext cx="0" cy="0"/>
+          <a:chOff x="0" y="0"/>
+          <a:chExt cx="0" cy="0"/>
+        </a:xfrm>
+      </p:grpSpPr>
+      <p:sp>
+        <p:nvSpPr>
+          <p:cNvPr id="3" name="Content Placeholder 2"/>
+          <p:cNvSpPr>
+            <a:spLocks noGrp="1"/>
+          </p:cNvSpPr>
+          <p:nvPr>
+            <p:ph idx="1"/>
+          </p:nvPr>
+        </p:nvSpPr>
+        <p:spPr/>
+        <p:txBody>
+          <a:bodyPr/>
+          <a:lstStyle/>
+          <a:p>
+            <a:pPr marL="0" indent="0">
+              <a:buNone/>
+            </a:pPr>
+            <a:r>
+              <a:rPr lang="en-US" dirty="0" smtClean="0"/>
+              <a:t>@</a:t>
+            </a:r>
+            <a:r>
+              <a:rPr lang="en-US" dirty="0" err="1" smtClean="0"/>
+              <a:t>markrendle</a:t>
+            </a:r>
+            <a:endParaRPr lang="en-US" dirty="0" smtClean="0"/>
+          </a:p>
+          <a:p>
+            <a:pPr marL="0" indent="0">
+              <a:buNone/>
+            </a:pPr>
+            <a:endParaRPr lang="en-US" dirty="0"/>
+          </a:p>
+          <a:p>
+            <a:pPr marL="0" indent="0">
+              <a:buNone/>
+            </a:pPr>
+            <a:r>
+              <a:rPr lang="en-US" dirty="0" smtClean="0"/>
+              <a:t>https://github.com/markrendle/Simple.Web</a:t>
+            </a:r>
+            <a:endParaRPr lang="en-US" dirty="0"/>
+          </a:p>
+        </p:txBody>
+      </p:sp>
+    </p:spTree>
+    <p:extLst>
+      <p:ext uri="{BB962C8B-B14F-4D97-AF65-F5344CB8AC3E}">
+        <p14:creationId xmlns:p14="http://schemas.microsoft.com/office/powerpoint/2010/main" val="1389485266"/>
+      </p:ext>
+    </p:extLst>
+  </p:cSld>
+  <p:clrMapOvr>
+    <a:masterClrMapping/>
+  </p:clrMapOvr>
+  <p:timing>
+    <p:tnLst>
+      <p:par>
+        <p:cTn id="1" dur="indefinite" restart="never" nodeType="tmRoot"/>
+      </p:par>
+    </p:tnLst>
+  </p:timing>
+</p:sld>
+</file>
+
+<file path=ppt/slides/slide33.xml><?xml version="1.0" encoding="utf-8"?>
+<p:sld xmlns:a="http://schemas.openxmlformats.org/drawingml/2006/main" xmlns:r="http://schemas.openxmlformats.org/officeDocument/2006/relationships" xmlns:p="http://schemas.openxmlformats.org/presentationml/2006/main">
+  <p:cSld>
+    <p:spTree>
+      <p:nvGrpSpPr>
+        <p:cNvPr id="1" name=""/>
+        <p:cNvGrpSpPr/>
+        <p:nvPr/>
+      </p:nvGrpSpPr>
+      <p:grpSpPr>
+        <a:xfrm>
+          <a:off x="0" y="0"/>
+          <a:ext cx="0" cy="0"/>
+          <a:chOff x="0" y="0"/>
+          <a:chExt cx="0" cy="0"/>
+        </a:xfrm>
+      </p:grpSpPr>
       <p:graphicFrame>
         <p:nvGraphicFramePr>
           <p:cNvPr id="2" name="Table 1"/>
@@ -6940,7 +7067,7 @@
 </p:sld>
 </file>
 
-<file path=ppt/slides/slide32.xml><?xml version="1.0" encoding="utf-8"?>
+<file path=ppt/slides/slide34.xml><?xml version="1.0" encoding="utf-8"?>
 <p:sld xmlns:a="http://schemas.openxmlformats.org/drawingml/2006/main" xmlns:r="http://schemas.openxmlformats.org/officeDocument/2006/relationships" xmlns:p="http://schemas.openxmlformats.org/presentationml/2006/main">
   <p:cSld>
     <p:spTree>

--- a/Presentation/So you want an API.pptx
+++ b/Presentation/So you want an API.pptx
@@ -7,8 +7,8 @@
   <p:sldIdLst>
     <p:sldId id="295" r:id="rId2"/>
     <p:sldId id="262" r:id="rId3"/>
-    <p:sldId id="258" r:id="rId4"/>
-    <p:sldId id="293" r:id="rId5"/>
+    <p:sldId id="293" r:id="rId4"/>
+    <p:sldId id="258" r:id="rId5"/>
     <p:sldId id="259" r:id="rId6"/>
     <p:sldId id="264" r:id="rId7"/>
     <p:sldId id="263" r:id="rId8"/>
@@ -5604,56 +5604,40 @@
           <a:chExt cx="0" cy="0"/>
         </a:xfrm>
       </p:grpSpPr>
-      <p:sp>
-        <p:nvSpPr>
-          <p:cNvPr id="3" name="Content Placeholder 2"/>
-          <p:cNvSpPr>
-            <a:spLocks noGrp="1"/>
-          </p:cNvSpPr>
-          <p:nvPr>
-            <p:ph idx="1"/>
-          </p:nvPr>
-        </p:nvSpPr>
-        <p:spPr/>
-        <p:txBody>
-          <a:bodyPr>
-            <a:normAutofit/>
-          </a:bodyPr>
-          <a:lstStyle/>
-          <a:p>
-            <a:pPr marL="0" indent="0">
-              <a:buNone/>
-            </a:pPr>
-            <a:r>
-              <a:rPr lang="en-US" sz="5400" dirty="0" smtClean="0"/>
-              <a:t>Why do I need an API?</a:t>
-            </a:r>
-          </a:p>
-          <a:p>
-            <a:pPr marL="0" indent="0">
-              <a:buNone/>
-            </a:pPr>
-            <a:r>
-              <a:rPr lang="en-US" sz="5400" dirty="0" smtClean="0"/>
-              <a:t>What do I need from an API?</a:t>
-            </a:r>
-          </a:p>
-          <a:p>
-            <a:pPr marL="0" indent="0">
-              <a:buNone/>
-            </a:pPr>
-            <a:r>
-              <a:rPr lang="en-US" sz="5400" dirty="0" smtClean="0"/>
-              <a:t>What framework should I use?</a:t>
-            </a:r>
-            <a:endParaRPr lang="en-US" sz="5400" dirty="0"/>
-          </a:p>
-        </p:txBody>
-      </p:sp>
+      <p:pic>
+        <p:nvPicPr>
+          <p:cNvPr id="3" name="Picture 2"/>
+          <p:cNvPicPr>
+            <a:picLocks noChangeAspect="1"/>
+          </p:cNvPicPr>
+          <p:nvPr/>
+        </p:nvPicPr>
+        <p:blipFill>
+          <a:blip r:embed="rId2">
+            <a:extLst>
+              <a:ext uri="{28A0092B-C50C-407E-A947-70E740481C1C}">
+                <a14:useLocalDpi xmlns:a14="http://schemas.microsoft.com/office/drawing/2010/main" val="0"/>
+              </a:ext>
+            </a:extLst>
+          </a:blip>
+          <a:stretch>
+            <a:fillRect/>
+          </a:stretch>
+        </p:blipFill>
+        <p:spPr>
+          <a:xfrm>
+            <a:off x="0" y="0"/>
+            <a:ext cx="12192000" cy="6858000"/>
+          </a:xfrm>
+          <a:prstGeom prst="rect">
+            <a:avLst/>
+          </a:prstGeom>
+        </p:spPr>
+      </p:pic>
     </p:spTree>
     <p:extLst>
       <p:ext uri="{BB962C8B-B14F-4D97-AF65-F5344CB8AC3E}">
-        <p14:creationId xmlns:p14="http://schemas.microsoft.com/office/powerpoint/2010/main" val="1361037811"/>
+        <p14:creationId xmlns:p14="http://schemas.microsoft.com/office/powerpoint/2010/main" val="631825304"/>
       </p:ext>
     </p:extLst>
   </p:cSld>
@@ -7198,40 +7182,56 @@
           <a:chExt cx="0" cy="0"/>
         </a:xfrm>
       </p:grpSpPr>
-      <p:pic>
-        <p:nvPicPr>
-          <p:cNvPr id="3" name="Picture 2"/>
-          <p:cNvPicPr>
-            <a:picLocks noChangeAspect="1"/>
-          </p:cNvPicPr>
-          <p:nvPr/>
-        </p:nvPicPr>
-        <p:blipFill>
-          <a:blip r:embed="rId2">
-            <a:extLst>
-              <a:ext uri="{28A0092B-C50C-407E-A947-70E740481C1C}">
-                <a14:useLocalDpi xmlns:a14="http://schemas.microsoft.com/office/drawing/2010/main" val="0"/>
-              </a:ext>
-            </a:extLst>
-          </a:blip>
-          <a:stretch>
-            <a:fillRect/>
-          </a:stretch>
-        </p:blipFill>
-        <p:spPr>
-          <a:xfrm>
-            <a:off x="0" y="0"/>
-            <a:ext cx="12192000" cy="6858000"/>
-          </a:xfrm>
-          <a:prstGeom prst="rect">
-            <a:avLst/>
-          </a:prstGeom>
-        </p:spPr>
-      </p:pic>
+      <p:sp>
+        <p:nvSpPr>
+          <p:cNvPr id="3" name="Content Placeholder 2"/>
+          <p:cNvSpPr>
+            <a:spLocks noGrp="1"/>
+          </p:cNvSpPr>
+          <p:nvPr>
+            <p:ph idx="1"/>
+          </p:nvPr>
+        </p:nvSpPr>
+        <p:spPr/>
+        <p:txBody>
+          <a:bodyPr>
+            <a:normAutofit/>
+          </a:bodyPr>
+          <a:lstStyle/>
+          <a:p>
+            <a:pPr marL="0" indent="0">
+              <a:buNone/>
+            </a:pPr>
+            <a:r>
+              <a:rPr lang="en-US" sz="5400" dirty="0" smtClean="0"/>
+              <a:t>Why do I need an API?</a:t>
+            </a:r>
+          </a:p>
+          <a:p>
+            <a:pPr marL="0" indent="0">
+              <a:buNone/>
+            </a:pPr>
+            <a:r>
+              <a:rPr lang="en-US" sz="5400" dirty="0" smtClean="0"/>
+              <a:t>What do I need from an API?</a:t>
+            </a:r>
+          </a:p>
+          <a:p>
+            <a:pPr marL="0" indent="0">
+              <a:buNone/>
+            </a:pPr>
+            <a:r>
+              <a:rPr lang="en-US" sz="5400" dirty="0" smtClean="0"/>
+              <a:t>What framework should I use?</a:t>
+            </a:r>
+            <a:endParaRPr lang="en-US" sz="5400" dirty="0"/>
+          </a:p>
+        </p:txBody>
+      </p:sp>
     </p:spTree>
     <p:extLst>
       <p:ext uri="{BB962C8B-B14F-4D97-AF65-F5344CB8AC3E}">
-        <p14:creationId xmlns:p14="http://schemas.microsoft.com/office/powerpoint/2010/main" val="631825304"/>
+        <p14:creationId xmlns:p14="http://schemas.microsoft.com/office/powerpoint/2010/main" val="1361037811"/>
       </p:ext>
     </p:extLst>
   </p:cSld>
